--- a/powerpoint/Presentation_Final [Récupéré].pptx
+++ b/powerpoint/Presentation_Final [Récupéré].pptx
@@ -1070,6 +1070,66 @@
           <a:bodyPr/>
           <a:lstStyle/>
           <a:p>
+            <a:r>
+              <a:rPr lang="fr-BE" sz="1200" b="0" i="0" kern="1200" dirty="0" smtClean="0">
+                <a:solidFill>
+                  <a:schemeClr val="tx1"/>
+                </a:solidFill>
+                <a:effectLst/>
+                <a:latin typeface="+mn-lt"/>
+                <a:ea typeface="+mn-ea"/>
+                <a:cs typeface="+mn-cs"/>
+              </a:rPr>
+              <a:t>La classe BranchGroup possède une méthode compile(). L'appel de cette méthode convertit toute la branche de l'arbre située sous le nœud BranchGroup en une représentation interne qui est optimisée pour le moteur de rendu afin d'avoir un affichage rapide. Les optimisations effectuées par cette méthode compile() sont multiples, l'une d'entre elles consiste à transformer plusieurs nœuds de type </a:t>
+            </a:r>
+            <a:r>
+              <a:rPr lang="fr-BE" sz="1200" b="0" i="0" kern="1200" dirty="0" err="1" smtClean="0">
+                <a:solidFill>
+                  <a:schemeClr val="tx1"/>
+                </a:solidFill>
+                <a:effectLst/>
+                <a:latin typeface="+mn-lt"/>
+                <a:ea typeface="+mn-ea"/>
+                <a:cs typeface="+mn-cs"/>
+              </a:rPr>
+              <a:t>TransformGroup</a:t>
+            </a:r>
+            <a:r>
+              <a:rPr lang="fr-BE" sz="1200" b="0" i="0" kern="1200" dirty="0" smtClean="0">
+                <a:solidFill>
+                  <a:schemeClr val="tx1"/>
+                </a:solidFill>
+                <a:effectLst/>
+                <a:latin typeface="+mn-lt"/>
+                <a:ea typeface="+mn-ea"/>
+                <a:cs typeface="+mn-cs"/>
+              </a:rPr>
+              <a:t> consécutifs en une seul objet </a:t>
+            </a:r>
+            <a:r>
+              <a:rPr lang="fr-BE" sz="1200" b="0" i="0" kern="1200" dirty="0" err="1" smtClean="0">
+                <a:solidFill>
+                  <a:schemeClr val="tx1"/>
+                </a:solidFill>
+                <a:effectLst/>
+                <a:latin typeface="+mn-lt"/>
+                <a:ea typeface="+mn-ea"/>
+                <a:cs typeface="+mn-cs"/>
+              </a:rPr>
+              <a:t>TransformGroup</a:t>
+            </a:r>
+            <a:r>
+              <a:rPr lang="fr-BE" sz="1200" b="0" i="0" kern="1200" dirty="0" smtClean="0">
+                <a:solidFill>
+                  <a:schemeClr val="tx1"/>
+                </a:solidFill>
+                <a:effectLst/>
+                <a:latin typeface="+mn-lt"/>
+                <a:ea typeface="+mn-ea"/>
+                <a:cs typeface="+mn-cs"/>
+              </a:rPr>
+              <a:t>. La transformation 3D résultante n'en sera que plus performante :</a:t>
+            </a:r>
             <a:endParaRPr lang="fr-BE" dirty="0"/>
           </a:p>
         </p:txBody>
@@ -1091,7 +1151,7 @@
           <a:p>
             <a:fld id="{F9B9F26C-5E20-463A-A30E-4B3CD8C634F9}" type="slidenum">
               <a:rPr lang="en-US" smtClean="0"/>
-              <a:t>15</a:t>
+              <a:t>14</a:t>
             </a:fld>
             <a:endParaRPr lang="en-US"/>
           </a:p>
@@ -1100,7 +1160,7 @@
     </p:spTree>
     <p:extLst>
       <p:ext uri="{BB962C8B-B14F-4D97-AF65-F5344CB8AC3E}">
-        <p14:creationId xmlns:p14="http://schemas.microsoft.com/office/powerpoint/2010/main" val="1095302871"/>
+        <p14:creationId xmlns:p14="http://schemas.microsoft.com/office/powerpoint/2010/main" val="885670676"/>
       </p:ext>
     </p:extLst>
   </p:cSld>
@@ -1154,246 +1214,6 @@
           <a:bodyPr/>
           <a:lstStyle/>
           <a:p>
-            <a:r>
-              <a:rPr lang="fr-BE" sz="1200" b="0" i="0" kern="1200" dirty="0" err="1" smtClean="0">
-                <a:solidFill>
-                  <a:schemeClr val="tx1"/>
-                </a:solidFill>
-                <a:effectLst/>
-                <a:latin typeface="+mn-lt"/>
-                <a:ea typeface="+mn-ea"/>
-                <a:cs typeface="+mn-cs"/>
-              </a:rPr>
-              <a:t>Immediate</a:t>
-            </a:r>
-            <a:r>
-              <a:rPr lang="fr-BE" sz="1200" b="0" i="0" kern="1200" dirty="0" smtClean="0">
-                <a:solidFill>
-                  <a:schemeClr val="tx1"/>
-                </a:solidFill>
-                <a:effectLst/>
-                <a:latin typeface="+mn-lt"/>
-                <a:ea typeface="+mn-ea"/>
-                <a:cs typeface="+mn-cs"/>
-              </a:rPr>
-              <a:t> mode</a:t>
-            </a:r>
-            <a:br>
-              <a:rPr lang="fr-BE" sz="1200" b="0" i="0" kern="1200" dirty="0" smtClean="0">
-                <a:solidFill>
-                  <a:schemeClr val="tx1"/>
-                </a:solidFill>
-                <a:effectLst/>
-                <a:latin typeface="+mn-lt"/>
-                <a:ea typeface="+mn-ea"/>
-                <a:cs typeface="+mn-cs"/>
-              </a:rPr>
-            </a:br>
-            <a:r>
-              <a:rPr lang="fr-BE" sz="1200" b="0" i="0" kern="1200" dirty="0" smtClean="0">
-                <a:solidFill>
-                  <a:schemeClr val="tx1"/>
-                </a:solidFill>
-                <a:effectLst/>
-                <a:latin typeface="+mn-lt"/>
-                <a:ea typeface="+mn-ea"/>
-                <a:cs typeface="+mn-cs"/>
-              </a:rPr>
-              <a:t>Permet d'utiliser ou non la structure graphe de scène inhérente à l'API Java 3D.</a:t>
-            </a:r>
-            <a:br>
-              <a:rPr lang="fr-BE" sz="1200" b="0" i="0" kern="1200" dirty="0" smtClean="0">
-                <a:solidFill>
-                  <a:schemeClr val="tx1"/>
-                </a:solidFill>
-                <a:effectLst/>
-                <a:latin typeface="+mn-lt"/>
-                <a:ea typeface="+mn-ea"/>
-                <a:cs typeface="+mn-cs"/>
-              </a:rPr>
-            </a:br>
-            <a:r>
-              <a:rPr lang="fr-BE" sz="1200" b="0" i="0" kern="1200" dirty="0" smtClean="0">
-                <a:solidFill>
-                  <a:schemeClr val="tx1"/>
-                </a:solidFill>
-                <a:effectLst/>
-                <a:latin typeface="+mn-lt"/>
-                <a:ea typeface="+mn-ea"/>
-                <a:cs typeface="+mn-cs"/>
-              </a:rPr>
-              <a:t>Maximum de flexibilité au prix d'une moins bonne vitesse de rendu.</a:t>
-            </a:r>
-          </a:p>
-          <a:p>
-            <a:r>
-              <a:rPr lang="fr-BE" sz="1200" b="0" i="0" kern="1200" dirty="0" err="1" smtClean="0">
-                <a:solidFill>
-                  <a:schemeClr val="tx1"/>
-                </a:solidFill>
-                <a:effectLst/>
-                <a:latin typeface="+mn-lt"/>
-                <a:ea typeface="+mn-ea"/>
-                <a:cs typeface="+mn-cs"/>
-              </a:rPr>
-              <a:t>Retained</a:t>
-            </a:r>
-            <a:r>
-              <a:rPr lang="fr-BE" sz="1200" b="0" i="0" kern="1200" dirty="0" smtClean="0">
-                <a:solidFill>
-                  <a:schemeClr val="tx1"/>
-                </a:solidFill>
-                <a:effectLst/>
-                <a:latin typeface="+mn-lt"/>
-                <a:ea typeface="+mn-ea"/>
-                <a:cs typeface="+mn-cs"/>
-              </a:rPr>
-              <a:t> mode</a:t>
-            </a:r>
-            <a:br>
-              <a:rPr lang="fr-BE" sz="1200" b="0" i="0" kern="1200" dirty="0" smtClean="0">
-                <a:solidFill>
-                  <a:schemeClr val="tx1"/>
-                </a:solidFill>
-                <a:effectLst/>
-                <a:latin typeface="+mn-lt"/>
-                <a:ea typeface="+mn-ea"/>
-                <a:cs typeface="+mn-cs"/>
-              </a:rPr>
-            </a:br>
-            <a:r>
-              <a:rPr lang="fr-BE" sz="1200" b="0" i="0" kern="1200" dirty="0" smtClean="0">
-                <a:solidFill>
-                  <a:schemeClr val="tx1"/>
-                </a:solidFill>
-                <a:effectLst/>
-                <a:latin typeface="+mn-lt"/>
-                <a:ea typeface="+mn-ea"/>
-                <a:cs typeface="+mn-cs"/>
-              </a:rPr>
-              <a:t>Tous les objets définis dans le graphe de scène accessibles et manipulables (création, destruction, ...) par programme, par sélection, ...</a:t>
-            </a:r>
-            <a:br>
-              <a:rPr lang="fr-BE" sz="1200" b="0" i="0" kern="1200" dirty="0" smtClean="0">
-                <a:solidFill>
-                  <a:schemeClr val="tx1"/>
-                </a:solidFill>
-                <a:effectLst/>
-                <a:latin typeface="+mn-lt"/>
-                <a:ea typeface="+mn-ea"/>
-                <a:cs typeface="+mn-cs"/>
-              </a:rPr>
-            </a:br>
-            <a:r>
-              <a:rPr lang="fr-BE" sz="1200" b="0" i="0" kern="1200" dirty="0" smtClean="0">
-                <a:solidFill>
-                  <a:schemeClr val="tx1"/>
-                </a:solidFill>
-                <a:effectLst/>
-                <a:latin typeface="+mn-lt"/>
-                <a:ea typeface="+mn-ea"/>
-                <a:cs typeface="+mn-cs"/>
-              </a:rPr>
-              <a:t>Optimisation de la vitesse de rendu par réalisation automatique d'optimisations par Java3D (opération possible car Java 3D connaît ce que le programmeur a réalisé).</a:t>
-            </a:r>
-          </a:p>
-          <a:p>
-            <a:r>
-              <a:rPr lang="fr-BE" sz="1200" b="0" i="0" kern="1200" dirty="0" err="1" smtClean="0">
-                <a:solidFill>
-                  <a:schemeClr val="tx1"/>
-                </a:solidFill>
-                <a:effectLst/>
-                <a:latin typeface="+mn-lt"/>
-                <a:ea typeface="+mn-ea"/>
-                <a:cs typeface="+mn-cs"/>
-              </a:rPr>
-              <a:t>Compiled-Retained</a:t>
-            </a:r>
-            <a:r>
-              <a:rPr lang="fr-BE" sz="1200" b="0" i="0" kern="1200" dirty="0" smtClean="0">
-                <a:solidFill>
-                  <a:schemeClr val="tx1"/>
-                </a:solidFill>
-                <a:effectLst/>
-                <a:latin typeface="+mn-lt"/>
-                <a:ea typeface="+mn-ea"/>
-                <a:cs typeface="+mn-cs"/>
-              </a:rPr>
-              <a:t> mode</a:t>
-            </a:r>
-            <a:br>
-              <a:rPr lang="fr-BE" sz="1200" b="0" i="0" kern="1200" dirty="0" smtClean="0">
-                <a:solidFill>
-                  <a:schemeClr val="tx1"/>
-                </a:solidFill>
-                <a:effectLst/>
-                <a:latin typeface="+mn-lt"/>
-                <a:ea typeface="+mn-ea"/>
-                <a:cs typeface="+mn-cs"/>
-              </a:rPr>
-            </a:br>
-            <a:r>
-              <a:rPr lang="fr-BE" sz="1200" b="0" i="0" kern="1200" dirty="0" smtClean="0">
-                <a:solidFill>
-                  <a:schemeClr val="tx1"/>
-                </a:solidFill>
-                <a:effectLst/>
-                <a:latin typeface="+mn-lt"/>
-                <a:ea typeface="+mn-ea"/>
-                <a:cs typeface="+mn-cs"/>
-              </a:rPr>
-              <a:t>Meilleures performances de rendu par optimisation poussée, mais perte de la flexibilité de programmation liée aux possibilités d'accès et de modification des objets.</a:t>
-            </a:r>
-            <a:br>
-              <a:rPr lang="fr-BE" sz="1200" b="0" i="0" kern="1200" dirty="0" smtClean="0">
-                <a:solidFill>
-                  <a:schemeClr val="tx1"/>
-                </a:solidFill>
-                <a:effectLst/>
-                <a:latin typeface="+mn-lt"/>
-                <a:ea typeface="+mn-ea"/>
-                <a:cs typeface="+mn-cs"/>
-              </a:rPr>
-            </a:br>
-            <a:r>
-              <a:rPr lang="fr-BE" sz="1200" b="0" i="0" kern="1200" dirty="0" smtClean="0">
-                <a:solidFill>
-                  <a:schemeClr val="tx1"/>
-                </a:solidFill>
-                <a:effectLst/>
-                <a:latin typeface="+mn-lt"/>
-                <a:ea typeface="+mn-ea"/>
-                <a:cs typeface="+mn-cs"/>
-              </a:rPr>
-              <a:t>Conservation d'un accès aux objets via les </a:t>
-            </a:r>
-            <a:r>
-              <a:rPr lang="fr-BE" sz="1200" b="0" i="0" kern="1200" dirty="0" err="1" smtClean="0">
-                <a:solidFill>
-                  <a:schemeClr val="tx1"/>
-                </a:solidFill>
-                <a:effectLst/>
-                <a:latin typeface="+mn-lt"/>
-                <a:ea typeface="+mn-ea"/>
-                <a:cs typeface="+mn-cs"/>
-              </a:rPr>
-              <a:t>capability</a:t>
-            </a:r>
-            <a:r>
-              <a:rPr lang="fr-BE" sz="1200" b="0" i="0" kern="1200" dirty="0" smtClean="0">
-                <a:solidFill>
-                  <a:schemeClr val="tx1"/>
-                </a:solidFill>
-                <a:effectLst/>
-                <a:latin typeface="+mn-lt"/>
-                <a:ea typeface="+mn-ea"/>
-                <a:cs typeface="+mn-cs"/>
-              </a:rPr>
-              <a:t> flags</a:t>
-            </a:r>
-          </a:p>
-          <a:p>
             <a:endParaRPr lang="fr-BE" dirty="0"/>
           </a:p>
         </p:txBody>
@@ -1415,7 +1235,7 @@
           <a:p>
             <a:fld id="{F9B9F26C-5E20-463A-A30E-4B3CD8C634F9}" type="slidenum">
               <a:rPr lang="en-US" smtClean="0"/>
-              <a:t>16</a:t>
+              <a:t>15</a:t>
             </a:fld>
             <a:endParaRPr lang="en-US"/>
           </a:p>
@@ -1424,7 +1244,7 @@
     </p:spTree>
     <p:extLst>
       <p:ext uri="{BB962C8B-B14F-4D97-AF65-F5344CB8AC3E}">
-        <p14:creationId xmlns:p14="http://schemas.microsoft.com/office/powerpoint/2010/main" val="4111338804"/>
+        <p14:creationId xmlns:p14="http://schemas.microsoft.com/office/powerpoint/2010/main" val="1095302871"/>
       </p:ext>
     </p:extLst>
   </p:cSld>
@@ -1478,6 +1298,246 @@
           <a:bodyPr/>
           <a:lstStyle/>
           <a:p>
+            <a:r>
+              <a:rPr lang="fr-BE" sz="1200" b="0" i="0" kern="1200" dirty="0" err="1" smtClean="0">
+                <a:solidFill>
+                  <a:schemeClr val="tx1"/>
+                </a:solidFill>
+                <a:effectLst/>
+                <a:latin typeface="+mn-lt"/>
+                <a:ea typeface="+mn-ea"/>
+                <a:cs typeface="+mn-cs"/>
+              </a:rPr>
+              <a:t>Immediate</a:t>
+            </a:r>
+            <a:r>
+              <a:rPr lang="fr-BE" sz="1200" b="0" i="0" kern="1200" dirty="0" smtClean="0">
+                <a:solidFill>
+                  <a:schemeClr val="tx1"/>
+                </a:solidFill>
+                <a:effectLst/>
+                <a:latin typeface="+mn-lt"/>
+                <a:ea typeface="+mn-ea"/>
+                <a:cs typeface="+mn-cs"/>
+              </a:rPr>
+              <a:t> mode</a:t>
+            </a:r>
+            <a:br>
+              <a:rPr lang="fr-BE" sz="1200" b="0" i="0" kern="1200" dirty="0" smtClean="0">
+                <a:solidFill>
+                  <a:schemeClr val="tx1"/>
+                </a:solidFill>
+                <a:effectLst/>
+                <a:latin typeface="+mn-lt"/>
+                <a:ea typeface="+mn-ea"/>
+                <a:cs typeface="+mn-cs"/>
+              </a:rPr>
+            </a:br>
+            <a:r>
+              <a:rPr lang="fr-BE" sz="1200" b="0" i="0" kern="1200" dirty="0" smtClean="0">
+                <a:solidFill>
+                  <a:schemeClr val="tx1"/>
+                </a:solidFill>
+                <a:effectLst/>
+                <a:latin typeface="+mn-lt"/>
+                <a:ea typeface="+mn-ea"/>
+                <a:cs typeface="+mn-cs"/>
+              </a:rPr>
+              <a:t>Permet d'utiliser ou non la structure graphe de scène inhérente à l'API Java 3D.</a:t>
+            </a:r>
+            <a:br>
+              <a:rPr lang="fr-BE" sz="1200" b="0" i="0" kern="1200" dirty="0" smtClean="0">
+                <a:solidFill>
+                  <a:schemeClr val="tx1"/>
+                </a:solidFill>
+                <a:effectLst/>
+                <a:latin typeface="+mn-lt"/>
+                <a:ea typeface="+mn-ea"/>
+                <a:cs typeface="+mn-cs"/>
+              </a:rPr>
+            </a:br>
+            <a:r>
+              <a:rPr lang="fr-BE" sz="1200" b="0" i="0" kern="1200" dirty="0" smtClean="0">
+                <a:solidFill>
+                  <a:schemeClr val="tx1"/>
+                </a:solidFill>
+                <a:effectLst/>
+                <a:latin typeface="+mn-lt"/>
+                <a:ea typeface="+mn-ea"/>
+                <a:cs typeface="+mn-cs"/>
+              </a:rPr>
+              <a:t>Maximum de flexibilité au prix d'une moins bonne vitesse de rendu.</a:t>
+            </a:r>
+          </a:p>
+          <a:p>
+            <a:r>
+              <a:rPr lang="fr-BE" sz="1200" b="0" i="0" kern="1200" dirty="0" err="1" smtClean="0">
+                <a:solidFill>
+                  <a:schemeClr val="tx1"/>
+                </a:solidFill>
+                <a:effectLst/>
+                <a:latin typeface="+mn-lt"/>
+                <a:ea typeface="+mn-ea"/>
+                <a:cs typeface="+mn-cs"/>
+              </a:rPr>
+              <a:t>Retained</a:t>
+            </a:r>
+            <a:r>
+              <a:rPr lang="fr-BE" sz="1200" b="0" i="0" kern="1200" dirty="0" smtClean="0">
+                <a:solidFill>
+                  <a:schemeClr val="tx1"/>
+                </a:solidFill>
+                <a:effectLst/>
+                <a:latin typeface="+mn-lt"/>
+                <a:ea typeface="+mn-ea"/>
+                <a:cs typeface="+mn-cs"/>
+              </a:rPr>
+              <a:t> mode</a:t>
+            </a:r>
+            <a:br>
+              <a:rPr lang="fr-BE" sz="1200" b="0" i="0" kern="1200" dirty="0" smtClean="0">
+                <a:solidFill>
+                  <a:schemeClr val="tx1"/>
+                </a:solidFill>
+                <a:effectLst/>
+                <a:latin typeface="+mn-lt"/>
+                <a:ea typeface="+mn-ea"/>
+                <a:cs typeface="+mn-cs"/>
+              </a:rPr>
+            </a:br>
+            <a:r>
+              <a:rPr lang="fr-BE" sz="1200" b="0" i="0" kern="1200" dirty="0" smtClean="0">
+                <a:solidFill>
+                  <a:schemeClr val="tx1"/>
+                </a:solidFill>
+                <a:effectLst/>
+                <a:latin typeface="+mn-lt"/>
+                <a:ea typeface="+mn-ea"/>
+                <a:cs typeface="+mn-cs"/>
+              </a:rPr>
+              <a:t>Tous les objets définis dans le graphe de scène accessibles et manipulables (création, destruction, ...) par programme, par sélection, ...</a:t>
+            </a:r>
+            <a:br>
+              <a:rPr lang="fr-BE" sz="1200" b="0" i="0" kern="1200" dirty="0" smtClean="0">
+                <a:solidFill>
+                  <a:schemeClr val="tx1"/>
+                </a:solidFill>
+                <a:effectLst/>
+                <a:latin typeface="+mn-lt"/>
+                <a:ea typeface="+mn-ea"/>
+                <a:cs typeface="+mn-cs"/>
+              </a:rPr>
+            </a:br>
+            <a:r>
+              <a:rPr lang="fr-BE" sz="1200" b="0" i="0" kern="1200" dirty="0" smtClean="0">
+                <a:solidFill>
+                  <a:schemeClr val="tx1"/>
+                </a:solidFill>
+                <a:effectLst/>
+                <a:latin typeface="+mn-lt"/>
+                <a:ea typeface="+mn-ea"/>
+                <a:cs typeface="+mn-cs"/>
+              </a:rPr>
+              <a:t>Optimisation de la vitesse de rendu par réalisation automatique d'optimisations par Java3D (opération possible car Java 3D connaît ce que le programmeur a réalisé).</a:t>
+            </a:r>
+          </a:p>
+          <a:p>
+            <a:r>
+              <a:rPr lang="fr-BE" sz="1200" b="0" i="0" kern="1200" dirty="0" err="1" smtClean="0">
+                <a:solidFill>
+                  <a:schemeClr val="tx1"/>
+                </a:solidFill>
+                <a:effectLst/>
+                <a:latin typeface="+mn-lt"/>
+                <a:ea typeface="+mn-ea"/>
+                <a:cs typeface="+mn-cs"/>
+              </a:rPr>
+              <a:t>Compiled-Retained</a:t>
+            </a:r>
+            <a:r>
+              <a:rPr lang="fr-BE" sz="1200" b="0" i="0" kern="1200" dirty="0" smtClean="0">
+                <a:solidFill>
+                  <a:schemeClr val="tx1"/>
+                </a:solidFill>
+                <a:effectLst/>
+                <a:latin typeface="+mn-lt"/>
+                <a:ea typeface="+mn-ea"/>
+                <a:cs typeface="+mn-cs"/>
+              </a:rPr>
+              <a:t> mode</a:t>
+            </a:r>
+            <a:br>
+              <a:rPr lang="fr-BE" sz="1200" b="0" i="0" kern="1200" dirty="0" smtClean="0">
+                <a:solidFill>
+                  <a:schemeClr val="tx1"/>
+                </a:solidFill>
+                <a:effectLst/>
+                <a:latin typeface="+mn-lt"/>
+                <a:ea typeface="+mn-ea"/>
+                <a:cs typeface="+mn-cs"/>
+              </a:rPr>
+            </a:br>
+            <a:r>
+              <a:rPr lang="fr-BE" sz="1200" b="0" i="0" kern="1200" dirty="0" smtClean="0">
+                <a:solidFill>
+                  <a:schemeClr val="tx1"/>
+                </a:solidFill>
+                <a:effectLst/>
+                <a:latin typeface="+mn-lt"/>
+                <a:ea typeface="+mn-ea"/>
+                <a:cs typeface="+mn-cs"/>
+              </a:rPr>
+              <a:t>Meilleures performances de rendu par optimisation poussée, mais perte de la flexibilité de programmation liée aux possibilités d'accès et de modification des objets.</a:t>
+            </a:r>
+            <a:br>
+              <a:rPr lang="fr-BE" sz="1200" b="0" i="0" kern="1200" dirty="0" smtClean="0">
+                <a:solidFill>
+                  <a:schemeClr val="tx1"/>
+                </a:solidFill>
+                <a:effectLst/>
+                <a:latin typeface="+mn-lt"/>
+                <a:ea typeface="+mn-ea"/>
+                <a:cs typeface="+mn-cs"/>
+              </a:rPr>
+            </a:br>
+            <a:r>
+              <a:rPr lang="fr-BE" sz="1200" b="0" i="0" kern="1200" dirty="0" smtClean="0">
+                <a:solidFill>
+                  <a:schemeClr val="tx1"/>
+                </a:solidFill>
+                <a:effectLst/>
+                <a:latin typeface="+mn-lt"/>
+                <a:ea typeface="+mn-ea"/>
+                <a:cs typeface="+mn-cs"/>
+              </a:rPr>
+              <a:t>Conservation d'un accès aux objets via les </a:t>
+            </a:r>
+            <a:r>
+              <a:rPr lang="fr-BE" sz="1200" b="0" i="0" kern="1200" dirty="0" err="1" smtClean="0">
+                <a:solidFill>
+                  <a:schemeClr val="tx1"/>
+                </a:solidFill>
+                <a:effectLst/>
+                <a:latin typeface="+mn-lt"/>
+                <a:ea typeface="+mn-ea"/>
+                <a:cs typeface="+mn-cs"/>
+              </a:rPr>
+              <a:t>capability</a:t>
+            </a:r>
+            <a:r>
+              <a:rPr lang="fr-BE" sz="1200" b="0" i="0" kern="1200" dirty="0" smtClean="0">
+                <a:solidFill>
+                  <a:schemeClr val="tx1"/>
+                </a:solidFill>
+                <a:effectLst/>
+                <a:latin typeface="+mn-lt"/>
+                <a:ea typeface="+mn-ea"/>
+                <a:cs typeface="+mn-cs"/>
+              </a:rPr>
+              <a:t> flags</a:t>
+            </a:r>
+          </a:p>
+          <a:p>
             <a:endParaRPr lang="fr-BE" dirty="0"/>
           </a:p>
         </p:txBody>
@@ -1499,7 +1559,7 @@
           <a:p>
             <a:fld id="{F9B9F26C-5E20-463A-A30E-4B3CD8C634F9}" type="slidenum">
               <a:rPr lang="en-US" smtClean="0"/>
-              <a:t>17</a:t>
+              <a:t>16</a:t>
             </a:fld>
             <a:endParaRPr lang="en-US"/>
           </a:p>
@@ -1508,7 +1568,7 @@
     </p:spTree>
     <p:extLst>
       <p:ext uri="{BB962C8B-B14F-4D97-AF65-F5344CB8AC3E}">
-        <p14:creationId xmlns:p14="http://schemas.microsoft.com/office/powerpoint/2010/main" val="3792618000"/>
+        <p14:creationId xmlns:p14="http://schemas.microsoft.com/office/powerpoint/2010/main" val="4111338804"/>
       </p:ext>
     </p:extLst>
   </p:cSld>
@@ -1537,7 +1597,7 @@
       </p:grpSpPr>
       <p:sp>
         <p:nvSpPr>
-          <p:cNvPr id="2" name="Slide Image Placeholder 1"/>
+          <p:cNvPr id="2" name="Espace réservé de l'image des diapositives 1"/>
           <p:cNvSpPr>
             <a:spLocks noGrp="1" noRot="1" noChangeAspect="1"/>
           </p:cNvSpPr>
@@ -1549,7 +1609,7 @@
       </p:sp>
       <p:sp>
         <p:nvSpPr>
-          <p:cNvPr id="3" name="Notes Placeholder 2"/>
+          <p:cNvPr id="3" name="Espace réservé des commentaires 2"/>
           <p:cNvSpPr>
             <a:spLocks noGrp="1"/>
           </p:cNvSpPr>
@@ -1562,26 +1622,13 @@
           <a:bodyPr/>
           <a:lstStyle/>
           <a:p>
-            <a:r>
-              <a:rPr lang="fr-BE" dirty="0" smtClean="0"/>
-              <a:t>Primitive -&gt;</a:t>
-            </a:r>
-            <a:r>
-              <a:rPr lang="fr-BE" baseline="0" dirty="0" smtClean="0"/>
-              <a:t> formes basiques</a:t>
-            </a:r>
-          </a:p>
-          <a:p>
-            <a:r>
-              <a:rPr lang="fr-BE" baseline="0" dirty="0" smtClean="0"/>
-              <a:t>Shape3D -&gt; formes plus complexes</a:t>
-            </a:r>
-          </a:p>
-        </p:txBody>
-      </p:sp>
-      <p:sp>
-        <p:nvSpPr>
-          <p:cNvPr id="4" name="Slide Number Placeholder 3"/>
+            <a:endParaRPr lang="fr-BE" dirty="0"/>
+          </a:p>
+        </p:txBody>
+      </p:sp>
+      <p:sp>
+        <p:nvSpPr>
+          <p:cNvPr id="4" name="Espace réservé du numéro de diapositive 3"/>
           <p:cNvSpPr>
             <a:spLocks noGrp="1"/>
           </p:cNvSpPr>
@@ -1596,7 +1643,7 @@
           <a:p>
             <a:fld id="{F9B9F26C-5E20-463A-A30E-4B3CD8C634F9}" type="slidenum">
               <a:rPr lang="en-US" smtClean="0"/>
-              <a:t>18</a:t>
+              <a:t>17</a:t>
             </a:fld>
             <a:endParaRPr lang="en-US"/>
           </a:p>
@@ -1605,7 +1652,7 @@
     </p:spTree>
     <p:extLst>
       <p:ext uri="{BB962C8B-B14F-4D97-AF65-F5344CB8AC3E}">
-        <p14:creationId xmlns:p14="http://schemas.microsoft.com/office/powerpoint/2010/main" val="1289593922"/>
+        <p14:creationId xmlns:p14="http://schemas.microsoft.com/office/powerpoint/2010/main" val="3792618000"/>
       </p:ext>
     </p:extLst>
   </p:cSld>
@@ -1660,41 +1707,19 @@
           <a:lstStyle/>
           <a:p>
             <a:r>
+              <a:rPr lang="fr-BE" dirty="0" smtClean="0"/>
+              <a:t>Primitive -&gt;</a:t>
+            </a:r>
+            <a:r>
               <a:rPr lang="fr-BE" baseline="0" dirty="0" smtClean="0"/>
-              <a:t>On passe à la Geometry le tableau des points et des couleurs</a:t>
-            </a:r>
-          </a:p>
-          <a:p>
-            <a:endParaRPr lang="fr-BE" baseline="0" dirty="0" smtClean="0"/>
+              <a:t> formes basiques</a:t>
+            </a:r>
           </a:p>
           <a:p>
             <a:r>
               <a:rPr lang="fr-BE" baseline="0" dirty="0" smtClean="0"/>
-              <a:t>!! Ordre des points… pour que facette visible face utilisateur </a:t>
-            </a:r>
-            <a:r>
-              <a:rPr lang="fr-BE" baseline="0" dirty="0" smtClean="0">
-                <a:sym typeface="Wingdings" panose="05000000000000000000" pitchFamily="2" charset="2"/>
-              </a:rPr>
-              <a:t> points énumérés en sens inverse des aiguilles d’une montre</a:t>
-            </a:r>
-          </a:p>
-          <a:p>
-            <a:r>
-              <a:rPr lang="fr-BE" baseline="0" dirty="0" smtClean="0">
-                <a:sym typeface="Wingdings" panose="05000000000000000000" pitchFamily="2" charset="2"/>
-              </a:rPr>
-              <a:t>Si la couleur des commets d’une face est la même  couleur unie</a:t>
-            </a:r>
-          </a:p>
-          <a:p>
-            <a:r>
-              <a:rPr lang="fr-BE" baseline="0" dirty="0" smtClean="0">
-                <a:sym typeface="Wingdings" panose="05000000000000000000" pitchFamily="2" charset="2"/>
-              </a:rPr>
-              <a:t>Sinon  dégradé</a:t>
-            </a:r>
-            <a:endParaRPr lang="fr-BE" baseline="0" dirty="0" smtClean="0"/>
+              <a:t>Shape3D -&gt; formes plus complexes</a:t>
+            </a:r>
           </a:p>
         </p:txBody>
       </p:sp>
@@ -1715,7 +1740,7 @@
           <a:p>
             <a:fld id="{F9B9F26C-5E20-463A-A30E-4B3CD8C634F9}" type="slidenum">
               <a:rPr lang="en-US" smtClean="0"/>
-              <a:t>19</a:t>
+              <a:t>18</a:t>
             </a:fld>
             <a:endParaRPr lang="en-US"/>
           </a:p>
@@ -1724,7 +1749,7 @@
     </p:spTree>
     <p:extLst>
       <p:ext uri="{BB962C8B-B14F-4D97-AF65-F5344CB8AC3E}">
-        <p14:creationId xmlns:p14="http://schemas.microsoft.com/office/powerpoint/2010/main" val="480064407"/>
+        <p14:creationId xmlns:p14="http://schemas.microsoft.com/office/powerpoint/2010/main" val="1289593922"/>
       </p:ext>
     </p:extLst>
   </p:cSld>
@@ -1778,6 +1803,41 @@
           <a:bodyPr/>
           <a:lstStyle/>
           <a:p>
+            <a:r>
+              <a:rPr lang="fr-BE" baseline="0" dirty="0" smtClean="0"/>
+              <a:t>On passe à la Geometry le tableau des points et des couleurs</a:t>
+            </a:r>
+          </a:p>
+          <a:p>
+            <a:endParaRPr lang="fr-BE" baseline="0" dirty="0" smtClean="0"/>
+          </a:p>
+          <a:p>
+            <a:r>
+              <a:rPr lang="fr-BE" baseline="0" dirty="0" smtClean="0"/>
+              <a:t>!! Ordre des points… pour que facette visible face utilisateur </a:t>
+            </a:r>
+            <a:r>
+              <a:rPr lang="fr-BE" baseline="0" dirty="0" smtClean="0">
+                <a:sym typeface="Wingdings" panose="05000000000000000000" pitchFamily="2" charset="2"/>
+              </a:rPr>
+              <a:t> points énumérés en sens inverse des aiguilles d’une montre</a:t>
+            </a:r>
+          </a:p>
+          <a:p>
+            <a:r>
+              <a:rPr lang="fr-BE" baseline="0" dirty="0" smtClean="0">
+                <a:sym typeface="Wingdings" panose="05000000000000000000" pitchFamily="2" charset="2"/>
+              </a:rPr>
+              <a:t>Si la couleur des commets d’une face est la même  couleur unie</a:t>
+            </a:r>
+          </a:p>
+          <a:p>
+            <a:r>
+              <a:rPr lang="fr-BE" baseline="0" dirty="0" smtClean="0">
+                <a:sym typeface="Wingdings" panose="05000000000000000000" pitchFamily="2" charset="2"/>
+              </a:rPr>
+              <a:t>Sinon  dégradé</a:t>
+            </a:r>
             <a:endParaRPr lang="fr-BE" baseline="0" dirty="0" smtClean="0"/>
           </a:p>
         </p:txBody>
@@ -1799,7 +1859,7 @@
           <a:p>
             <a:fld id="{F9B9F26C-5E20-463A-A30E-4B3CD8C634F9}" type="slidenum">
               <a:rPr lang="en-US" smtClean="0"/>
-              <a:t>21</a:t>
+              <a:t>19</a:t>
             </a:fld>
             <a:endParaRPr lang="en-US"/>
           </a:p>
@@ -1808,7 +1868,7 @@
     </p:spTree>
     <p:extLst>
       <p:ext uri="{BB962C8B-B14F-4D97-AF65-F5344CB8AC3E}">
-        <p14:creationId xmlns:p14="http://schemas.microsoft.com/office/powerpoint/2010/main" val="1398828445"/>
+        <p14:creationId xmlns:p14="http://schemas.microsoft.com/office/powerpoint/2010/main" val="480064407"/>
       </p:ext>
     </p:extLst>
   </p:cSld>
@@ -1837,7 +1897,7 @@
       </p:grpSpPr>
       <p:sp>
         <p:nvSpPr>
-          <p:cNvPr id="2" name="Espace réservé de l'image des diapositives 1"/>
+          <p:cNvPr id="2" name="Slide Image Placeholder 1"/>
           <p:cNvSpPr>
             <a:spLocks noGrp="1" noRot="1" noChangeAspect="1"/>
           </p:cNvSpPr>
@@ -1849,7 +1909,7 @@
       </p:sp>
       <p:sp>
         <p:nvSpPr>
-          <p:cNvPr id="3" name="Espace réservé des commentaires 2"/>
+          <p:cNvPr id="3" name="Notes Placeholder 2"/>
           <p:cNvSpPr>
             <a:spLocks noGrp="1"/>
           </p:cNvSpPr>
@@ -1862,26 +1922,13 @@
           <a:bodyPr/>
           <a:lstStyle/>
           <a:p>
-            <a:r>
-              <a:rPr lang="fr-BE" dirty="0" smtClean="0"/>
-              <a:t>rotX(), rotY(), rotZ(), set() -&gt; annulation de</a:t>
-            </a:r>
-            <a:r>
-              <a:rPr lang="fr-BE" baseline="0" dirty="0" smtClean="0"/>
-              <a:t> de tout (rotation, translation,..)</a:t>
-            </a:r>
-          </a:p>
-          <a:p>
             <a:endParaRPr lang="fr-BE" baseline="0" dirty="0" smtClean="0"/>
           </a:p>
-          <a:p>
-            <a:endParaRPr lang="fr-BE" dirty="0"/>
-          </a:p>
-        </p:txBody>
-      </p:sp>
-      <p:sp>
-        <p:nvSpPr>
-          <p:cNvPr id="4" name="Espace réservé du numéro de diapositive 3"/>
+        </p:txBody>
+      </p:sp>
+      <p:sp>
+        <p:nvSpPr>
+          <p:cNvPr id="4" name="Slide Number Placeholder 3"/>
           <p:cNvSpPr>
             <a:spLocks noGrp="1"/>
           </p:cNvSpPr>
@@ -1896,7 +1943,7 @@
           <a:p>
             <a:fld id="{F9B9F26C-5E20-463A-A30E-4B3CD8C634F9}" type="slidenum">
               <a:rPr lang="en-US" smtClean="0"/>
-              <a:t>22</a:t>
+              <a:t>21</a:t>
             </a:fld>
             <a:endParaRPr lang="en-US"/>
           </a:p>
@@ -1905,7 +1952,7 @@
     </p:spTree>
     <p:extLst>
       <p:ext uri="{BB962C8B-B14F-4D97-AF65-F5344CB8AC3E}">
-        <p14:creationId xmlns:p14="http://schemas.microsoft.com/office/powerpoint/2010/main" val="3760028844"/>
+        <p14:creationId xmlns:p14="http://schemas.microsoft.com/office/powerpoint/2010/main" val="1398828445"/>
       </p:ext>
     </p:extLst>
   </p:cSld>
@@ -1959,6 +2006,19 @@
           <a:bodyPr/>
           <a:lstStyle/>
           <a:p>
+            <a:r>
+              <a:rPr lang="fr-BE" dirty="0" smtClean="0"/>
+              <a:t>rotX(), rotY(), rotZ(), set() -&gt; annulation de</a:t>
+            </a:r>
+            <a:r>
+              <a:rPr lang="fr-BE" baseline="0" dirty="0" smtClean="0"/>
+              <a:t> de tout (rotation, translation,..)</a:t>
+            </a:r>
+          </a:p>
+          <a:p>
+            <a:endParaRPr lang="fr-BE" baseline="0" dirty="0" smtClean="0"/>
+          </a:p>
+          <a:p>
             <a:endParaRPr lang="fr-BE" dirty="0"/>
           </a:p>
         </p:txBody>
@@ -1980,7 +2040,7 @@
           <a:p>
             <a:fld id="{F9B9F26C-5E20-463A-A30E-4B3CD8C634F9}" type="slidenum">
               <a:rPr lang="en-US" smtClean="0"/>
-              <a:t>23</a:t>
+              <a:t>22</a:t>
             </a:fld>
             <a:endParaRPr lang="en-US"/>
           </a:p>
@@ -1989,7 +2049,7 @@
     </p:spTree>
     <p:extLst>
       <p:ext uri="{BB962C8B-B14F-4D97-AF65-F5344CB8AC3E}">
-        <p14:creationId xmlns:p14="http://schemas.microsoft.com/office/powerpoint/2010/main" val="551244298"/>
+        <p14:creationId xmlns:p14="http://schemas.microsoft.com/office/powerpoint/2010/main" val="3760028844"/>
       </p:ext>
     </p:extLst>
   </p:cSld>
@@ -2043,675 +2103,6 @@
           <a:bodyPr/>
           <a:lstStyle/>
           <a:p>
-            <a:r>
-              <a:rPr lang="fr-BE" sz="1200" b="0" i="0" kern="1200" dirty="0" smtClean="0">
-                <a:solidFill>
-                  <a:schemeClr val="tx1"/>
-                </a:solidFill>
-                <a:effectLst/>
-                <a:latin typeface="+mn-lt"/>
-                <a:ea typeface="+mn-ea"/>
-                <a:cs typeface="+mn-cs"/>
-              </a:rPr>
-              <a:t>Couleur</a:t>
-            </a:r>
-          </a:p>
-          <a:p>
-            <a:r>
-              <a:rPr lang="fr-BE" sz="1200" b="0" i="0" kern="1200" dirty="0" smtClean="0">
-                <a:solidFill>
-                  <a:schemeClr val="tx1"/>
-                </a:solidFill>
-                <a:effectLst/>
-                <a:latin typeface="+mn-lt"/>
-                <a:ea typeface="+mn-ea"/>
-                <a:cs typeface="+mn-cs"/>
-              </a:rPr>
-              <a:t>L'attribution d'une couleur à un objet 3D est assez complexe à traiter et elle dépend de plusieurs paramètres. </a:t>
-            </a:r>
-          </a:p>
-          <a:p>
-            <a:r>
-              <a:rPr lang="fr-BE" sz="1200" b="0" i="0" kern="1200" dirty="0" smtClean="0">
-                <a:solidFill>
-                  <a:schemeClr val="tx1"/>
-                </a:solidFill>
-                <a:effectLst/>
-                <a:latin typeface="+mn-lt"/>
-                <a:ea typeface="+mn-ea"/>
-                <a:cs typeface="+mn-cs"/>
-              </a:rPr>
-              <a:t>On</a:t>
-            </a:r>
-            <a:r>
-              <a:rPr lang="fr-BE" sz="1200" b="0" i="0" kern="1200" baseline="0" dirty="0" smtClean="0">
-                <a:solidFill>
-                  <a:schemeClr val="tx1"/>
-                </a:solidFill>
-                <a:effectLst/>
-                <a:latin typeface="+mn-lt"/>
-                <a:ea typeface="+mn-ea"/>
-                <a:cs typeface="+mn-cs"/>
-              </a:rPr>
-              <a:t> </a:t>
-            </a:r>
-            <a:r>
-              <a:rPr lang="fr-BE" sz="1200" b="0" i="0" kern="1200" dirty="0" err="1" smtClean="0">
-                <a:solidFill>
-                  <a:schemeClr val="tx1"/>
-                </a:solidFill>
-                <a:effectLst/>
-                <a:latin typeface="+mn-lt"/>
-                <a:ea typeface="+mn-ea"/>
-                <a:cs typeface="+mn-cs"/>
-              </a:rPr>
-              <a:t>peutdonner</a:t>
-            </a:r>
-            <a:r>
-              <a:rPr lang="fr-BE" sz="1200" b="0" i="0" kern="1200" dirty="0" smtClean="0">
-                <a:solidFill>
-                  <a:schemeClr val="tx1"/>
-                </a:solidFill>
-                <a:effectLst/>
-                <a:latin typeface="+mn-lt"/>
-                <a:ea typeface="+mn-ea"/>
-                <a:cs typeface="+mn-cs"/>
-              </a:rPr>
-              <a:t> une couleur à un objet géométrique en utilisant la méthode</a:t>
-            </a:r>
-            <a:r>
-              <a:rPr lang="fr-BE" sz="1200" b="0" i="0" kern="1200" baseline="0" dirty="0" smtClean="0">
-                <a:solidFill>
-                  <a:schemeClr val="tx1"/>
-                </a:solidFill>
-                <a:effectLst/>
-                <a:latin typeface="+mn-lt"/>
-                <a:ea typeface="+mn-ea"/>
-                <a:cs typeface="+mn-cs"/>
-              </a:rPr>
-              <a:t> </a:t>
-            </a:r>
-            <a:r>
-              <a:rPr lang="fr-BE" sz="1200" b="0" i="0" kern="1200" dirty="0" err="1" smtClean="0">
-                <a:solidFill>
-                  <a:schemeClr val="tx1"/>
-                </a:solidFill>
-                <a:effectLst/>
-                <a:latin typeface="+mn-lt"/>
-                <a:ea typeface="+mn-ea"/>
-                <a:cs typeface="+mn-cs"/>
-              </a:rPr>
-              <a:t>setColors</a:t>
-            </a:r>
-            <a:r>
-              <a:rPr lang="fr-BE" sz="1200" b="0" i="0" kern="1200" dirty="0" smtClean="0">
-                <a:solidFill>
-                  <a:schemeClr val="tx1"/>
-                </a:solidFill>
-                <a:effectLst/>
-                <a:latin typeface="+mn-lt"/>
-                <a:ea typeface="+mn-ea"/>
-                <a:cs typeface="+mn-cs"/>
-              </a:rPr>
-              <a:t>() de la classe </a:t>
-            </a:r>
-            <a:r>
-              <a:rPr lang="fr-BE" sz="1200" b="0" i="0" kern="1200" dirty="0" err="1" smtClean="0">
-                <a:solidFill>
-                  <a:schemeClr val="tx1"/>
-                </a:solidFill>
-                <a:effectLst/>
-                <a:latin typeface="+mn-lt"/>
-                <a:ea typeface="+mn-ea"/>
-                <a:cs typeface="+mn-cs"/>
-              </a:rPr>
-              <a:t>GeometryArray</a:t>
-            </a:r>
-            <a:r>
-              <a:rPr lang="fr-BE" sz="1200" b="0" i="0" kern="1200" dirty="0" smtClean="0">
-                <a:solidFill>
-                  <a:schemeClr val="tx1"/>
-                </a:solidFill>
-                <a:effectLst/>
-                <a:latin typeface="+mn-lt"/>
-                <a:ea typeface="+mn-ea"/>
-                <a:cs typeface="+mn-cs"/>
-              </a:rPr>
-              <a:t>, l'objet est donc colorisé en fonction des couleurs que l'on a attribuées à chacun de ses sommets.</a:t>
-            </a:r>
-            <a:r>
-              <a:rPr lang="fr-BE" dirty="0" smtClean="0"/>
-              <a:t/>
-            </a:r>
-            <a:br>
-              <a:rPr lang="fr-BE" dirty="0" smtClean="0"/>
-            </a:br>
-            <a:r>
-              <a:rPr lang="fr-BE" sz="1200" b="0" i="0" kern="1200" dirty="0" smtClean="0">
-                <a:solidFill>
-                  <a:schemeClr val="tx1"/>
-                </a:solidFill>
-                <a:effectLst/>
-                <a:latin typeface="+mn-lt"/>
-                <a:ea typeface="+mn-ea"/>
-                <a:cs typeface="+mn-cs"/>
-              </a:rPr>
-              <a:t>Cependant, il existe d’autres façons de coloriser un objet :</a:t>
-            </a:r>
-            <a:r>
-              <a:rPr lang="fr-BE" dirty="0" smtClean="0"/>
-              <a:t/>
-            </a:r>
-            <a:br>
-              <a:rPr lang="fr-BE" dirty="0" smtClean="0"/>
-            </a:br>
-            <a:r>
-              <a:rPr lang="fr-BE" sz="1200" b="0" i="0" kern="1200" dirty="0" smtClean="0">
-                <a:solidFill>
-                  <a:schemeClr val="tx1"/>
-                </a:solidFill>
-                <a:effectLst/>
-                <a:latin typeface="+mn-lt"/>
-                <a:ea typeface="+mn-ea"/>
-                <a:cs typeface="+mn-cs"/>
-              </a:rPr>
-              <a:t>- en utilisant les couleurs de la classe </a:t>
-            </a:r>
-            <a:r>
-              <a:rPr lang="fr-BE" sz="1200" b="0" i="0" kern="1200" dirty="0" err="1" smtClean="0">
-                <a:solidFill>
-                  <a:schemeClr val="tx1"/>
-                </a:solidFill>
-                <a:effectLst/>
-                <a:latin typeface="+mn-lt"/>
-                <a:ea typeface="+mn-ea"/>
-                <a:cs typeface="+mn-cs"/>
-              </a:rPr>
-              <a:t>Material</a:t>
-            </a:r>
-            <a:r>
-              <a:rPr lang="fr-BE" dirty="0" smtClean="0"/>
-              <a:t/>
-            </a:r>
-            <a:br>
-              <a:rPr lang="fr-BE" dirty="0" smtClean="0"/>
-            </a:br>
-            <a:r>
-              <a:rPr lang="fr-BE" sz="1200" b="0" i="0" kern="1200" dirty="0" smtClean="0">
-                <a:solidFill>
-                  <a:schemeClr val="tx1"/>
-                </a:solidFill>
-                <a:effectLst/>
-                <a:latin typeface="+mn-lt"/>
-                <a:ea typeface="+mn-ea"/>
-                <a:cs typeface="+mn-cs"/>
-              </a:rPr>
-              <a:t>- en utilisant l'éclairage de la scène 3D.</a:t>
-            </a:r>
-            <a:r>
-              <a:rPr lang="fr-BE" dirty="0" smtClean="0"/>
-              <a:t/>
-            </a:r>
-            <a:br>
-              <a:rPr lang="fr-BE" dirty="0" smtClean="0"/>
-            </a:br>
-            <a:endParaRPr lang="fr-BE" dirty="0" smtClean="0"/>
-          </a:p>
-          <a:p>
-            <a:r>
-              <a:rPr lang="fr-BE" dirty="0" smtClean="0"/>
-              <a:t>Rendu</a:t>
-            </a:r>
-          </a:p>
-          <a:p>
-            <a:r>
-              <a:rPr lang="fr-BE" sz="1200" b="0" i="0" kern="1200" dirty="0" smtClean="0">
-                <a:solidFill>
-                  <a:schemeClr val="tx1"/>
-                </a:solidFill>
-                <a:effectLst/>
-                <a:latin typeface="+mn-lt"/>
-                <a:ea typeface="+mn-ea"/>
-                <a:cs typeface="+mn-cs"/>
-              </a:rPr>
-              <a:t>Nous allons étudier dans cette section quelques aspects de la classe </a:t>
-            </a:r>
-            <a:r>
-              <a:rPr lang="fr-BE" sz="1200" b="0" i="0" kern="1200" dirty="0" err="1" smtClean="0">
-                <a:solidFill>
-                  <a:schemeClr val="tx1"/>
-                </a:solidFill>
-                <a:effectLst/>
-                <a:latin typeface="+mn-lt"/>
-                <a:ea typeface="+mn-ea"/>
-                <a:cs typeface="+mn-cs"/>
-              </a:rPr>
-              <a:t>RenderingAttributes</a:t>
-            </a:r>
-            <a:r>
-              <a:rPr lang="fr-BE" sz="1200" b="0" i="0" kern="1200" dirty="0" smtClean="0">
-                <a:solidFill>
-                  <a:schemeClr val="tx1"/>
-                </a:solidFill>
-                <a:effectLst/>
-                <a:latin typeface="+mn-lt"/>
-                <a:ea typeface="+mn-ea"/>
-                <a:cs typeface="+mn-cs"/>
-              </a:rPr>
-              <a:t>.</a:t>
-            </a:r>
-            <a:r>
-              <a:rPr lang="fr-BE" dirty="0" smtClean="0"/>
-              <a:t/>
-            </a:r>
-            <a:br>
-              <a:rPr lang="fr-BE" dirty="0" smtClean="0"/>
-            </a:br>
-            <a:r>
-              <a:rPr lang="fr-BE" sz="1200" b="0" i="0" kern="1200" dirty="0" smtClean="0">
-                <a:solidFill>
-                  <a:schemeClr val="tx1"/>
-                </a:solidFill>
-                <a:effectLst/>
-                <a:latin typeface="+mn-lt"/>
-                <a:ea typeface="+mn-ea"/>
-                <a:cs typeface="+mn-cs"/>
-              </a:rPr>
-              <a:t>Nous allons voir que cette classe permet en autres d'ignorer les couleurs des sommets et de rendre tout ou partie d'un objet invisible.</a:t>
-            </a:r>
-          </a:p>
-          <a:p>
-            <a:r>
-              <a:rPr lang="fr-BE" sz="1200" b="0" i="0" kern="1200" dirty="0" smtClean="0">
-                <a:solidFill>
-                  <a:schemeClr val="tx1"/>
-                </a:solidFill>
-                <a:effectLst/>
-                <a:latin typeface="+mn-lt"/>
-                <a:ea typeface="+mn-ea"/>
-                <a:cs typeface="+mn-cs"/>
-              </a:rPr>
-              <a:t>nous pouvons aussi faire "clignoter" une objet en le rendant alternativement visible et invisible grâce à la méthode </a:t>
-            </a:r>
-            <a:r>
-              <a:rPr lang="fr-BE" sz="1200" b="0" i="0" kern="1200" dirty="0" err="1" smtClean="0">
-                <a:solidFill>
-                  <a:schemeClr val="tx1"/>
-                </a:solidFill>
-                <a:effectLst/>
-                <a:latin typeface="+mn-lt"/>
-                <a:ea typeface="+mn-ea"/>
-                <a:cs typeface="+mn-cs"/>
-              </a:rPr>
-              <a:t>setVisible</a:t>
-            </a:r>
-            <a:r>
-              <a:rPr lang="fr-BE" sz="1200" b="0" i="0" kern="1200" dirty="0" smtClean="0">
-                <a:solidFill>
-                  <a:schemeClr val="tx1"/>
-                </a:solidFill>
-                <a:effectLst/>
-                <a:latin typeface="+mn-lt"/>
-                <a:ea typeface="+mn-ea"/>
-                <a:cs typeface="+mn-cs"/>
-              </a:rPr>
-              <a:t>() de la classe </a:t>
-            </a:r>
-            <a:r>
-              <a:rPr lang="fr-BE" sz="1200" b="0" i="0" kern="1200" dirty="0" err="1" smtClean="0">
-                <a:solidFill>
-                  <a:schemeClr val="tx1"/>
-                </a:solidFill>
-                <a:effectLst/>
-                <a:latin typeface="+mn-lt"/>
-                <a:ea typeface="+mn-ea"/>
-                <a:cs typeface="+mn-cs"/>
-              </a:rPr>
-              <a:t>RenderingAttributes</a:t>
-            </a:r>
-            <a:r>
-              <a:rPr lang="fr-BE" sz="1200" b="0" i="0" kern="1200" dirty="0" smtClean="0">
-                <a:solidFill>
-                  <a:schemeClr val="tx1"/>
-                </a:solidFill>
-                <a:effectLst/>
-                <a:latin typeface="+mn-lt"/>
-                <a:ea typeface="+mn-ea"/>
-                <a:cs typeface="+mn-cs"/>
-              </a:rPr>
-              <a:t> :</a:t>
-            </a:r>
-          </a:p>
-          <a:p>
-            <a:endParaRPr lang="fr-BE" sz="1200" b="0" i="0" kern="1200" dirty="0" smtClean="0">
-              <a:solidFill>
-                <a:schemeClr val="tx1"/>
-              </a:solidFill>
-              <a:effectLst/>
-              <a:latin typeface="+mn-lt"/>
-              <a:ea typeface="+mn-ea"/>
-              <a:cs typeface="+mn-cs"/>
-            </a:endParaRPr>
-          </a:p>
-          <a:p>
-            <a:r>
-              <a:rPr lang="fr-BE" sz="1200" b="0" i="0" kern="1200" dirty="0" smtClean="0">
-                <a:solidFill>
-                  <a:schemeClr val="tx1"/>
-                </a:solidFill>
-                <a:effectLst/>
-                <a:latin typeface="+mn-lt"/>
-                <a:ea typeface="+mn-ea"/>
-                <a:cs typeface="+mn-cs"/>
-              </a:rPr>
-              <a:t>Transparence</a:t>
-            </a:r>
-          </a:p>
-          <a:p>
-            <a:r>
-              <a:rPr lang="fr-BE" sz="1200" b="1" i="0" kern="1200" dirty="0" smtClean="0">
-                <a:solidFill>
-                  <a:schemeClr val="tx1"/>
-                </a:solidFill>
-                <a:effectLst/>
-                <a:latin typeface="+mn-lt"/>
-                <a:ea typeface="+mn-ea"/>
-                <a:cs typeface="+mn-cs"/>
-              </a:rPr>
-              <a:t>public </a:t>
-            </a:r>
-            <a:r>
-              <a:rPr lang="fr-BE" sz="1200" b="1" i="0" kern="1200" dirty="0" err="1" smtClean="0">
-                <a:solidFill>
-                  <a:schemeClr val="tx1"/>
-                </a:solidFill>
-                <a:effectLst/>
-                <a:latin typeface="+mn-lt"/>
-                <a:ea typeface="+mn-ea"/>
-                <a:cs typeface="+mn-cs"/>
-              </a:rPr>
-              <a:t>TransparencyAttributes</a:t>
-            </a:r>
-            <a:r>
-              <a:rPr lang="fr-BE" sz="1200" b="1" i="0" kern="1200" dirty="0" smtClean="0">
-                <a:solidFill>
-                  <a:schemeClr val="tx1"/>
-                </a:solidFill>
-                <a:effectLst/>
-                <a:latin typeface="+mn-lt"/>
-                <a:ea typeface="+mn-ea"/>
-                <a:cs typeface="+mn-cs"/>
-              </a:rPr>
-              <a:t>(</a:t>
-            </a:r>
-            <a:r>
-              <a:rPr lang="fr-BE" sz="1200" b="1" i="0" kern="1200" dirty="0" err="1" smtClean="0">
-                <a:solidFill>
-                  <a:schemeClr val="tx1"/>
-                </a:solidFill>
-                <a:effectLst/>
-                <a:latin typeface="+mn-lt"/>
-                <a:ea typeface="+mn-ea"/>
-                <a:cs typeface="+mn-cs"/>
-              </a:rPr>
-              <a:t>int</a:t>
-            </a:r>
-            <a:r>
-              <a:rPr lang="fr-BE" sz="1200" b="1" i="0" kern="1200" dirty="0" smtClean="0">
-                <a:solidFill>
-                  <a:schemeClr val="tx1"/>
-                </a:solidFill>
-                <a:effectLst/>
-                <a:latin typeface="+mn-lt"/>
-                <a:ea typeface="+mn-ea"/>
-                <a:cs typeface="+mn-cs"/>
-              </a:rPr>
-              <a:t> </a:t>
-            </a:r>
-            <a:r>
-              <a:rPr lang="fr-BE" sz="1200" b="1" i="0" kern="1200" dirty="0" err="1" smtClean="0">
-                <a:solidFill>
-                  <a:schemeClr val="tx1"/>
-                </a:solidFill>
-                <a:effectLst/>
-                <a:latin typeface="+mn-lt"/>
-                <a:ea typeface="+mn-ea"/>
-                <a:cs typeface="+mn-cs"/>
-              </a:rPr>
-              <a:t>tMode</a:t>
-            </a:r>
-            <a:r>
-              <a:rPr lang="fr-BE" sz="1200" b="1" i="0" kern="1200" dirty="0" smtClean="0">
-                <a:solidFill>
-                  <a:schemeClr val="tx1"/>
-                </a:solidFill>
-                <a:effectLst/>
-                <a:latin typeface="+mn-lt"/>
-                <a:ea typeface="+mn-ea"/>
-                <a:cs typeface="+mn-cs"/>
-              </a:rPr>
-              <a:t>, </a:t>
-            </a:r>
-            <a:r>
-              <a:rPr lang="fr-BE" sz="1200" b="1" i="0" kern="1200" dirty="0" err="1" smtClean="0">
-                <a:solidFill>
-                  <a:schemeClr val="tx1"/>
-                </a:solidFill>
-                <a:effectLst/>
-                <a:latin typeface="+mn-lt"/>
-                <a:ea typeface="+mn-ea"/>
-                <a:cs typeface="+mn-cs"/>
-              </a:rPr>
-              <a:t>float</a:t>
-            </a:r>
-            <a:r>
-              <a:rPr lang="fr-BE" sz="1200" b="1" i="0" kern="1200" dirty="0" smtClean="0">
-                <a:solidFill>
-                  <a:schemeClr val="tx1"/>
-                </a:solidFill>
-                <a:effectLst/>
-                <a:latin typeface="+mn-lt"/>
-                <a:ea typeface="+mn-ea"/>
-                <a:cs typeface="+mn-cs"/>
-              </a:rPr>
-              <a:t> </a:t>
-            </a:r>
-            <a:r>
-              <a:rPr lang="fr-BE" sz="1200" b="1" i="0" kern="1200" dirty="0" err="1" smtClean="0">
-                <a:solidFill>
-                  <a:schemeClr val="tx1"/>
-                </a:solidFill>
-                <a:effectLst/>
-                <a:latin typeface="+mn-lt"/>
-                <a:ea typeface="+mn-ea"/>
-                <a:cs typeface="+mn-cs"/>
-              </a:rPr>
-              <a:t>tVal</a:t>
-            </a:r>
-            <a:r>
-              <a:rPr lang="fr-BE" sz="1200" b="1" i="0" kern="1200" dirty="0" smtClean="0">
-                <a:solidFill>
-                  <a:schemeClr val="tx1"/>
-                </a:solidFill>
-                <a:effectLst/>
-                <a:latin typeface="+mn-lt"/>
-                <a:ea typeface="+mn-ea"/>
-                <a:cs typeface="+mn-cs"/>
-              </a:rPr>
-              <a:t>)</a:t>
-            </a:r>
-            <a:r>
-              <a:rPr lang="fr-BE" dirty="0" smtClean="0"/>
-              <a:t/>
-            </a:r>
-            <a:br>
-              <a:rPr lang="fr-BE" dirty="0" smtClean="0"/>
-            </a:br>
-            <a:r>
-              <a:rPr lang="fr-BE" sz="1200" b="0" i="0" kern="1200" dirty="0" err="1" smtClean="0">
-                <a:solidFill>
-                  <a:schemeClr val="tx1"/>
-                </a:solidFill>
-                <a:effectLst/>
-                <a:latin typeface="+mn-lt"/>
-                <a:ea typeface="+mn-ea"/>
-                <a:cs typeface="+mn-cs"/>
-              </a:rPr>
-              <a:t>tMode</a:t>
-            </a:r>
-            <a:r>
-              <a:rPr lang="fr-BE" sz="1200" b="0" i="0" kern="1200" dirty="0" smtClean="0">
-                <a:solidFill>
-                  <a:schemeClr val="tx1"/>
-                </a:solidFill>
-                <a:effectLst/>
-                <a:latin typeface="+mn-lt"/>
-                <a:ea typeface="+mn-ea"/>
-                <a:cs typeface="+mn-cs"/>
-              </a:rPr>
-              <a:t> indique le mode de transparence que l'on veut utiliser. Citons entre autres les 2 valeurs :</a:t>
-            </a:r>
-            <a:r>
-              <a:rPr lang="fr-BE" dirty="0" smtClean="0"/>
-              <a:t/>
-            </a:r>
-            <a:br>
-              <a:rPr lang="fr-BE" dirty="0" smtClean="0"/>
-            </a:br>
-            <a:r>
-              <a:rPr lang="fr-BE" sz="1200" b="0" i="0" kern="1200" dirty="0" smtClean="0">
-                <a:solidFill>
-                  <a:schemeClr val="tx1"/>
-                </a:solidFill>
-                <a:effectLst/>
-                <a:latin typeface="+mn-lt"/>
-                <a:ea typeface="+mn-ea"/>
-                <a:cs typeface="+mn-cs"/>
-              </a:rPr>
-              <a:t>- </a:t>
-            </a:r>
-            <a:r>
-              <a:rPr lang="fr-BE" sz="1200" b="0" i="0" kern="1200" dirty="0" err="1" smtClean="0">
-                <a:solidFill>
-                  <a:schemeClr val="tx1"/>
-                </a:solidFill>
-                <a:effectLst/>
-                <a:latin typeface="+mn-lt"/>
-                <a:ea typeface="+mn-ea"/>
-                <a:cs typeface="+mn-cs"/>
-              </a:rPr>
-              <a:t>TransparencyAttributes.BLENDED</a:t>
-            </a:r>
-            <a:r>
-              <a:rPr lang="fr-BE" sz="1200" b="0" i="0" kern="1200" dirty="0" smtClean="0">
-                <a:solidFill>
-                  <a:schemeClr val="tx1"/>
-                </a:solidFill>
-                <a:effectLst/>
-                <a:latin typeface="+mn-lt"/>
-                <a:ea typeface="+mn-ea"/>
-                <a:cs typeface="+mn-cs"/>
-              </a:rPr>
-              <a:t> : la couleur de l'objet 3D est mélangée avec la couleur de l'arrière-plan de la scène 3D</a:t>
-            </a:r>
-            <a:r>
-              <a:rPr lang="fr-BE" dirty="0" smtClean="0"/>
-              <a:t/>
-            </a:r>
-            <a:br>
-              <a:rPr lang="fr-BE" dirty="0" smtClean="0"/>
-            </a:br>
-            <a:r>
-              <a:rPr lang="fr-BE" sz="1200" b="0" i="0" kern="1200" dirty="0" smtClean="0">
-                <a:solidFill>
-                  <a:schemeClr val="tx1"/>
-                </a:solidFill>
-                <a:effectLst/>
-                <a:latin typeface="+mn-lt"/>
-                <a:ea typeface="+mn-ea"/>
-                <a:cs typeface="+mn-cs"/>
-              </a:rPr>
-              <a:t>- </a:t>
-            </a:r>
-            <a:r>
-              <a:rPr lang="fr-BE" sz="1200" b="0" i="0" kern="1200" dirty="0" err="1" smtClean="0">
-                <a:solidFill>
-                  <a:schemeClr val="tx1"/>
-                </a:solidFill>
-                <a:effectLst/>
-                <a:latin typeface="+mn-lt"/>
-                <a:ea typeface="+mn-ea"/>
-                <a:cs typeface="+mn-cs"/>
-              </a:rPr>
-              <a:t>TransparencyAttributes.SCREEN_DOOR</a:t>
-            </a:r>
-            <a:r>
-              <a:rPr lang="fr-BE" sz="1200" b="0" i="0" kern="1200" dirty="0" smtClean="0">
-                <a:solidFill>
-                  <a:schemeClr val="tx1"/>
-                </a:solidFill>
-                <a:effectLst/>
-                <a:latin typeface="+mn-lt"/>
-                <a:ea typeface="+mn-ea"/>
-                <a:cs typeface="+mn-cs"/>
-              </a:rPr>
-              <a:t> : la couleur de l'objet 3D est représentée sous forme de grille dont les trous ont la couleur de l'arrière-plan.</a:t>
-            </a:r>
-            <a:r>
-              <a:rPr lang="fr-BE" dirty="0" smtClean="0"/>
-              <a:t/>
-            </a:r>
-            <a:br>
-              <a:rPr lang="fr-BE" dirty="0" smtClean="0"/>
-            </a:br>
-            <a:r>
-              <a:rPr lang="fr-BE" sz="1200" b="0" i="0" kern="1200" dirty="0" err="1" smtClean="0">
-                <a:solidFill>
-                  <a:schemeClr val="tx1"/>
-                </a:solidFill>
-                <a:effectLst/>
-                <a:latin typeface="+mn-lt"/>
-                <a:ea typeface="+mn-ea"/>
-                <a:cs typeface="+mn-cs"/>
-              </a:rPr>
-              <a:t>tVal</a:t>
-            </a:r>
-            <a:r>
-              <a:rPr lang="fr-BE" sz="1200" b="0" i="0" kern="1200" dirty="0" smtClean="0">
-                <a:solidFill>
-                  <a:schemeClr val="tx1"/>
-                </a:solidFill>
-                <a:effectLst/>
-                <a:latin typeface="+mn-lt"/>
-                <a:ea typeface="+mn-ea"/>
-                <a:cs typeface="+mn-cs"/>
-              </a:rPr>
-              <a:t> représente </a:t>
-            </a:r>
-            <a:r>
-              <a:rPr lang="fr-BE" sz="1200" b="0" i="0" kern="1200" dirty="0" err="1" smtClean="0">
-                <a:solidFill>
-                  <a:schemeClr val="tx1"/>
-                </a:solidFill>
-                <a:effectLst/>
-                <a:latin typeface="+mn-lt"/>
-                <a:ea typeface="+mn-ea"/>
-                <a:cs typeface="+mn-cs"/>
-              </a:rPr>
-              <a:t>représente</a:t>
-            </a:r>
-            <a:r>
-              <a:rPr lang="fr-BE" sz="1200" b="0" i="0" kern="1200" dirty="0" smtClean="0">
-                <a:solidFill>
-                  <a:schemeClr val="tx1"/>
-                </a:solidFill>
-                <a:effectLst/>
-                <a:latin typeface="+mn-lt"/>
-                <a:ea typeface="+mn-ea"/>
-                <a:cs typeface="+mn-cs"/>
-              </a:rPr>
-              <a:t> le taux de transparence (0 correspond a une opacité totale et 1 à une transparence totale).</a:t>
-            </a:r>
             <a:endParaRPr lang="fr-BE" dirty="0"/>
           </a:p>
         </p:txBody>
@@ -2733,7 +2124,7 @@
           <a:p>
             <a:fld id="{F9B9F26C-5E20-463A-A30E-4B3CD8C634F9}" type="slidenum">
               <a:rPr lang="en-US" smtClean="0"/>
-              <a:t>24</a:t>
+              <a:t>23</a:t>
             </a:fld>
             <a:endParaRPr lang="en-US"/>
           </a:p>
@@ -2742,7 +2133,7 @@
     </p:spTree>
     <p:extLst>
       <p:ext uri="{BB962C8B-B14F-4D97-AF65-F5344CB8AC3E}">
-        <p14:creationId xmlns:p14="http://schemas.microsoft.com/office/powerpoint/2010/main" val="555013494"/>
+        <p14:creationId xmlns:p14="http://schemas.microsoft.com/office/powerpoint/2010/main" val="551244298"/>
       </p:ext>
     </p:extLst>
   </p:cSld>
@@ -2806,21 +2197,131 @@
                 <a:ea typeface="+mn-ea"/>
                 <a:cs typeface="+mn-cs"/>
               </a:rPr>
-              <a:t>Les attributs d’affichage</a:t>
-            </a:r>
-          </a:p>
-          <a:p>
-            <a:r>
-              <a:rPr lang="fr-BE" sz="1200" b="0" i="0" kern="1200" dirty="0" smtClean="0">
-                <a:solidFill>
-                  <a:schemeClr val="tx1"/>
-                </a:solidFill>
-                <a:effectLst/>
-                <a:latin typeface="+mn-lt"/>
-                <a:ea typeface="+mn-ea"/>
-                <a:cs typeface="+mn-cs"/>
-              </a:rPr>
-              <a:t>permettent d'afficher un objet 3D selon trois formes :</a:t>
+              <a:t>Couleur</a:t>
+            </a:r>
+          </a:p>
+          <a:p>
+            <a:r>
+              <a:rPr lang="fr-BE" sz="1200" b="0" i="0" kern="1200" dirty="0" smtClean="0">
+                <a:solidFill>
+                  <a:schemeClr val="tx1"/>
+                </a:solidFill>
+                <a:effectLst/>
+                <a:latin typeface="+mn-lt"/>
+                <a:ea typeface="+mn-ea"/>
+                <a:cs typeface="+mn-cs"/>
+              </a:rPr>
+              <a:t>L'attribution d'une couleur à un objet 3D est assez complexe à traiter et elle dépend de plusieurs paramètres. </a:t>
+            </a:r>
+          </a:p>
+          <a:p>
+            <a:r>
+              <a:rPr lang="fr-BE" sz="1200" b="0" i="0" kern="1200" dirty="0" smtClean="0">
+                <a:solidFill>
+                  <a:schemeClr val="tx1"/>
+                </a:solidFill>
+                <a:effectLst/>
+                <a:latin typeface="+mn-lt"/>
+                <a:ea typeface="+mn-ea"/>
+                <a:cs typeface="+mn-cs"/>
+              </a:rPr>
+              <a:t>On</a:t>
+            </a:r>
+            <a:r>
+              <a:rPr lang="fr-BE" sz="1200" b="0" i="0" kern="1200" baseline="0" dirty="0" smtClean="0">
+                <a:solidFill>
+                  <a:schemeClr val="tx1"/>
+                </a:solidFill>
+                <a:effectLst/>
+                <a:latin typeface="+mn-lt"/>
+                <a:ea typeface="+mn-ea"/>
+                <a:cs typeface="+mn-cs"/>
+              </a:rPr>
+              <a:t> </a:t>
+            </a:r>
+            <a:r>
+              <a:rPr lang="fr-BE" sz="1200" b="0" i="0" kern="1200" dirty="0" err="1" smtClean="0">
+                <a:solidFill>
+                  <a:schemeClr val="tx1"/>
+                </a:solidFill>
+                <a:effectLst/>
+                <a:latin typeface="+mn-lt"/>
+                <a:ea typeface="+mn-ea"/>
+                <a:cs typeface="+mn-cs"/>
+              </a:rPr>
+              <a:t>peutdonner</a:t>
+            </a:r>
+            <a:r>
+              <a:rPr lang="fr-BE" sz="1200" b="0" i="0" kern="1200" dirty="0" smtClean="0">
+                <a:solidFill>
+                  <a:schemeClr val="tx1"/>
+                </a:solidFill>
+                <a:effectLst/>
+                <a:latin typeface="+mn-lt"/>
+                <a:ea typeface="+mn-ea"/>
+                <a:cs typeface="+mn-cs"/>
+              </a:rPr>
+              <a:t> une couleur à un objet géométrique en utilisant la méthode</a:t>
+            </a:r>
+            <a:r>
+              <a:rPr lang="fr-BE" sz="1200" b="0" i="0" kern="1200" baseline="0" dirty="0" smtClean="0">
+                <a:solidFill>
+                  <a:schemeClr val="tx1"/>
+                </a:solidFill>
+                <a:effectLst/>
+                <a:latin typeface="+mn-lt"/>
+                <a:ea typeface="+mn-ea"/>
+                <a:cs typeface="+mn-cs"/>
+              </a:rPr>
+              <a:t> </a:t>
+            </a:r>
+            <a:r>
+              <a:rPr lang="fr-BE" sz="1200" b="0" i="0" kern="1200" dirty="0" err="1" smtClean="0">
+                <a:solidFill>
+                  <a:schemeClr val="tx1"/>
+                </a:solidFill>
+                <a:effectLst/>
+                <a:latin typeface="+mn-lt"/>
+                <a:ea typeface="+mn-ea"/>
+                <a:cs typeface="+mn-cs"/>
+              </a:rPr>
+              <a:t>setColors</a:t>
+            </a:r>
+            <a:r>
+              <a:rPr lang="fr-BE" sz="1200" b="0" i="0" kern="1200" dirty="0" smtClean="0">
+                <a:solidFill>
+                  <a:schemeClr val="tx1"/>
+                </a:solidFill>
+                <a:effectLst/>
+                <a:latin typeface="+mn-lt"/>
+                <a:ea typeface="+mn-ea"/>
+                <a:cs typeface="+mn-cs"/>
+              </a:rPr>
+              <a:t>() de la classe </a:t>
+            </a:r>
+            <a:r>
+              <a:rPr lang="fr-BE" sz="1200" b="0" i="0" kern="1200" dirty="0" err="1" smtClean="0">
+                <a:solidFill>
+                  <a:schemeClr val="tx1"/>
+                </a:solidFill>
+                <a:effectLst/>
+                <a:latin typeface="+mn-lt"/>
+                <a:ea typeface="+mn-ea"/>
+                <a:cs typeface="+mn-cs"/>
+              </a:rPr>
+              <a:t>GeometryArray</a:t>
+            </a:r>
+            <a:r>
+              <a:rPr lang="fr-BE" sz="1200" b="0" i="0" kern="1200" dirty="0" smtClean="0">
+                <a:solidFill>
+                  <a:schemeClr val="tx1"/>
+                </a:solidFill>
+                <a:effectLst/>
+                <a:latin typeface="+mn-lt"/>
+                <a:ea typeface="+mn-ea"/>
+                <a:cs typeface="+mn-cs"/>
+              </a:rPr>
+              <a:t>, l'objet est donc colorisé en fonction des couleurs que l'on a attribuées à chacun de ses sommets.</a:t>
             </a:r>
             <a:r>
               <a:rPr lang="fr-BE" dirty="0" smtClean="0"/>
@@ -2839,8 +2340,218 @@
                 <a:ea typeface="+mn-ea"/>
                 <a:cs typeface="+mn-cs"/>
               </a:rPr>
-              <a:t>le mode </a:t>
-            </a:r>
+              <a:t>Cependant, il existe d’autres façons de coloriser un objet :</a:t>
+            </a:r>
+            <a:r>
+              <a:rPr lang="fr-BE" dirty="0" smtClean="0"/>
+              <a:t/>
+            </a:r>
+            <a:br>
+              <a:rPr lang="fr-BE" dirty="0" smtClean="0"/>
+            </a:br>
+            <a:r>
+              <a:rPr lang="fr-BE" sz="1200" b="0" i="0" kern="1200" dirty="0" smtClean="0">
+                <a:solidFill>
+                  <a:schemeClr val="tx1"/>
+                </a:solidFill>
+                <a:effectLst/>
+                <a:latin typeface="+mn-lt"/>
+                <a:ea typeface="+mn-ea"/>
+                <a:cs typeface="+mn-cs"/>
+              </a:rPr>
+              <a:t>- en utilisant les couleurs de la classe </a:t>
+            </a:r>
+            <a:r>
+              <a:rPr lang="fr-BE" sz="1200" b="0" i="0" kern="1200" dirty="0" err="1" smtClean="0">
+                <a:solidFill>
+                  <a:schemeClr val="tx1"/>
+                </a:solidFill>
+                <a:effectLst/>
+                <a:latin typeface="+mn-lt"/>
+                <a:ea typeface="+mn-ea"/>
+                <a:cs typeface="+mn-cs"/>
+              </a:rPr>
+              <a:t>Material</a:t>
+            </a:r>
+            <a:r>
+              <a:rPr lang="fr-BE" dirty="0" smtClean="0"/>
+              <a:t/>
+            </a:r>
+            <a:br>
+              <a:rPr lang="fr-BE" dirty="0" smtClean="0"/>
+            </a:br>
+            <a:r>
+              <a:rPr lang="fr-BE" sz="1200" b="0" i="0" kern="1200" dirty="0" smtClean="0">
+                <a:solidFill>
+                  <a:schemeClr val="tx1"/>
+                </a:solidFill>
+                <a:effectLst/>
+                <a:latin typeface="+mn-lt"/>
+                <a:ea typeface="+mn-ea"/>
+                <a:cs typeface="+mn-cs"/>
+              </a:rPr>
+              <a:t>- en utilisant l'éclairage de la scène 3D.</a:t>
+            </a:r>
+            <a:r>
+              <a:rPr lang="fr-BE" dirty="0" smtClean="0"/>
+              <a:t/>
+            </a:r>
+            <a:br>
+              <a:rPr lang="fr-BE" dirty="0" smtClean="0"/>
+            </a:br>
+            <a:endParaRPr lang="fr-BE" dirty="0" smtClean="0"/>
+          </a:p>
+          <a:p>
+            <a:r>
+              <a:rPr lang="fr-BE" dirty="0" smtClean="0"/>
+              <a:t>Rendu</a:t>
+            </a:r>
+          </a:p>
+          <a:p>
+            <a:r>
+              <a:rPr lang="fr-BE" sz="1200" b="0" i="0" kern="1200" dirty="0" smtClean="0">
+                <a:solidFill>
+                  <a:schemeClr val="tx1"/>
+                </a:solidFill>
+                <a:effectLst/>
+                <a:latin typeface="+mn-lt"/>
+                <a:ea typeface="+mn-ea"/>
+                <a:cs typeface="+mn-cs"/>
+              </a:rPr>
+              <a:t>Nous allons étudier dans cette section quelques aspects de la classe </a:t>
+            </a:r>
+            <a:r>
+              <a:rPr lang="fr-BE" sz="1200" b="0" i="0" kern="1200" dirty="0" err="1" smtClean="0">
+                <a:solidFill>
+                  <a:schemeClr val="tx1"/>
+                </a:solidFill>
+                <a:effectLst/>
+                <a:latin typeface="+mn-lt"/>
+                <a:ea typeface="+mn-ea"/>
+                <a:cs typeface="+mn-cs"/>
+              </a:rPr>
+              <a:t>RenderingAttributes</a:t>
+            </a:r>
+            <a:r>
+              <a:rPr lang="fr-BE" sz="1200" b="0" i="0" kern="1200" dirty="0" smtClean="0">
+                <a:solidFill>
+                  <a:schemeClr val="tx1"/>
+                </a:solidFill>
+                <a:effectLst/>
+                <a:latin typeface="+mn-lt"/>
+                <a:ea typeface="+mn-ea"/>
+                <a:cs typeface="+mn-cs"/>
+              </a:rPr>
+              <a:t>.</a:t>
+            </a:r>
+            <a:r>
+              <a:rPr lang="fr-BE" dirty="0" smtClean="0"/>
+              <a:t/>
+            </a:r>
+            <a:br>
+              <a:rPr lang="fr-BE" dirty="0" smtClean="0"/>
+            </a:br>
+            <a:r>
+              <a:rPr lang="fr-BE" sz="1200" b="0" i="0" kern="1200" dirty="0" smtClean="0">
+                <a:solidFill>
+                  <a:schemeClr val="tx1"/>
+                </a:solidFill>
+                <a:effectLst/>
+                <a:latin typeface="+mn-lt"/>
+                <a:ea typeface="+mn-ea"/>
+                <a:cs typeface="+mn-cs"/>
+              </a:rPr>
+              <a:t>Nous allons voir que cette classe permet en autres d'ignorer les couleurs des sommets et de rendre tout ou partie d'un objet invisible.</a:t>
+            </a:r>
+          </a:p>
+          <a:p>
+            <a:r>
+              <a:rPr lang="fr-BE" sz="1200" b="0" i="0" kern="1200" dirty="0" smtClean="0">
+                <a:solidFill>
+                  <a:schemeClr val="tx1"/>
+                </a:solidFill>
+                <a:effectLst/>
+                <a:latin typeface="+mn-lt"/>
+                <a:ea typeface="+mn-ea"/>
+                <a:cs typeface="+mn-cs"/>
+              </a:rPr>
+              <a:t>nous pouvons aussi faire "clignoter" une objet en le rendant alternativement visible et invisible grâce à la méthode </a:t>
+            </a:r>
+            <a:r>
+              <a:rPr lang="fr-BE" sz="1200" b="0" i="0" kern="1200" dirty="0" err="1" smtClean="0">
+                <a:solidFill>
+                  <a:schemeClr val="tx1"/>
+                </a:solidFill>
+                <a:effectLst/>
+                <a:latin typeface="+mn-lt"/>
+                <a:ea typeface="+mn-ea"/>
+                <a:cs typeface="+mn-cs"/>
+              </a:rPr>
+              <a:t>setVisible</a:t>
+            </a:r>
+            <a:r>
+              <a:rPr lang="fr-BE" sz="1200" b="0" i="0" kern="1200" dirty="0" smtClean="0">
+                <a:solidFill>
+                  <a:schemeClr val="tx1"/>
+                </a:solidFill>
+                <a:effectLst/>
+                <a:latin typeface="+mn-lt"/>
+                <a:ea typeface="+mn-ea"/>
+                <a:cs typeface="+mn-cs"/>
+              </a:rPr>
+              <a:t>() de la classe </a:t>
+            </a:r>
+            <a:r>
+              <a:rPr lang="fr-BE" sz="1200" b="0" i="0" kern="1200" dirty="0" err="1" smtClean="0">
+                <a:solidFill>
+                  <a:schemeClr val="tx1"/>
+                </a:solidFill>
+                <a:effectLst/>
+                <a:latin typeface="+mn-lt"/>
+                <a:ea typeface="+mn-ea"/>
+                <a:cs typeface="+mn-cs"/>
+              </a:rPr>
+              <a:t>RenderingAttributes</a:t>
+            </a:r>
+            <a:r>
+              <a:rPr lang="fr-BE" sz="1200" b="0" i="0" kern="1200" dirty="0" smtClean="0">
+                <a:solidFill>
+                  <a:schemeClr val="tx1"/>
+                </a:solidFill>
+                <a:effectLst/>
+                <a:latin typeface="+mn-lt"/>
+                <a:ea typeface="+mn-ea"/>
+                <a:cs typeface="+mn-cs"/>
+              </a:rPr>
+              <a:t> :</a:t>
+            </a:r>
+          </a:p>
+          <a:p>
+            <a:endParaRPr lang="fr-BE" sz="1200" b="0" i="0" kern="1200" dirty="0" smtClean="0">
+              <a:solidFill>
+                <a:schemeClr val="tx1"/>
+              </a:solidFill>
+              <a:effectLst/>
+              <a:latin typeface="+mn-lt"/>
+              <a:ea typeface="+mn-ea"/>
+              <a:cs typeface="+mn-cs"/>
+            </a:endParaRPr>
+          </a:p>
+          <a:p>
+            <a:r>
+              <a:rPr lang="fr-BE" sz="1200" b="0" i="0" kern="1200" dirty="0" smtClean="0">
+                <a:solidFill>
+                  <a:schemeClr val="tx1"/>
+                </a:solidFill>
+                <a:effectLst/>
+                <a:latin typeface="+mn-lt"/>
+                <a:ea typeface="+mn-ea"/>
+                <a:cs typeface="+mn-cs"/>
+              </a:rPr>
+              <a:t>Transparence</a:t>
+            </a:r>
+          </a:p>
+          <a:p>
             <a:r>
               <a:rPr lang="fr-BE" sz="1200" b="1" i="0" kern="1200" dirty="0" smtClean="0">
                 <a:solidFill>
@@ -2851,10 +2562,70 @@
                 <a:ea typeface="+mn-ea"/>
                 <a:cs typeface="+mn-cs"/>
               </a:rPr>
-              <a:t>point</a:t>
-            </a:r>
-            <a:r>
-              <a:rPr lang="fr-BE" sz="1200" b="0" i="0" kern="1200" dirty="0" smtClean="0">
+              <a:t>public </a:t>
+            </a:r>
+            <a:r>
+              <a:rPr lang="fr-BE" sz="1200" b="1" i="0" kern="1200" dirty="0" err="1" smtClean="0">
+                <a:solidFill>
+                  <a:schemeClr val="tx1"/>
+                </a:solidFill>
+                <a:effectLst/>
+                <a:latin typeface="+mn-lt"/>
+                <a:ea typeface="+mn-ea"/>
+                <a:cs typeface="+mn-cs"/>
+              </a:rPr>
+              <a:t>TransparencyAttributes</a:t>
+            </a:r>
+            <a:r>
+              <a:rPr lang="fr-BE" sz="1200" b="1" i="0" kern="1200" dirty="0" smtClean="0">
+                <a:solidFill>
+                  <a:schemeClr val="tx1"/>
+                </a:solidFill>
+                <a:effectLst/>
+                <a:latin typeface="+mn-lt"/>
+                <a:ea typeface="+mn-ea"/>
+                <a:cs typeface="+mn-cs"/>
+              </a:rPr>
+              <a:t>(</a:t>
+            </a:r>
+            <a:r>
+              <a:rPr lang="fr-BE" sz="1200" b="1" i="0" kern="1200" dirty="0" err="1" smtClean="0">
+                <a:solidFill>
+                  <a:schemeClr val="tx1"/>
+                </a:solidFill>
+                <a:effectLst/>
+                <a:latin typeface="+mn-lt"/>
+                <a:ea typeface="+mn-ea"/>
+                <a:cs typeface="+mn-cs"/>
+              </a:rPr>
+              <a:t>int</a:t>
+            </a:r>
+            <a:r>
+              <a:rPr lang="fr-BE" sz="1200" b="1" i="0" kern="1200" dirty="0" smtClean="0">
+                <a:solidFill>
+                  <a:schemeClr val="tx1"/>
+                </a:solidFill>
+                <a:effectLst/>
+                <a:latin typeface="+mn-lt"/>
+                <a:ea typeface="+mn-ea"/>
+                <a:cs typeface="+mn-cs"/>
+              </a:rPr>
+              <a:t> </a:t>
+            </a:r>
+            <a:r>
+              <a:rPr lang="fr-BE" sz="1200" b="1" i="0" kern="1200" dirty="0" err="1" smtClean="0">
+                <a:solidFill>
+                  <a:schemeClr val="tx1"/>
+                </a:solidFill>
+                <a:effectLst/>
+                <a:latin typeface="+mn-lt"/>
+                <a:ea typeface="+mn-ea"/>
+                <a:cs typeface="+mn-cs"/>
+              </a:rPr>
+              <a:t>tMode</a:t>
+            </a:r>
+            <a:r>
+              <a:rPr lang="fr-BE" sz="1200" b="1" i="0" kern="1200" dirty="0" smtClean="0">
                 <a:solidFill>
                   <a:schemeClr val="tx1"/>
                 </a:solidFill>
@@ -2865,19 +2636,17 @@
               </a:rPr>
               <a:t>, </a:t>
             </a:r>
-          </a:p>
-          <a:p>
-            <a:r>
-              <a:rPr lang="fr-BE" sz="1200" b="0" i="0" kern="1200" dirty="0" smtClean="0">
-                <a:solidFill>
-                  <a:schemeClr val="tx1"/>
-                </a:solidFill>
-                <a:effectLst/>
-                <a:latin typeface="+mn-lt"/>
-                <a:ea typeface="+mn-ea"/>
-                <a:cs typeface="+mn-cs"/>
-              </a:rPr>
-              <a:t>le mode </a:t>
+            <a:r>
+              <a:rPr lang="fr-BE" sz="1200" b="1" i="0" kern="1200" dirty="0" err="1" smtClean="0">
+                <a:solidFill>
+                  <a:schemeClr val="tx1"/>
+                </a:solidFill>
+                <a:effectLst/>
+                <a:latin typeface="+mn-lt"/>
+                <a:ea typeface="+mn-ea"/>
+                <a:cs typeface="+mn-cs"/>
+              </a:rPr>
+              <a:t>float</a:t>
             </a:r>
             <a:r>
               <a:rPr lang="fr-BE" sz="1200" b="1" i="0" kern="1200" dirty="0" smtClean="0">
@@ -2889,33 +2658,19 @@
                 <a:ea typeface="+mn-ea"/>
                 <a:cs typeface="+mn-cs"/>
               </a:rPr>
-              <a:t>lignes</a:t>
-            </a:r>
-            <a:r>
-              <a:rPr lang="fr-BE" sz="1200" b="0" i="0" kern="1200" dirty="0" smtClean="0">
-                <a:solidFill>
-                  <a:schemeClr val="tx1"/>
-                </a:solidFill>
-                <a:effectLst/>
-                <a:latin typeface="+mn-lt"/>
-                <a:ea typeface="+mn-ea"/>
-                <a:cs typeface="+mn-cs"/>
-              </a:rPr>
-              <a:t> (fil de fer) et</a:t>
-            </a:r>
-          </a:p>
-          <a:p>
-            <a:r>
-              <a:rPr lang="fr-BE" sz="1200" b="0" i="0" kern="1200" dirty="0" smtClean="0">
-                <a:solidFill>
-                  <a:schemeClr val="tx1"/>
-                </a:solidFill>
-                <a:effectLst/>
-                <a:latin typeface="+mn-lt"/>
-                <a:ea typeface="+mn-ea"/>
-                <a:cs typeface="+mn-cs"/>
-              </a:rPr>
-              <a:t> enfin le mode </a:t>
+              <a:t> </a:t>
+            </a:r>
+            <a:r>
+              <a:rPr lang="fr-BE" sz="1200" b="1" i="0" kern="1200" dirty="0" err="1" smtClean="0">
+                <a:solidFill>
+                  <a:schemeClr val="tx1"/>
+                </a:solidFill>
+                <a:effectLst/>
+                <a:latin typeface="+mn-lt"/>
+                <a:ea typeface="+mn-ea"/>
+                <a:cs typeface="+mn-cs"/>
+              </a:rPr>
+              <a:t>tVal</a:t>
             </a:r>
             <a:r>
               <a:rPr lang="fr-BE" sz="1200" b="1" i="0" kern="1200" dirty="0" smtClean="0">
@@ -2927,34 +2682,15 @@
                 <a:ea typeface="+mn-ea"/>
                 <a:cs typeface="+mn-cs"/>
               </a:rPr>
-              <a:t>polygone</a:t>
-            </a:r>
-            <a:r>
-              <a:rPr lang="fr-BE" sz="1200" b="0" i="0" kern="1200" dirty="0" smtClean="0">
-                <a:solidFill>
-                  <a:schemeClr val="tx1"/>
-                </a:solidFill>
-                <a:effectLst/>
-                <a:latin typeface="+mn-lt"/>
-                <a:ea typeface="+mn-ea"/>
-                <a:cs typeface="+mn-cs"/>
-              </a:rPr>
-              <a:t>(mode par défaut). </a:t>
-            </a:r>
-          </a:p>
-          <a:p>
-            <a:r>
-              <a:rPr lang="fr-BE" sz="1200" b="0" i="0" kern="1200" dirty="0" smtClean="0">
-                <a:solidFill>
-                  <a:schemeClr val="tx1"/>
-                </a:solidFill>
-                <a:effectLst/>
-                <a:latin typeface="+mn-lt"/>
-                <a:ea typeface="+mn-ea"/>
-                <a:cs typeface="+mn-cs"/>
-              </a:rPr>
-              <a:t>C'est la classe </a:t>
-            </a:r>
+              <a:t>)</a:t>
+            </a:r>
+            <a:r>
+              <a:rPr lang="fr-BE" dirty="0" smtClean="0"/>
+              <a:t/>
+            </a:r>
+            <a:br>
+              <a:rPr lang="fr-BE" dirty="0" smtClean="0"/>
+            </a:br>
             <a:r>
               <a:rPr lang="fr-BE" sz="1200" b="0" i="0" kern="1200" dirty="0" err="1" smtClean="0">
                 <a:solidFill>
@@ -2965,19 +2701,160 @@
                 <a:ea typeface="+mn-ea"/>
                 <a:cs typeface="+mn-cs"/>
               </a:rPr>
-              <a:t>PolygoneAttributes</a:t>
-            </a:r>
-            <a:r>
-              <a:rPr lang="fr-BE" sz="1200" b="0" i="0" kern="1200" dirty="0" smtClean="0">
-                <a:solidFill>
-                  <a:schemeClr val="tx1"/>
-                </a:solidFill>
-                <a:effectLst/>
-                <a:latin typeface="+mn-lt"/>
-                <a:ea typeface="+mn-ea"/>
-                <a:cs typeface="+mn-cs"/>
-              </a:rPr>
-              <a:t> qui va nous permettre de sélectionner l'un de ces modes pour afficher notre objet 3D :</a:t>
+              <a:t>tMode</a:t>
+            </a:r>
+            <a:r>
+              <a:rPr lang="fr-BE" sz="1200" b="0" i="0" kern="1200" dirty="0" smtClean="0">
+                <a:solidFill>
+                  <a:schemeClr val="tx1"/>
+                </a:solidFill>
+                <a:effectLst/>
+                <a:latin typeface="+mn-lt"/>
+                <a:ea typeface="+mn-ea"/>
+                <a:cs typeface="+mn-cs"/>
+              </a:rPr>
+              <a:t> indique le mode de transparence que l'on veut utiliser. Citons entre autres les 2 valeurs :</a:t>
+            </a:r>
+            <a:r>
+              <a:rPr lang="fr-BE" dirty="0" smtClean="0"/>
+              <a:t/>
+            </a:r>
+            <a:br>
+              <a:rPr lang="fr-BE" dirty="0" smtClean="0"/>
+            </a:br>
+            <a:r>
+              <a:rPr lang="fr-BE" sz="1200" b="0" i="0" kern="1200" dirty="0" smtClean="0">
+                <a:solidFill>
+                  <a:schemeClr val="tx1"/>
+                </a:solidFill>
+                <a:effectLst/>
+                <a:latin typeface="+mn-lt"/>
+                <a:ea typeface="+mn-ea"/>
+                <a:cs typeface="+mn-cs"/>
+              </a:rPr>
+              <a:t>- </a:t>
+            </a:r>
+            <a:r>
+              <a:rPr lang="fr-BE" sz="1200" b="0" i="0" kern="1200" dirty="0" err="1" smtClean="0">
+                <a:solidFill>
+                  <a:schemeClr val="tx1"/>
+                </a:solidFill>
+                <a:effectLst/>
+                <a:latin typeface="+mn-lt"/>
+                <a:ea typeface="+mn-ea"/>
+                <a:cs typeface="+mn-cs"/>
+              </a:rPr>
+              <a:t>TransparencyAttributes.BLENDED</a:t>
+            </a:r>
+            <a:r>
+              <a:rPr lang="fr-BE" sz="1200" b="0" i="0" kern="1200" dirty="0" smtClean="0">
+                <a:solidFill>
+                  <a:schemeClr val="tx1"/>
+                </a:solidFill>
+                <a:effectLst/>
+                <a:latin typeface="+mn-lt"/>
+                <a:ea typeface="+mn-ea"/>
+                <a:cs typeface="+mn-cs"/>
+              </a:rPr>
+              <a:t> : la couleur de l'objet 3D est mélangée avec la couleur de l'arrière-plan de la scène 3D</a:t>
+            </a:r>
+            <a:r>
+              <a:rPr lang="fr-BE" dirty="0" smtClean="0"/>
+              <a:t/>
+            </a:r>
+            <a:br>
+              <a:rPr lang="fr-BE" dirty="0" smtClean="0"/>
+            </a:br>
+            <a:r>
+              <a:rPr lang="fr-BE" sz="1200" b="0" i="0" kern="1200" dirty="0" smtClean="0">
+                <a:solidFill>
+                  <a:schemeClr val="tx1"/>
+                </a:solidFill>
+                <a:effectLst/>
+                <a:latin typeface="+mn-lt"/>
+                <a:ea typeface="+mn-ea"/>
+                <a:cs typeface="+mn-cs"/>
+              </a:rPr>
+              <a:t>- </a:t>
+            </a:r>
+            <a:r>
+              <a:rPr lang="fr-BE" sz="1200" b="0" i="0" kern="1200" dirty="0" err="1" smtClean="0">
+                <a:solidFill>
+                  <a:schemeClr val="tx1"/>
+                </a:solidFill>
+                <a:effectLst/>
+                <a:latin typeface="+mn-lt"/>
+                <a:ea typeface="+mn-ea"/>
+                <a:cs typeface="+mn-cs"/>
+              </a:rPr>
+              <a:t>TransparencyAttributes.SCREEN_DOOR</a:t>
+            </a:r>
+            <a:r>
+              <a:rPr lang="fr-BE" sz="1200" b="0" i="0" kern="1200" dirty="0" smtClean="0">
+                <a:solidFill>
+                  <a:schemeClr val="tx1"/>
+                </a:solidFill>
+                <a:effectLst/>
+                <a:latin typeface="+mn-lt"/>
+                <a:ea typeface="+mn-ea"/>
+                <a:cs typeface="+mn-cs"/>
+              </a:rPr>
+              <a:t> : la couleur de l'objet 3D est représentée sous forme de grille dont les trous ont la couleur de l'arrière-plan.</a:t>
+            </a:r>
+            <a:r>
+              <a:rPr lang="fr-BE" dirty="0" smtClean="0"/>
+              <a:t/>
+            </a:r>
+            <a:br>
+              <a:rPr lang="fr-BE" dirty="0" smtClean="0"/>
+            </a:br>
+            <a:r>
+              <a:rPr lang="fr-BE" sz="1200" b="0" i="0" kern="1200" dirty="0" err="1" smtClean="0">
+                <a:solidFill>
+                  <a:schemeClr val="tx1"/>
+                </a:solidFill>
+                <a:effectLst/>
+                <a:latin typeface="+mn-lt"/>
+                <a:ea typeface="+mn-ea"/>
+                <a:cs typeface="+mn-cs"/>
+              </a:rPr>
+              <a:t>tVal</a:t>
+            </a:r>
+            <a:r>
+              <a:rPr lang="fr-BE" sz="1200" b="0" i="0" kern="1200" dirty="0" smtClean="0">
+                <a:solidFill>
+                  <a:schemeClr val="tx1"/>
+                </a:solidFill>
+                <a:effectLst/>
+                <a:latin typeface="+mn-lt"/>
+                <a:ea typeface="+mn-ea"/>
+                <a:cs typeface="+mn-cs"/>
+              </a:rPr>
+              <a:t> représente </a:t>
+            </a:r>
+            <a:r>
+              <a:rPr lang="fr-BE" sz="1200" b="0" i="0" kern="1200" dirty="0" err="1" smtClean="0">
+                <a:solidFill>
+                  <a:schemeClr val="tx1"/>
+                </a:solidFill>
+                <a:effectLst/>
+                <a:latin typeface="+mn-lt"/>
+                <a:ea typeface="+mn-ea"/>
+                <a:cs typeface="+mn-cs"/>
+              </a:rPr>
+              <a:t>représente</a:t>
+            </a:r>
+            <a:r>
+              <a:rPr lang="fr-BE" sz="1200" b="0" i="0" kern="1200" dirty="0" smtClean="0">
+                <a:solidFill>
+                  <a:schemeClr val="tx1"/>
+                </a:solidFill>
+                <a:effectLst/>
+                <a:latin typeface="+mn-lt"/>
+                <a:ea typeface="+mn-ea"/>
+                <a:cs typeface="+mn-cs"/>
+              </a:rPr>
+              <a:t> le taux de transparence (0 correspond a une opacité totale et 1 à une transparence totale).</a:t>
             </a:r>
             <a:endParaRPr lang="fr-BE" dirty="0"/>
           </a:p>
@@ -3000,7 +2877,7 @@
           <a:p>
             <a:fld id="{F9B9F26C-5E20-463A-A30E-4B3CD8C634F9}" type="slidenum">
               <a:rPr lang="en-US" smtClean="0"/>
-              <a:t>27</a:t>
+              <a:t>24</a:t>
             </a:fld>
             <a:endParaRPr lang="en-US"/>
           </a:p>
@@ -3009,7 +2886,7 @@
     </p:spTree>
     <p:extLst>
       <p:ext uri="{BB962C8B-B14F-4D97-AF65-F5344CB8AC3E}">
-        <p14:creationId xmlns:p14="http://schemas.microsoft.com/office/powerpoint/2010/main" val="2050863459"/>
+        <p14:creationId xmlns:p14="http://schemas.microsoft.com/office/powerpoint/2010/main" val="555013494"/>
       </p:ext>
     </p:extLst>
   </p:cSld>
@@ -3256,8 +3133,599 @@
                 <a:ea typeface="+mn-ea"/>
                 <a:cs typeface="+mn-cs"/>
               </a:rPr>
-              <a:t>Interpolateur est une classe abstraite qui étend le comportement de fournir des méthodes couramment utilisées par les différentes sous-classes d'interpolation . Ceux-ci comprennent des procédés pour convertir une valeur de temps en une valeur alpha ( une valeur comprise entre 0 et 1 ) et un procédé pour initialiser le comportement. Les sous-classes fournissent les méthodes qui convertissent les valeurs alpha en valeurs au sein de cette sous-classe " plage de sortie .</a:t>
-            </a:r>
+              <a:t>Interpolateur est une classe abstraite qui étend le comportement de fournir des méthodes couramment utilisées par les différentes sous-classes d'interpolation . Ceux-ci comprennent des procédés pour convertir une valeur de temps en une valeur alpha ( une valeur comprise entre 0 et 1 ) et un procédé pour initialiser le comportement. Les sous-classes fournissent les méthodes qui convertissent les valeurs alpha en valeurs au sein de cette sous-classe " plage de sortie </a:t>
+            </a:r>
+            <a:r>
+              <a:rPr lang="fr-BE" sz="1200" b="0" i="0" kern="1200" dirty="0" smtClean="0">
+                <a:solidFill>
+                  <a:schemeClr val="tx1"/>
+                </a:solidFill>
+                <a:effectLst/>
+                <a:latin typeface="+mn-lt"/>
+                <a:ea typeface="+mn-ea"/>
+                <a:cs typeface="+mn-cs"/>
+              </a:rPr>
+              <a:t>.</a:t>
+            </a:r>
+          </a:p>
+          <a:p>
+            <a:endParaRPr lang="fr-BE" sz="1200" b="0" i="0" kern="1200" dirty="0" smtClean="0">
+              <a:solidFill>
+                <a:schemeClr val="tx1"/>
+              </a:solidFill>
+              <a:effectLst/>
+              <a:latin typeface="+mn-lt"/>
+              <a:ea typeface="+mn-ea"/>
+              <a:cs typeface="+mn-cs"/>
+            </a:endParaRPr>
+          </a:p>
+          <a:p>
+            <a:endParaRPr lang="fr-BE" sz="1200" b="0" i="0" kern="1200" dirty="0" smtClean="0">
+              <a:solidFill>
+                <a:schemeClr val="tx1"/>
+              </a:solidFill>
+              <a:effectLst/>
+              <a:latin typeface="+mn-lt"/>
+              <a:ea typeface="+mn-ea"/>
+              <a:cs typeface="+mn-cs"/>
+            </a:endParaRPr>
+          </a:p>
+          <a:p>
+            <a:r>
+              <a:rPr lang="fr-BE" sz="1200" b="0" i="0" kern="1200" dirty="0" smtClean="0">
+                <a:solidFill>
+                  <a:schemeClr val="tx1"/>
+                </a:solidFill>
+                <a:effectLst/>
+                <a:latin typeface="+mn-lt"/>
+                <a:ea typeface="+mn-ea"/>
+                <a:cs typeface="+mn-cs"/>
+              </a:rPr>
+              <a:t>Structure de </a:t>
+            </a:r>
+            <a:r>
+              <a:rPr lang="fr-BE" sz="1200" b="0" i="0" u="none" strike="noStrike" kern="1200" dirty="0" smtClean="0">
+                <a:solidFill>
+                  <a:schemeClr val="tx1"/>
+                </a:solidFill>
+                <a:effectLst/>
+                <a:latin typeface="+mn-lt"/>
+                <a:ea typeface="+mn-ea"/>
+                <a:cs typeface="+mn-cs"/>
+                <a:hlinkClick r:id="rId3" tooltip="Graphe de scène"/>
+              </a:rPr>
+              <a:t>graphe de scène</a:t>
+            </a:r>
+            <a:r>
+              <a:rPr lang="fr-BE" sz="1200" b="0" i="0" kern="1200" dirty="0" smtClean="0">
+                <a:solidFill>
+                  <a:schemeClr val="tx1"/>
+                </a:solidFill>
+                <a:effectLst/>
+                <a:latin typeface="+mn-lt"/>
+                <a:ea typeface="+mn-ea"/>
+                <a:cs typeface="+mn-cs"/>
+              </a:rPr>
+              <a:t> multithread</a:t>
+            </a:r>
+          </a:p>
+          <a:p>
+            <a:r>
+              <a:rPr lang="fr-BE" sz="1200" b="0" i="0" u="none" strike="noStrike" kern="1200" dirty="0" err="1" smtClean="0">
+                <a:solidFill>
+                  <a:schemeClr val="tx1"/>
+                </a:solidFill>
+                <a:effectLst/>
+                <a:latin typeface="+mn-lt"/>
+                <a:ea typeface="+mn-ea"/>
+                <a:cs typeface="+mn-cs"/>
+                <a:hlinkClick r:id="rId4" tooltip="Multiplate-forme"/>
+              </a:rPr>
+              <a:t>Multiplate-forme</a:t>
+            </a:r>
+            <a:endParaRPr lang="fr-BE" sz="1200" b="0" i="0" kern="1200" dirty="0" smtClean="0">
+              <a:solidFill>
+                <a:schemeClr val="tx1"/>
+              </a:solidFill>
+              <a:effectLst/>
+              <a:latin typeface="+mn-lt"/>
+              <a:ea typeface="+mn-ea"/>
+              <a:cs typeface="+mn-cs"/>
+            </a:endParaRPr>
+          </a:p>
+          <a:p>
+            <a:r>
+              <a:rPr lang="fr-BE" sz="1200" b="0" i="0" kern="1200" dirty="0" smtClean="0">
+                <a:solidFill>
+                  <a:schemeClr val="tx1"/>
+                </a:solidFill>
+                <a:effectLst/>
+                <a:latin typeface="+mn-lt"/>
+                <a:ea typeface="+mn-ea"/>
+                <a:cs typeface="+mn-cs"/>
+              </a:rPr>
+              <a:t>API générique </a:t>
+            </a:r>
+            <a:r>
+              <a:rPr lang="fr-BE" sz="1200" b="0" i="0" u="none" strike="noStrike" kern="1200" dirty="0" smtClean="0">
+                <a:solidFill>
+                  <a:schemeClr val="tx1"/>
+                </a:solidFill>
+                <a:effectLst/>
+                <a:latin typeface="+mn-lt"/>
+                <a:ea typeface="+mn-ea"/>
+                <a:cs typeface="+mn-cs"/>
+                <a:hlinkClick r:id="rId5" tooltip="3D temps réel"/>
+              </a:rPr>
+              <a:t>temps réel</a:t>
+            </a:r>
+            <a:r>
+              <a:rPr lang="fr-BE" sz="1200" b="0" i="0" kern="1200" dirty="0" smtClean="0">
+                <a:solidFill>
+                  <a:schemeClr val="tx1"/>
+                </a:solidFill>
+                <a:effectLst/>
+                <a:latin typeface="+mn-lt"/>
+                <a:ea typeface="+mn-ea"/>
+                <a:cs typeface="+mn-cs"/>
+              </a:rPr>
+              <a:t>, utilisable à la fois pour la visualisation et les jeux</a:t>
+            </a:r>
+          </a:p>
+          <a:p>
+            <a:r>
+              <a:rPr lang="fr-BE" sz="1200" b="0" i="0" kern="1200" dirty="0" smtClean="0">
+                <a:solidFill>
+                  <a:schemeClr val="tx1"/>
+                </a:solidFill>
+                <a:effectLst/>
+                <a:latin typeface="+mn-lt"/>
+                <a:ea typeface="+mn-ea"/>
+                <a:cs typeface="+mn-cs"/>
+              </a:rPr>
+              <a:t>Support des différents modes de rendu (immédiat, différé…)</a:t>
+            </a:r>
+          </a:p>
+          <a:p>
+            <a:r>
+              <a:rPr lang="fr-BE" sz="1200" b="0" i="0" kern="1200" dirty="0" smtClean="0">
+                <a:solidFill>
+                  <a:schemeClr val="tx1"/>
+                </a:solidFill>
+                <a:effectLst/>
+                <a:latin typeface="+mn-lt"/>
+                <a:ea typeface="+mn-ea"/>
+                <a:cs typeface="+mn-cs"/>
+              </a:rPr>
+              <a:t>Inclut le rendu accéléré matériellement via </a:t>
+            </a:r>
+            <a:r>
+              <a:rPr lang="fr-BE" sz="1200" b="0" i="0" u="none" strike="noStrike" kern="1200" dirty="0" smtClean="0">
+                <a:solidFill>
+                  <a:schemeClr val="tx1"/>
+                </a:solidFill>
+                <a:effectLst/>
+                <a:latin typeface="+mn-lt"/>
+                <a:ea typeface="+mn-ea"/>
+                <a:cs typeface="+mn-cs"/>
+                <a:hlinkClick r:id="rId6" tooltip="Java OpenGL"/>
+              </a:rPr>
+              <a:t>JOGL</a:t>
+            </a:r>
+            <a:r>
+              <a:rPr lang="fr-BE" sz="1200" b="0" i="0" kern="1200" dirty="0" smtClean="0">
+                <a:solidFill>
+                  <a:schemeClr val="tx1"/>
+                </a:solidFill>
+                <a:effectLst/>
+                <a:latin typeface="+mn-lt"/>
+                <a:ea typeface="+mn-ea"/>
+                <a:cs typeface="+mn-cs"/>
+              </a:rPr>
+              <a:t>, </a:t>
+            </a:r>
+            <a:r>
+              <a:rPr lang="fr-BE" sz="1200" b="0" i="0" u="none" strike="noStrike" kern="1200" dirty="0" smtClean="0">
+                <a:solidFill>
+                  <a:schemeClr val="tx1"/>
+                </a:solidFill>
+                <a:effectLst/>
+                <a:latin typeface="+mn-lt"/>
+                <a:ea typeface="+mn-ea"/>
+                <a:cs typeface="+mn-cs"/>
+                <a:hlinkClick r:id="rId7" tooltip="OpenGL"/>
+              </a:rPr>
+              <a:t>OpenGL</a:t>
+            </a:r>
+            <a:r>
+              <a:rPr lang="fr-BE" sz="1200" b="0" i="0" kern="1200" dirty="0" smtClean="0">
+                <a:solidFill>
+                  <a:schemeClr val="tx1"/>
+                </a:solidFill>
+                <a:effectLst/>
+                <a:latin typeface="+mn-lt"/>
+                <a:ea typeface="+mn-ea"/>
+                <a:cs typeface="+mn-cs"/>
+              </a:rPr>
+              <a:t> et </a:t>
+            </a:r>
+            <a:r>
+              <a:rPr lang="fr-BE" sz="1200" b="0" i="0" u="none" strike="noStrike" kern="1200" dirty="0" smtClean="0">
+                <a:solidFill>
+                  <a:schemeClr val="tx1"/>
+                </a:solidFill>
+                <a:effectLst/>
+                <a:latin typeface="+mn-lt"/>
+                <a:ea typeface="+mn-ea"/>
+                <a:cs typeface="+mn-cs"/>
+                <a:hlinkClick r:id="rId8" tooltip="Direct3D"/>
+              </a:rPr>
+              <a:t>Direct3D</a:t>
+            </a:r>
+            <a:r>
+              <a:rPr lang="fr-BE" sz="1200" b="0" i="0" kern="1200" dirty="0" smtClean="0">
+                <a:solidFill>
+                  <a:schemeClr val="tx1"/>
+                </a:solidFill>
+                <a:effectLst/>
+                <a:latin typeface="+mn-lt"/>
+                <a:ea typeface="+mn-ea"/>
+                <a:cs typeface="+mn-cs"/>
+              </a:rPr>
+              <a:t> (en fonction de la plateforme, uniquement </a:t>
+            </a:r>
+            <a:r>
+              <a:rPr lang="fr-BE" sz="1200" b="0" i="0" u="none" strike="noStrike" kern="1200" dirty="0" smtClean="0">
+                <a:solidFill>
+                  <a:schemeClr val="tx1"/>
+                </a:solidFill>
+                <a:effectLst/>
+                <a:latin typeface="+mn-lt"/>
+                <a:ea typeface="+mn-ea"/>
+                <a:cs typeface="+mn-cs"/>
+                <a:hlinkClick r:id="rId6" tooltip="Java OpenGL"/>
+              </a:rPr>
+              <a:t>JOGL</a:t>
+            </a:r>
+            <a:r>
+              <a:rPr lang="fr-BE" sz="1200" b="0" i="0" kern="1200" dirty="0" smtClean="0">
+                <a:solidFill>
+                  <a:schemeClr val="tx1"/>
+                </a:solidFill>
+                <a:effectLst/>
+                <a:latin typeface="+mn-lt"/>
+                <a:ea typeface="+mn-ea"/>
+                <a:cs typeface="+mn-cs"/>
+              </a:rPr>
+              <a:t> 2.0 pour Java 3D 1.6)</a:t>
+            </a:r>
+          </a:p>
+          <a:p>
+            <a:r>
+              <a:rPr lang="fr-BE" sz="1200" b="0" i="0" kern="1200" dirty="0" smtClean="0">
+                <a:solidFill>
+                  <a:schemeClr val="tx1"/>
+                </a:solidFill>
+                <a:effectLst/>
+                <a:latin typeface="+mn-lt"/>
+                <a:ea typeface="+mn-ea"/>
+                <a:cs typeface="+mn-cs"/>
+              </a:rPr>
+              <a:t>Modèle de vue sophistiqué basée sur la réalité virtuelle et prenant en charge le rendu stéréoscopique et les configurations complexes d'affichages multiples</a:t>
+            </a:r>
+          </a:p>
+          <a:p>
+            <a:r>
+              <a:rPr lang="fr-BE" sz="1200" b="0" i="0" kern="1200" dirty="0" smtClean="0">
+                <a:solidFill>
+                  <a:schemeClr val="tx1"/>
+                </a:solidFill>
+                <a:effectLst/>
+                <a:latin typeface="+mn-lt"/>
+                <a:ea typeface="+mn-ea"/>
+                <a:cs typeface="+mn-cs"/>
+              </a:rPr>
+              <a:t>Support natif du visiocasque</a:t>
+            </a:r>
+          </a:p>
+          <a:p>
+            <a:r>
+              <a:rPr lang="fr-BE" sz="1200" b="0" i="0" kern="1200" dirty="0" smtClean="0">
+                <a:solidFill>
+                  <a:schemeClr val="tx1"/>
+                </a:solidFill>
+                <a:effectLst/>
+                <a:latin typeface="+mn-lt"/>
+                <a:ea typeface="+mn-ea"/>
+                <a:cs typeface="+mn-cs"/>
+              </a:rPr>
+              <a:t>CAVE (projecteurs sur plusieurs écrans)</a:t>
+            </a:r>
+          </a:p>
+          <a:p>
+            <a:r>
+              <a:rPr lang="fr-BE" sz="1200" b="0" i="0" kern="1200" dirty="0" smtClean="0">
+                <a:solidFill>
+                  <a:schemeClr val="tx1"/>
+                </a:solidFill>
+                <a:effectLst/>
+                <a:latin typeface="+mn-lt"/>
+                <a:ea typeface="+mn-ea"/>
+                <a:cs typeface="+mn-cs"/>
+              </a:rPr>
+              <a:t>Son spatial 3D</a:t>
+            </a:r>
+          </a:p>
+          <a:p>
+            <a:r>
+              <a:rPr lang="fr-BE" sz="1200" b="0" i="0" kern="1200" dirty="0" err="1" smtClean="0">
+                <a:solidFill>
+                  <a:schemeClr val="tx1"/>
+                </a:solidFill>
+                <a:effectLst/>
+                <a:latin typeface="+mn-lt"/>
+                <a:ea typeface="+mn-ea"/>
+                <a:cs typeface="+mn-cs"/>
+              </a:rPr>
+              <a:t>Shaders</a:t>
+            </a:r>
+            <a:r>
+              <a:rPr lang="fr-BE" sz="1200" b="0" i="0" kern="1200" dirty="0" smtClean="0">
+                <a:solidFill>
+                  <a:schemeClr val="tx1"/>
+                </a:solidFill>
+                <a:effectLst/>
+                <a:latin typeface="+mn-lt"/>
+                <a:ea typeface="+mn-ea"/>
+                <a:cs typeface="+mn-cs"/>
+              </a:rPr>
+              <a:t> programmables, supportant à la fois </a:t>
+            </a:r>
+            <a:r>
+              <a:rPr lang="fr-BE" sz="1200" b="0" i="0" u="none" strike="noStrike" kern="1200" dirty="0" smtClean="0">
+                <a:solidFill>
+                  <a:schemeClr val="tx1"/>
+                </a:solidFill>
+                <a:effectLst/>
+                <a:latin typeface="+mn-lt"/>
+                <a:ea typeface="+mn-ea"/>
+                <a:cs typeface="+mn-cs"/>
+                <a:hlinkClick r:id="rId9" tooltip="GLSL"/>
+              </a:rPr>
+              <a:t>GLSL</a:t>
+            </a:r>
+            <a:r>
+              <a:rPr lang="fr-BE" sz="1200" b="0" i="0" kern="1200" dirty="0" smtClean="0">
+                <a:solidFill>
+                  <a:schemeClr val="tx1"/>
+                </a:solidFill>
+                <a:effectLst/>
+                <a:latin typeface="+mn-lt"/>
+                <a:ea typeface="+mn-ea"/>
+                <a:cs typeface="+mn-cs"/>
+              </a:rPr>
+              <a:t> et </a:t>
+            </a:r>
+            <a:r>
+              <a:rPr lang="fr-BE" sz="1200" b="0" i="0" u="none" strike="noStrike" kern="1200" dirty="0" smtClean="0">
+                <a:solidFill>
+                  <a:schemeClr val="tx1"/>
+                </a:solidFill>
+                <a:effectLst/>
+                <a:latin typeface="+mn-lt"/>
+                <a:ea typeface="+mn-ea"/>
+                <a:cs typeface="+mn-cs"/>
+                <a:hlinkClick r:id="rId10" tooltip="Cg (langage)"/>
+              </a:rPr>
+              <a:t>Cg</a:t>
+            </a:r>
+            <a:endParaRPr lang="fr-BE" sz="1200" b="0" i="0" kern="1200" dirty="0" smtClean="0">
+              <a:solidFill>
+                <a:schemeClr val="tx1"/>
+              </a:solidFill>
+              <a:effectLst/>
+              <a:latin typeface="+mn-lt"/>
+              <a:ea typeface="+mn-ea"/>
+              <a:cs typeface="+mn-cs"/>
+            </a:endParaRPr>
+          </a:p>
+          <a:p>
+            <a:r>
+              <a:rPr lang="fr-BE" sz="1200" b="0" i="1" kern="1200" dirty="0" smtClean="0">
+                <a:solidFill>
+                  <a:schemeClr val="tx1"/>
+                </a:solidFill>
+                <a:effectLst/>
+                <a:latin typeface="+mn-lt"/>
+                <a:ea typeface="+mn-ea"/>
+                <a:cs typeface="+mn-cs"/>
+              </a:rPr>
+              <a:t>Stencil buffer</a:t>
+            </a:r>
+            <a:endParaRPr lang="fr-BE" sz="1200" b="0" i="0" kern="1200" dirty="0" smtClean="0">
+              <a:solidFill>
+                <a:schemeClr val="tx1"/>
+              </a:solidFill>
+              <a:effectLst/>
+              <a:latin typeface="+mn-lt"/>
+              <a:ea typeface="+mn-ea"/>
+              <a:cs typeface="+mn-cs"/>
+            </a:endParaRPr>
+          </a:p>
+          <a:p>
+            <a:r>
+              <a:rPr lang="fr-BE" sz="1200" b="0" i="0" kern="1200" dirty="0" err="1" smtClean="0">
+                <a:solidFill>
+                  <a:schemeClr val="tx1"/>
+                </a:solidFill>
+                <a:effectLst/>
+                <a:latin typeface="+mn-lt"/>
+                <a:ea typeface="+mn-ea"/>
+                <a:cs typeface="+mn-cs"/>
+              </a:rPr>
+              <a:t>Importeurs</a:t>
+            </a:r>
+            <a:r>
+              <a:rPr lang="fr-BE" sz="1200" b="0" i="0" kern="1200" smtClean="0">
+                <a:solidFill>
+                  <a:schemeClr val="tx1"/>
+                </a:solidFill>
+                <a:effectLst/>
+                <a:latin typeface="+mn-lt"/>
+                <a:ea typeface="+mn-ea"/>
+                <a:cs typeface="+mn-cs"/>
+              </a:rPr>
+              <a:t> pour la plupart des formats courants, comme </a:t>
+            </a:r>
+            <a:r>
+              <a:rPr lang="fr-BE" sz="1200" b="0" i="0" u="none" strike="noStrike" kern="1200" smtClean="0">
+                <a:solidFill>
+                  <a:schemeClr val="tx1"/>
+                </a:solidFill>
+                <a:effectLst/>
+                <a:latin typeface="+mn-lt"/>
+                <a:ea typeface="+mn-ea"/>
+                <a:cs typeface="+mn-cs"/>
+                <a:hlinkClick r:id="rId11" tooltip=".3ds (page inexistante)"/>
+              </a:rPr>
+              <a:t>3DS</a:t>
+            </a:r>
+            <a:r>
+              <a:rPr lang="fr-BE" sz="1200" b="0" i="0" kern="1200" smtClean="0">
+                <a:solidFill>
+                  <a:schemeClr val="tx1"/>
+                </a:solidFill>
+                <a:effectLst/>
+                <a:latin typeface="+mn-lt"/>
+                <a:ea typeface="+mn-ea"/>
+                <a:cs typeface="+mn-cs"/>
+              </a:rPr>
+              <a:t>, </a:t>
+            </a:r>
+            <a:r>
+              <a:rPr lang="fr-BE" sz="1200" b="0" i="0" u="none" strike="noStrike" kern="1200" smtClean="0">
+                <a:solidFill>
+                  <a:schemeClr val="tx1"/>
+                </a:solidFill>
+                <a:effectLst/>
+                <a:latin typeface="+mn-lt"/>
+                <a:ea typeface="+mn-ea"/>
+                <a:cs typeface="+mn-cs"/>
+                <a:hlinkClick r:id="rId12" tooltip="Objet 3D (format de fichier)"/>
+              </a:rPr>
+              <a:t>OBJ</a:t>
+            </a:r>
+            <a:r>
+              <a:rPr lang="fr-BE" sz="1200" b="0" i="0" kern="1200" smtClean="0">
+                <a:solidFill>
+                  <a:schemeClr val="tx1"/>
+                </a:solidFill>
+                <a:effectLst/>
+                <a:latin typeface="+mn-lt"/>
+                <a:ea typeface="+mn-ea"/>
+                <a:cs typeface="+mn-cs"/>
+              </a:rPr>
+              <a:t>, </a:t>
+            </a:r>
+            <a:r>
+              <a:rPr lang="fr-BE" sz="1200" b="0" i="0" u="none" strike="noStrike" kern="1200" smtClean="0">
+                <a:solidFill>
+                  <a:schemeClr val="tx1"/>
+                </a:solidFill>
+                <a:effectLst/>
+                <a:latin typeface="+mn-lt"/>
+                <a:ea typeface="+mn-ea"/>
+                <a:cs typeface="+mn-cs"/>
+                <a:hlinkClick r:id="rId13" tooltip="VRML"/>
+              </a:rPr>
+              <a:t>VRML</a:t>
+            </a:r>
+            <a:r>
+              <a:rPr lang="fr-BE" sz="1200" b="0" i="0" kern="1200" smtClean="0">
+                <a:solidFill>
+                  <a:schemeClr val="tx1"/>
+                </a:solidFill>
+                <a:effectLst/>
+                <a:latin typeface="+mn-lt"/>
+                <a:ea typeface="+mn-ea"/>
+                <a:cs typeface="+mn-cs"/>
+              </a:rPr>
+              <a:t>, </a:t>
+            </a:r>
+            <a:r>
+              <a:rPr lang="fr-BE" sz="1200" b="0" i="0" u="none" strike="noStrike" kern="1200" smtClean="0">
+                <a:solidFill>
+                  <a:schemeClr val="tx1"/>
+                </a:solidFill>
+                <a:effectLst/>
+                <a:latin typeface="+mn-lt"/>
+                <a:ea typeface="+mn-ea"/>
+                <a:cs typeface="+mn-cs"/>
+                <a:hlinkClick r:id="rId14" tooltip="X3D"/>
+              </a:rPr>
+              <a:t>X3D</a:t>
+            </a:r>
+            <a:r>
+              <a:rPr lang="fr-BE" sz="1200" b="0" i="0" kern="1200" smtClean="0">
+                <a:solidFill>
+                  <a:schemeClr val="tx1"/>
+                </a:solidFill>
+                <a:effectLst/>
+                <a:latin typeface="+mn-lt"/>
+                <a:ea typeface="+mn-ea"/>
+                <a:cs typeface="+mn-cs"/>
+              </a:rPr>
+              <a:t>, </a:t>
+            </a:r>
+            <a:r>
+              <a:rPr lang="fr-BE" sz="1200" b="0" i="0" u="none" strike="noStrike" kern="1200" smtClean="0">
+                <a:solidFill>
+                  <a:schemeClr val="tx1"/>
+                </a:solidFill>
+                <a:effectLst/>
+                <a:latin typeface="+mn-lt"/>
+                <a:ea typeface="+mn-ea"/>
+                <a:cs typeface="+mn-cs"/>
+                <a:hlinkClick r:id="rId15" tooltip="NWN"/>
+              </a:rPr>
+              <a:t>NWN</a:t>
+            </a:r>
+            <a:r>
+              <a:rPr lang="fr-BE" sz="1200" b="0" i="0" kern="1200" smtClean="0">
+                <a:solidFill>
+                  <a:schemeClr val="tx1"/>
+                </a:solidFill>
+                <a:effectLst/>
+                <a:latin typeface="+mn-lt"/>
+                <a:ea typeface="+mn-ea"/>
+                <a:cs typeface="+mn-cs"/>
+              </a:rPr>
+              <a:t>, and </a:t>
+            </a:r>
+            <a:r>
+              <a:rPr lang="fr-BE" sz="1200" b="0" i="0" u="none" strike="noStrike" kern="1200" smtClean="0">
+                <a:solidFill>
+                  <a:schemeClr val="tx1"/>
+                </a:solidFill>
+                <a:effectLst/>
+                <a:latin typeface="+mn-lt"/>
+                <a:ea typeface="+mn-ea"/>
+                <a:cs typeface="+mn-cs"/>
+                <a:hlinkClick r:id="rId16" tooltip="OpenFlight (page inexistante)"/>
+              </a:rPr>
+              <a:t>FLT</a:t>
+            </a:r>
+            <a:endParaRPr lang="fr-BE" sz="1200" b="0" i="0" kern="1200" smtClean="0">
+              <a:solidFill>
+                <a:schemeClr val="tx1"/>
+              </a:solidFill>
+              <a:effectLst/>
+              <a:latin typeface="+mn-lt"/>
+              <a:ea typeface="+mn-ea"/>
+              <a:cs typeface="+mn-cs"/>
+            </a:endParaRPr>
+          </a:p>
+          <a:p>
             <a:endParaRPr lang="fr-BE" dirty="0"/>
           </a:p>
         </p:txBody>
@@ -3352,21 +3820,154 @@
                 <a:ea typeface="+mn-ea"/>
                 <a:cs typeface="+mn-cs"/>
               </a:rPr>
-              <a:t>Pour construire une texture, il faut d'abord charger une image</a:t>
-            </a:r>
-          </a:p>
-          <a:p>
-            <a:r>
-              <a:rPr lang="fr-BE" sz="1200" b="0" i="0" kern="1200" dirty="0" smtClean="0">
-                <a:solidFill>
-                  <a:schemeClr val="tx1"/>
-                </a:solidFill>
-                <a:effectLst/>
-                <a:latin typeface="+mn-lt"/>
-                <a:ea typeface="+mn-ea"/>
-                <a:cs typeface="+mn-cs"/>
-              </a:rPr>
-              <a:t>Ensuite, il faut utiliser la classe </a:t>
+              <a:t>Les attributs d’affichage</a:t>
+            </a:r>
+          </a:p>
+          <a:p>
+            <a:r>
+              <a:rPr lang="fr-BE" sz="1200" b="0" i="0" kern="1200" dirty="0" smtClean="0">
+                <a:solidFill>
+                  <a:schemeClr val="tx1"/>
+                </a:solidFill>
+                <a:effectLst/>
+                <a:latin typeface="+mn-lt"/>
+                <a:ea typeface="+mn-ea"/>
+                <a:cs typeface="+mn-cs"/>
+              </a:rPr>
+              <a:t>permettent d'afficher un objet 3D selon trois formes :</a:t>
+            </a:r>
+            <a:r>
+              <a:rPr lang="fr-BE" dirty="0" smtClean="0"/>
+              <a:t/>
+            </a:r>
+            <a:br>
+              <a:rPr lang="fr-BE" dirty="0" smtClean="0"/>
+            </a:br>
+            <a:r>
+              <a:rPr lang="fr-BE" sz="1200" b="0" i="0" kern="1200" dirty="0" smtClean="0">
+                <a:solidFill>
+                  <a:schemeClr val="tx1"/>
+                </a:solidFill>
+                <a:effectLst/>
+                <a:latin typeface="+mn-lt"/>
+                <a:ea typeface="+mn-ea"/>
+                <a:cs typeface="+mn-cs"/>
+              </a:rPr>
+              <a:t>le mode </a:t>
+            </a:r>
+            <a:r>
+              <a:rPr lang="fr-BE" sz="1200" b="1" i="0" kern="1200" dirty="0" smtClean="0">
+                <a:solidFill>
+                  <a:schemeClr val="tx1"/>
+                </a:solidFill>
+                <a:effectLst/>
+                <a:latin typeface="+mn-lt"/>
+                <a:ea typeface="+mn-ea"/>
+                <a:cs typeface="+mn-cs"/>
+              </a:rPr>
+              <a:t>point</a:t>
+            </a:r>
+            <a:r>
+              <a:rPr lang="fr-BE" sz="1200" b="0" i="0" kern="1200" dirty="0" smtClean="0">
+                <a:solidFill>
+                  <a:schemeClr val="tx1"/>
+                </a:solidFill>
+                <a:effectLst/>
+                <a:latin typeface="+mn-lt"/>
+                <a:ea typeface="+mn-ea"/>
+                <a:cs typeface="+mn-cs"/>
+              </a:rPr>
+              <a:t>, </a:t>
+            </a:r>
+          </a:p>
+          <a:p>
+            <a:r>
+              <a:rPr lang="fr-BE" sz="1200" b="0" i="0" kern="1200" dirty="0" smtClean="0">
+                <a:solidFill>
+                  <a:schemeClr val="tx1"/>
+                </a:solidFill>
+                <a:effectLst/>
+                <a:latin typeface="+mn-lt"/>
+                <a:ea typeface="+mn-ea"/>
+                <a:cs typeface="+mn-cs"/>
+              </a:rPr>
+              <a:t>le mode </a:t>
+            </a:r>
+            <a:r>
+              <a:rPr lang="fr-BE" sz="1200" b="1" i="0" kern="1200" dirty="0" smtClean="0">
+                <a:solidFill>
+                  <a:schemeClr val="tx1"/>
+                </a:solidFill>
+                <a:effectLst/>
+                <a:latin typeface="+mn-lt"/>
+                <a:ea typeface="+mn-ea"/>
+                <a:cs typeface="+mn-cs"/>
+              </a:rPr>
+              <a:t>lignes</a:t>
+            </a:r>
+            <a:r>
+              <a:rPr lang="fr-BE" sz="1200" b="0" i="0" kern="1200" dirty="0" smtClean="0">
+                <a:solidFill>
+                  <a:schemeClr val="tx1"/>
+                </a:solidFill>
+                <a:effectLst/>
+                <a:latin typeface="+mn-lt"/>
+                <a:ea typeface="+mn-ea"/>
+                <a:cs typeface="+mn-cs"/>
+              </a:rPr>
+              <a:t> (fil de fer) et</a:t>
+            </a:r>
+          </a:p>
+          <a:p>
+            <a:r>
+              <a:rPr lang="fr-BE" sz="1200" b="0" i="0" kern="1200" dirty="0" smtClean="0">
+                <a:solidFill>
+                  <a:schemeClr val="tx1"/>
+                </a:solidFill>
+                <a:effectLst/>
+                <a:latin typeface="+mn-lt"/>
+                <a:ea typeface="+mn-ea"/>
+                <a:cs typeface="+mn-cs"/>
+              </a:rPr>
+              <a:t> enfin le mode </a:t>
+            </a:r>
+            <a:r>
+              <a:rPr lang="fr-BE" sz="1200" b="1" i="0" kern="1200" dirty="0" smtClean="0">
+                <a:solidFill>
+                  <a:schemeClr val="tx1"/>
+                </a:solidFill>
+                <a:effectLst/>
+                <a:latin typeface="+mn-lt"/>
+                <a:ea typeface="+mn-ea"/>
+                <a:cs typeface="+mn-cs"/>
+              </a:rPr>
+              <a:t>polygone</a:t>
+            </a:r>
+            <a:r>
+              <a:rPr lang="fr-BE" sz="1200" b="0" i="0" kern="1200" dirty="0" smtClean="0">
+                <a:solidFill>
+                  <a:schemeClr val="tx1"/>
+                </a:solidFill>
+                <a:effectLst/>
+                <a:latin typeface="+mn-lt"/>
+                <a:ea typeface="+mn-ea"/>
+                <a:cs typeface="+mn-cs"/>
+              </a:rPr>
+              <a:t>(mode par défaut). </a:t>
+            </a:r>
+          </a:p>
+          <a:p>
+            <a:r>
+              <a:rPr lang="fr-BE" sz="1200" b="0" i="0" kern="1200" dirty="0" smtClean="0">
+                <a:solidFill>
+                  <a:schemeClr val="tx1"/>
+                </a:solidFill>
+                <a:effectLst/>
+                <a:latin typeface="+mn-lt"/>
+                <a:ea typeface="+mn-ea"/>
+                <a:cs typeface="+mn-cs"/>
+              </a:rPr>
+              <a:t>C'est la classe </a:t>
             </a:r>
             <a:r>
               <a:rPr lang="fr-BE" sz="1200" b="0" i="0" kern="1200" dirty="0" err="1" smtClean="0">
@@ -3378,210 +3979,21 @@
                 <a:ea typeface="+mn-ea"/>
                 <a:cs typeface="+mn-cs"/>
               </a:rPr>
-              <a:t>TextureLoader</a:t>
-            </a:r>
-            <a:r>
-              <a:rPr lang="fr-BE" sz="1200" b="0" i="0" kern="1200" dirty="0" smtClean="0">
-                <a:solidFill>
-                  <a:schemeClr val="tx1"/>
-                </a:solidFill>
-                <a:effectLst/>
-                <a:latin typeface="+mn-lt"/>
-                <a:ea typeface="+mn-ea"/>
-                <a:cs typeface="+mn-cs"/>
-              </a:rPr>
-              <a:t> pour récupérer une instance de la classe Texture. La </a:t>
-            </a:r>
-            <a:r>
-              <a:rPr lang="fr-BE" sz="1200" b="0" i="0" kern="1200" dirty="0" err="1" smtClean="0">
-                <a:solidFill>
-                  <a:schemeClr val="tx1"/>
-                </a:solidFill>
-                <a:effectLst/>
-                <a:latin typeface="+mn-lt"/>
-                <a:ea typeface="+mn-ea"/>
-                <a:cs typeface="+mn-cs"/>
-              </a:rPr>
-              <a:t>classeTexture</a:t>
-            </a:r>
-            <a:r>
-              <a:rPr lang="fr-BE" sz="1200" b="0" i="0" kern="1200" dirty="0" smtClean="0">
-                <a:solidFill>
-                  <a:schemeClr val="tx1"/>
-                </a:solidFill>
-                <a:effectLst/>
-                <a:latin typeface="+mn-lt"/>
-                <a:ea typeface="+mn-ea"/>
-                <a:cs typeface="+mn-cs"/>
-              </a:rPr>
-              <a:t> est abstraite, on ne peut donc pas l'instancier directement, d'où l'utilisation de la classe </a:t>
-            </a:r>
-            <a:r>
-              <a:rPr lang="fr-BE" sz="1200" b="0" i="0" kern="1200" dirty="0" err="1" smtClean="0">
-                <a:solidFill>
-                  <a:schemeClr val="tx1"/>
-                </a:solidFill>
-                <a:effectLst/>
-                <a:latin typeface="+mn-lt"/>
-                <a:ea typeface="+mn-ea"/>
-                <a:cs typeface="+mn-cs"/>
-              </a:rPr>
-              <a:t>TextureLoader</a:t>
-            </a:r>
-            <a:r>
-              <a:rPr lang="fr-BE" sz="1200" b="0" i="0" kern="1200" dirty="0" smtClean="0">
-                <a:solidFill>
-                  <a:schemeClr val="tx1"/>
-                </a:solidFill>
-                <a:effectLst/>
-                <a:latin typeface="+mn-lt"/>
-                <a:ea typeface="+mn-ea"/>
-                <a:cs typeface="+mn-cs"/>
-              </a:rPr>
-              <a:t> :</a:t>
-            </a:r>
-          </a:p>
-          <a:p>
-            <a:r>
-              <a:rPr lang="fr-BE" sz="1200" b="0" i="0" kern="1200" dirty="0" smtClean="0">
-                <a:solidFill>
-                  <a:schemeClr val="tx1"/>
-                </a:solidFill>
-                <a:effectLst/>
-                <a:latin typeface="+mn-lt"/>
-                <a:ea typeface="+mn-ea"/>
-                <a:cs typeface="+mn-cs"/>
-              </a:rPr>
-              <a:t>Pour optimiser le traitement des textures, Java 3D impose que la hauteur et la largeur de l'image (en pixels) soient une puissance de 2.</a:t>
-            </a:r>
-          </a:p>
-          <a:p>
-            <a:r>
-              <a:rPr lang="fr-BE" sz="1200" b="0" i="0" kern="1200" dirty="0" smtClean="0">
-                <a:solidFill>
-                  <a:schemeClr val="tx1"/>
-                </a:solidFill>
-                <a:effectLst/>
-                <a:latin typeface="+mn-lt"/>
-                <a:ea typeface="+mn-ea"/>
-                <a:cs typeface="+mn-cs"/>
-              </a:rPr>
-              <a:t> </a:t>
-            </a:r>
-          </a:p>
-          <a:p>
-            <a:r>
-              <a:rPr lang="fr-BE" sz="1200" b="0" i="0" kern="1200" dirty="0" smtClean="0">
-                <a:solidFill>
-                  <a:schemeClr val="tx1"/>
-                </a:solidFill>
-                <a:effectLst/>
-                <a:latin typeface="+mn-lt"/>
-                <a:ea typeface="+mn-ea"/>
-                <a:cs typeface="+mn-cs"/>
-              </a:rPr>
-              <a:t>Construction de notre objet 3D, ici une sphère. Il ne faut surtout pas oublier d'utiliser le </a:t>
-            </a:r>
-            <a:r>
-              <a:rPr lang="fr-BE" sz="1200" b="0" i="0" kern="1200" dirty="0" err="1" smtClean="0">
-                <a:solidFill>
-                  <a:schemeClr val="tx1"/>
-                </a:solidFill>
-                <a:effectLst/>
-                <a:latin typeface="+mn-lt"/>
-                <a:ea typeface="+mn-ea"/>
-                <a:cs typeface="+mn-cs"/>
-              </a:rPr>
-              <a:t>champPrimitive.GENERATE_TEXTURE_COORDINATES</a:t>
-            </a:r>
-            <a:r>
-              <a:rPr lang="fr-BE" sz="1200" b="0" i="0" kern="1200" dirty="0" smtClean="0">
-                <a:solidFill>
-                  <a:schemeClr val="tx1"/>
-                </a:solidFill>
-                <a:effectLst/>
-                <a:latin typeface="+mn-lt"/>
-                <a:ea typeface="+mn-ea"/>
-                <a:cs typeface="+mn-cs"/>
-              </a:rPr>
-              <a:t> pour que l'on puisse plaquer la texture sur la sphère. Il faut en effet générer les coordonnées de texture pour que le plaquage soit valide :</a:t>
-            </a:r>
-          </a:p>
-          <a:p>
-            <a:r>
-              <a:rPr lang="fr-BE" sz="1200" b="0" i="0" kern="1200" dirty="0" smtClean="0">
-                <a:solidFill>
-                  <a:schemeClr val="tx1"/>
-                </a:solidFill>
-                <a:effectLst/>
-                <a:latin typeface="+mn-lt"/>
-                <a:ea typeface="+mn-ea"/>
-                <a:cs typeface="+mn-cs"/>
-              </a:rPr>
-              <a:t> </a:t>
-            </a:r>
-          </a:p>
-          <a:p>
-            <a:r>
-              <a:rPr lang="fr-BE" sz="1200" b="0" i="0" kern="1200" dirty="0" smtClean="0">
-                <a:solidFill>
-                  <a:schemeClr val="tx1"/>
-                </a:solidFill>
-                <a:effectLst/>
-                <a:latin typeface="+mn-lt"/>
-                <a:ea typeface="+mn-ea"/>
-                <a:cs typeface="+mn-cs"/>
-              </a:rPr>
-              <a:t>Enfin, il faut intégrer notre texture à l'apparence de la sphère grâce à la méthode </a:t>
-            </a:r>
-            <a:r>
-              <a:rPr lang="fr-BE" sz="1200" b="0" i="0" kern="1200" dirty="0" err="1" smtClean="0">
-                <a:solidFill>
-                  <a:schemeClr val="tx1"/>
-                </a:solidFill>
-                <a:effectLst/>
-                <a:latin typeface="+mn-lt"/>
-                <a:ea typeface="+mn-ea"/>
-                <a:cs typeface="+mn-cs"/>
-              </a:rPr>
-              <a:t>setTexture</a:t>
-            </a:r>
-            <a:r>
-              <a:rPr lang="fr-BE" sz="1200" b="0" i="0" kern="1200" dirty="0" smtClean="0">
-                <a:solidFill>
-                  <a:schemeClr val="tx1"/>
-                </a:solidFill>
-                <a:effectLst/>
-                <a:latin typeface="+mn-lt"/>
-                <a:ea typeface="+mn-ea"/>
-                <a:cs typeface="+mn-cs"/>
-              </a:rPr>
-              <a:t>() de la </a:t>
-            </a:r>
-            <a:r>
-              <a:rPr lang="fr-BE" sz="1200" b="0" i="0" kern="1200" dirty="0" err="1" smtClean="0">
-                <a:solidFill>
-                  <a:schemeClr val="tx1"/>
-                </a:solidFill>
-                <a:effectLst/>
-                <a:latin typeface="+mn-lt"/>
-                <a:ea typeface="+mn-ea"/>
-                <a:cs typeface="+mn-cs"/>
-              </a:rPr>
-              <a:t>classeAppearance</a:t>
-            </a:r>
-            <a:r>
-              <a:rPr lang="fr-BE" sz="1200" b="0" i="0" kern="1200" dirty="0" smtClean="0">
-                <a:solidFill>
-                  <a:schemeClr val="tx1"/>
-                </a:solidFill>
-                <a:effectLst/>
-                <a:latin typeface="+mn-lt"/>
-                <a:ea typeface="+mn-ea"/>
-                <a:cs typeface="+mn-cs"/>
-              </a:rPr>
-              <a:t> :</a:t>
-            </a:r>
+              <a:t>PolygoneAttributes</a:t>
+            </a:r>
+            <a:r>
+              <a:rPr lang="fr-BE" sz="1200" b="0" i="0" kern="1200" dirty="0" smtClean="0">
+                <a:solidFill>
+                  <a:schemeClr val="tx1"/>
+                </a:solidFill>
+                <a:effectLst/>
+                <a:latin typeface="+mn-lt"/>
+                <a:ea typeface="+mn-ea"/>
+                <a:cs typeface="+mn-cs"/>
+              </a:rPr>
+              <a:t> qui va nous permettre de sélectionner l'un de ces modes pour afficher notre objet 3D :</a:t>
+            </a:r>
+            <a:endParaRPr lang="fr-BE" dirty="0"/>
           </a:p>
         </p:txBody>
       </p:sp>
@@ -3602,7 +4014,7 @@
           <a:p>
             <a:fld id="{F9B9F26C-5E20-463A-A30E-4B3CD8C634F9}" type="slidenum">
               <a:rPr lang="en-US" smtClean="0"/>
-              <a:t>28</a:t>
+              <a:t>27</a:t>
             </a:fld>
             <a:endParaRPr lang="en-US"/>
           </a:p>
@@ -3611,7 +4023,7 @@
     </p:spTree>
     <p:extLst>
       <p:ext uri="{BB962C8B-B14F-4D97-AF65-F5344CB8AC3E}">
-        <p14:creationId xmlns:p14="http://schemas.microsoft.com/office/powerpoint/2010/main" val="422866065"/>
+        <p14:creationId xmlns:p14="http://schemas.microsoft.com/office/powerpoint/2010/main" val="2050863459"/>
       </p:ext>
     </p:extLst>
   </p:cSld>
@@ -3666,6 +4078,32 @@
           <a:lstStyle/>
           <a:p>
             <a:r>
+              <a:rPr lang="fr-BE" sz="1200" b="0" i="0" kern="1200" dirty="0" smtClean="0">
+                <a:solidFill>
+                  <a:schemeClr val="tx1"/>
+                </a:solidFill>
+                <a:effectLst/>
+                <a:latin typeface="+mn-lt"/>
+                <a:ea typeface="+mn-ea"/>
+                <a:cs typeface="+mn-cs"/>
+              </a:rPr>
+              <a:t>Pour construire une texture, il faut d'abord charger une image</a:t>
+            </a:r>
+          </a:p>
+          <a:p>
+            <a:r>
+              <a:rPr lang="fr-BE" sz="1200" b="0" i="0" kern="1200" dirty="0" smtClean="0">
+                <a:solidFill>
+                  <a:schemeClr val="tx1"/>
+                </a:solidFill>
+                <a:effectLst/>
+                <a:latin typeface="+mn-lt"/>
+                <a:ea typeface="+mn-ea"/>
+                <a:cs typeface="+mn-cs"/>
+              </a:rPr>
+              <a:t>Ensuite, il faut utiliser la classe </a:t>
+            </a:r>
+            <a:r>
               <a:rPr lang="fr-BE" sz="1200" b="0" i="0" kern="1200" dirty="0" err="1" smtClean="0">
                 <a:solidFill>
                   <a:schemeClr val="tx1"/>
@@ -3675,19 +4113,19 @@
                 <a:ea typeface="+mn-ea"/>
                 <a:cs typeface="+mn-cs"/>
               </a:rPr>
-              <a:t>ue</a:t>
-            </a:r>
-            <a:r>
-              <a:rPr lang="fr-BE" sz="1200" b="0" i="0" kern="1200" dirty="0" smtClean="0">
-                <a:solidFill>
-                  <a:schemeClr val="tx1"/>
-                </a:solidFill>
-                <a:effectLst/>
-                <a:latin typeface="+mn-lt"/>
-                <a:ea typeface="+mn-ea"/>
-                <a:cs typeface="+mn-cs"/>
-              </a:rPr>
-              <a:t> l'on pouvait appliquer une couleur à un objet 3D avec la couleur des sommets, les attributs de couleur de la classe </a:t>
+              <a:t>TextureLoader</a:t>
+            </a:r>
+            <a:r>
+              <a:rPr lang="fr-BE" sz="1200" b="0" i="0" kern="1200" dirty="0" smtClean="0">
+                <a:solidFill>
+                  <a:schemeClr val="tx1"/>
+                </a:solidFill>
+                <a:effectLst/>
+                <a:latin typeface="+mn-lt"/>
+                <a:ea typeface="+mn-ea"/>
+                <a:cs typeface="+mn-cs"/>
+              </a:rPr>
+              <a:t> pour récupérer une instance de la classe Texture. La </a:t>
             </a:r>
             <a:r>
               <a:rPr lang="fr-BE" sz="1200" b="0" i="0" kern="1200" dirty="0" err="1" smtClean="0">
@@ -3699,19 +4137,19 @@
                 <a:ea typeface="+mn-ea"/>
                 <a:cs typeface="+mn-cs"/>
               </a:rPr>
-              <a:t>ColoringAttributes</a:t>
-            </a:r>
-            <a:r>
-              <a:rPr lang="fr-BE" sz="1200" b="0" i="0" kern="1200" dirty="0" smtClean="0">
-                <a:solidFill>
-                  <a:schemeClr val="tx1"/>
-                </a:solidFill>
-                <a:effectLst/>
-                <a:latin typeface="+mn-lt"/>
-                <a:ea typeface="+mn-ea"/>
-                <a:cs typeface="+mn-cs"/>
-              </a:rPr>
-              <a:t> et la couleur d'émission de la classe </a:t>
+              <a:t>classeTexture</a:t>
+            </a:r>
+            <a:r>
+              <a:rPr lang="fr-BE" sz="1200" b="0" i="0" kern="1200" dirty="0" smtClean="0">
+                <a:solidFill>
+                  <a:schemeClr val="tx1"/>
+                </a:solidFill>
+                <a:effectLst/>
+                <a:latin typeface="+mn-lt"/>
+                <a:ea typeface="+mn-ea"/>
+                <a:cs typeface="+mn-cs"/>
+              </a:rPr>
+              <a:t> est abstraite, on ne peut donc pas l'instancier directement, d'où l'utilisation de la classe </a:t>
             </a:r>
             <a:r>
               <a:rPr lang="fr-BE" sz="1200" b="0" i="0" kern="1200" dirty="0" err="1" smtClean="0">
@@ -3723,19 +4161,61 @@
                 <a:ea typeface="+mn-ea"/>
                 <a:cs typeface="+mn-cs"/>
               </a:rPr>
-              <a:t>Material.Nous</a:t>
-            </a:r>
-            <a:r>
-              <a:rPr lang="fr-BE" sz="1200" b="0" i="0" kern="1200" dirty="0" smtClean="0">
-                <a:solidFill>
-                  <a:schemeClr val="tx1"/>
-                </a:solidFill>
-                <a:effectLst/>
-                <a:latin typeface="+mn-lt"/>
-                <a:ea typeface="+mn-ea"/>
-                <a:cs typeface="+mn-cs"/>
-              </a:rPr>
-              <a:t> allons voir dans ce chapitre que la classe </a:t>
+              <a:t>TextureLoader</a:t>
+            </a:r>
+            <a:r>
+              <a:rPr lang="fr-BE" sz="1200" b="0" i="0" kern="1200" dirty="0" smtClean="0">
+                <a:solidFill>
+                  <a:schemeClr val="tx1"/>
+                </a:solidFill>
+                <a:effectLst/>
+                <a:latin typeface="+mn-lt"/>
+                <a:ea typeface="+mn-ea"/>
+                <a:cs typeface="+mn-cs"/>
+              </a:rPr>
+              <a:t> :</a:t>
+            </a:r>
+          </a:p>
+          <a:p>
+            <a:r>
+              <a:rPr lang="fr-BE" sz="1200" b="0" i="0" kern="1200" dirty="0" smtClean="0">
+                <a:solidFill>
+                  <a:schemeClr val="tx1"/>
+                </a:solidFill>
+                <a:effectLst/>
+                <a:latin typeface="+mn-lt"/>
+                <a:ea typeface="+mn-ea"/>
+                <a:cs typeface="+mn-cs"/>
+              </a:rPr>
+              <a:t>Pour optimiser le traitement des textures, Java 3D impose que la hauteur et la largeur de l'image (en pixels) soient une puissance de 2.</a:t>
+            </a:r>
+          </a:p>
+          <a:p>
+            <a:r>
+              <a:rPr lang="fr-BE" sz="1200" b="0" i="0" kern="1200" dirty="0" smtClean="0">
+                <a:solidFill>
+                  <a:schemeClr val="tx1"/>
+                </a:solidFill>
+                <a:effectLst/>
+                <a:latin typeface="+mn-lt"/>
+                <a:ea typeface="+mn-ea"/>
+                <a:cs typeface="+mn-cs"/>
+              </a:rPr>
+              <a:t> </a:t>
+            </a:r>
+          </a:p>
+          <a:p>
+            <a:r>
+              <a:rPr lang="fr-BE" sz="1200" b="0" i="0" kern="1200" dirty="0" smtClean="0">
+                <a:solidFill>
+                  <a:schemeClr val="tx1"/>
+                </a:solidFill>
+                <a:effectLst/>
+                <a:latin typeface="+mn-lt"/>
+                <a:ea typeface="+mn-ea"/>
+                <a:cs typeface="+mn-cs"/>
+              </a:rPr>
+              <a:t>Construction de notre objet 3D, ici une sphère. Il ne faut surtout pas oublier d'utiliser le </a:t>
             </a:r>
             <a:r>
               <a:rPr lang="fr-BE" sz="1200" b="0" i="0" kern="1200" dirty="0" err="1" smtClean="0">
@@ -3747,97 +4227,96 @@
                 <a:ea typeface="+mn-ea"/>
                 <a:cs typeface="+mn-cs"/>
               </a:rPr>
-              <a:t>Material</a:t>
-            </a:r>
-            <a:r>
-              <a:rPr lang="fr-BE" sz="1200" b="0" i="0" kern="1200" dirty="0" smtClean="0">
-                <a:solidFill>
-                  <a:schemeClr val="tx1"/>
-                </a:solidFill>
-                <a:effectLst/>
-                <a:latin typeface="+mn-lt"/>
-                <a:ea typeface="+mn-ea"/>
-                <a:cs typeface="+mn-cs"/>
-              </a:rPr>
-              <a:t> possède trois autres types de couleurs :</a:t>
-            </a:r>
-            <a:r>
-              <a:rPr lang="fr-BE" dirty="0" smtClean="0"/>
-              <a:t/>
-            </a:r>
-            <a:br>
-              <a:rPr lang="fr-BE" dirty="0" smtClean="0"/>
-            </a:br>
-            <a:r>
-              <a:rPr lang="fr-BE" sz="1200" b="0" i="0" kern="1200" dirty="0" smtClean="0">
-                <a:solidFill>
-                  <a:schemeClr val="tx1"/>
-                </a:solidFill>
-                <a:effectLst/>
-                <a:latin typeface="+mn-lt"/>
-                <a:ea typeface="+mn-ea"/>
-                <a:cs typeface="+mn-cs"/>
-              </a:rPr>
-              <a:t>- la couleur ambiante</a:t>
-            </a:r>
-            <a:r>
-              <a:rPr lang="fr-BE" dirty="0" smtClean="0"/>
-              <a:t/>
-            </a:r>
-            <a:br>
-              <a:rPr lang="fr-BE" dirty="0" smtClean="0"/>
-            </a:br>
-            <a:r>
-              <a:rPr lang="fr-BE" sz="1200" b="0" i="0" kern="1200" dirty="0" smtClean="0">
-                <a:solidFill>
-                  <a:schemeClr val="tx1"/>
-                </a:solidFill>
-                <a:effectLst/>
-                <a:latin typeface="+mn-lt"/>
-                <a:ea typeface="+mn-ea"/>
-                <a:cs typeface="+mn-cs"/>
-              </a:rPr>
-              <a:t>- la couleur diffuse</a:t>
-            </a:r>
-            <a:r>
-              <a:rPr lang="fr-BE" dirty="0" smtClean="0"/>
-              <a:t/>
-            </a:r>
-            <a:br>
-              <a:rPr lang="fr-BE" dirty="0" smtClean="0"/>
-            </a:br>
-            <a:r>
-              <a:rPr lang="fr-BE" sz="1200" b="0" i="0" kern="1200" dirty="0" smtClean="0">
-                <a:solidFill>
-                  <a:schemeClr val="tx1"/>
-                </a:solidFill>
-                <a:effectLst/>
-                <a:latin typeface="+mn-lt"/>
-                <a:ea typeface="+mn-ea"/>
-                <a:cs typeface="+mn-cs"/>
-              </a:rPr>
-              <a:t>- la couleur spéculaire</a:t>
-            </a:r>
-            <a:r>
-              <a:rPr lang="fr-BE" dirty="0" smtClean="0"/>
-              <a:t/>
-            </a:r>
-            <a:br>
-              <a:rPr lang="fr-BE" dirty="0" smtClean="0"/>
-            </a:br>
-            <a:r>
-              <a:rPr lang="fr-BE" sz="1200" b="0" i="0" kern="1200" dirty="0" smtClean="0">
-                <a:solidFill>
-                  <a:schemeClr val="tx1"/>
-                </a:solidFill>
-                <a:effectLst/>
-                <a:latin typeface="+mn-lt"/>
-                <a:ea typeface="+mn-ea"/>
-                <a:cs typeface="+mn-cs"/>
-              </a:rPr>
-              <a:t>Ces 3 types de couleurs n'auront d'effet que si la scène 3D est éclairée.</a:t>
-            </a:r>
-            <a:endParaRPr lang="fr-BE" dirty="0"/>
+              <a:t>champPrimitive.GENERATE_TEXTURE_COORDINATES</a:t>
+            </a:r>
+            <a:r>
+              <a:rPr lang="fr-BE" sz="1200" b="0" i="0" kern="1200" dirty="0" smtClean="0">
+                <a:solidFill>
+                  <a:schemeClr val="tx1"/>
+                </a:solidFill>
+                <a:effectLst/>
+                <a:latin typeface="+mn-lt"/>
+                <a:ea typeface="+mn-ea"/>
+                <a:cs typeface="+mn-cs"/>
+              </a:rPr>
+              <a:t> pour que l'on puisse plaquer la texture sur la sphère. Il faut en effet générer les coordonnées de texture pour que le plaquage soit valide :</a:t>
+            </a:r>
+          </a:p>
+          <a:p>
+            <a:r>
+              <a:rPr lang="fr-BE" sz="1200" b="0" i="0" kern="1200" dirty="0" smtClean="0">
+                <a:solidFill>
+                  <a:schemeClr val="tx1"/>
+                </a:solidFill>
+                <a:effectLst/>
+                <a:latin typeface="+mn-lt"/>
+                <a:ea typeface="+mn-ea"/>
+                <a:cs typeface="+mn-cs"/>
+              </a:rPr>
+              <a:t> </a:t>
+            </a:r>
+          </a:p>
+          <a:p>
+            <a:r>
+              <a:rPr lang="fr-BE" sz="1200" b="0" i="0" kern="1200" dirty="0" smtClean="0">
+                <a:solidFill>
+                  <a:schemeClr val="tx1"/>
+                </a:solidFill>
+                <a:effectLst/>
+                <a:latin typeface="+mn-lt"/>
+                <a:ea typeface="+mn-ea"/>
+                <a:cs typeface="+mn-cs"/>
+              </a:rPr>
+              <a:t>Enfin, il faut intégrer notre texture à l'apparence de la sphère grâce à la méthode </a:t>
+            </a:r>
+            <a:r>
+              <a:rPr lang="fr-BE" sz="1200" b="0" i="0" kern="1200" dirty="0" err="1" smtClean="0">
+                <a:solidFill>
+                  <a:schemeClr val="tx1"/>
+                </a:solidFill>
+                <a:effectLst/>
+                <a:latin typeface="+mn-lt"/>
+                <a:ea typeface="+mn-ea"/>
+                <a:cs typeface="+mn-cs"/>
+              </a:rPr>
+              <a:t>setTexture</a:t>
+            </a:r>
+            <a:r>
+              <a:rPr lang="fr-BE" sz="1200" b="0" i="0" kern="1200" dirty="0" smtClean="0">
+                <a:solidFill>
+                  <a:schemeClr val="tx1"/>
+                </a:solidFill>
+                <a:effectLst/>
+                <a:latin typeface="+mn-lt"/>
+                <a:ea typeface="+mn-ea"/>
+                <a:cs typeface="+mn-cs"/>
+              </a:rPr>
+              <a:t>() de la </a:t>
+            </a:r>
+            <a:r>
+              <a:rPr lang="fr-BE" sz="1200" b="0" i="0" kern="1200" dirty="0" err="1" smtClean="0">
+                <a:solidFill>
+                  <a:schemeClr val="tx1"/>
+                </a:solidFill>
+                <a:effectLst/>
+                <a:latin typeface="+mn-lt"/>
+                <a:ea typeface="+mn-ea"/>
+                <a:cs typeface="+mn-cs"/>
+              </a:rPr>
+              <a:t>classeAppearance</a:t>
+            </a:r>
+            <a:r>
+              <a:rPr lang="fr-BE" sz="1200" b="0" i="0" kern="1200" dirty="0" smtClean="0">
+                <a:solidFill>
+                  <a:schemeClr val="tx1"/>
+                </a:solidFill>
+                <a:effectLst/>
+                <a:latin typeface="+mn-lt"/>
+                <a:ea typeface="+mn-ea"/>
+                <a:cs typeface="+mn-cs"/>
+              </a:rPr>
+              <a:t> :</a:t>
+            </a:r>
           </a:p>
         </p:txBody>
       </p:sp>
@@ -3858,7 +4337,7 @@
           <a:p>
             <a:fld id="{F9B9F26C-5E20-463A-A30E-4B3CD8C634F9}" type="slidenum">
               <a:rPr lang="en-US" smtClean="0"/>
-              <a:t>29</a:t>
+              <a:t>28</a:t>
             </a:fld>
             <a:endParaRPr lang="en-US"/>
           </a:p>
@@ -3867,7 +4346,7 @@
     </p:spTree>
     <p:extLst>
       <p:ext uri="{BB962C8B-B14F-4D97-AF65-F5344CB8AC3E}">
-        <p14:creationId xmlns:p14="http://schemas.microsoft.com/office/powerpoint/2010/main" val="4198395793"/>
+        <p14:creationId xmlns:p14="http://schemas.microsoft.com/office/powerpoint/2010/main" val="422866065"/>
       </p:ext>
     </p:extLst>
   </p:cSld>
@@ -3922,18 +4401,6 @@
           <a:lstStyle/>
           <a:p>
             <a:r>
-              <a:rPr lang="fr-BE" sz="1200" b="0" i="0" kern="1200" dirty="0" smtClean="0">
-                <a:solidFill>
-                  <a:schemeClr val="tx1"/>
-                </a:solidFill>
-                <a:effectLst/>
-                <a:latin typeface="+mn-lt"/>
-                <a:ea typeface="+mn-ea"/>
-                <a:cs typeface="+mn-cs"/>
-              </a:rPr>
-              <a:t>Source lumineuse ambiante (classe </a:t>
-            </a:r>
-            <a:r>
               <a:rPr lang="fr-BE" sz="1200" b="0" i="0" kern="1200" dirty="0" err="1" smtClean="0">
                 <a:solidFill>
                   <a:schemeClr val="tx1"/>
@@ -3943,19 +4410,19 @@
                 <a:ea typeface="+mn-ea"/>
                 <a:cs typeface="+mn-cs"/>
               </a:rPr>
-              <a:t>AmbientLight</a:t>
-            </a:r>
-            <a:r>
-              <a:rPr lang="fr-BE" sz="1200" b="0" i="0" kern="1200" dirty="0" smtClean="0">
-                <a:solidFill>
-                  <a:schemeClr val="tx1"/>
-                </a:solidFill>
-                <a:effectLst/>
-                <a:latin typeface="+mn-lt"/>
-                <a:ea typeface="+mn-ea"/>
-                <a:cs typeface="+mn-cs"/>
-              </a:rPr>
-              <a:t>) est réfléchie par la couleur d'ambiance de la classe </a:t>
+              <a:t>ue</a:t>
+            </a:r>
+            <a:r>
+              <a:rPr lang="fr-BE" sz="1200" b="0" i="0" kern="1200" dirty="0" smtClean="0">
+                <a:solidFill>
+                  <a:schemeClr val="tx1"/>
+                </a:solidFill>
+                <a:effectLst/>
+                <a:latin typeface="+mn-lt"/>
+                <a:ea typeface="+mn-ea"/>
+                <a:cs typeface="+mn-cs"/>
+              </a:rPr>
+              <a:t> l'on pouvait appliquer une couleur à un objet 3D avec la couleur des sommets, les attributs de couleur de la classe </a:t>
             </a:r>
             <a:r>
               <a:rPr lang="fr-BE" sz="1200" b="0" i="0" kern="1200" dirty="0" err="1" smtClean="0">
@@ -3967,30 +4434,19 @@
                 <a:ea typeface="+mn-ea"/>
                 <a:cs typeface="+mn-cs"/>
               </a:rPr>
-              <a:t>Materia</a:t>
-            </a:r>
-            <a:endParaRPr lang="fr-BE" sz="1200" b="0" i="0" kern="1200" dirty="0" smtClean="0">
-              <a:solidFill>
-                <a:schemeClr val="tx1"/>
-              </a:solidFill>
-              <a:effectLst/>
-              <a:latin typeface="+mn-lt"/>
-              <a:ea typeface="+mn-ea"/>
-              <a:cs typeface="+mn-cs"/>
-            </a:endParaRPr>
-          </a:p>
-          <a:p>
-            <a:r>
-              <a:rPr lang="fr-BE" sz="1200" b="0" i="0" kern="1200" dirty="0" smtClean="0">
-                <a:solidFill>
-                  <a:schemeClr val="tx1"/>
-                </a:solidFill>
-                <a:effectLst/>
-                <a:latin typeface="+mn-lt"/>
-                <a:ea typeface="+mn-ea"/>
-                <a:cs typeface="+mn-cs"/>
-              </a:rPr>
-              <a:t>Soient [r1, g1, b1] les 3 composantes RGB de la lumière ambiante de la classe </a:t>
+              <a:t>ColoringAttributes</a:t>
+            </a:r>
+            <a:r>
+              <a:rPr lang="fr-BE" sz="1200" b="0" i="0" kern="1200" dirty="0" smtClean="0">
+                <a:solidFill>
+                  <a:schemeClr val="tx1"/>
+                </a:solidFill>
+                <a:effectLst/>
+                <a:latin typeface="+mn-lt"/>
+                <a:ea typeface="+mn-ea"/>
+                <a:cs typeface="+mn-cs"/>
+              </a:rPr>
+              <a:t> et la couleur d'émission de la classe </a:t>
             </a:r>
             <a:r>
               <a:rPr lang="fr-BE" sz="1200" b="0" i="0" kern="1200" dirty="0" err="1" smtClean="0">
@@ -4002,19 +4458,19 @@
                 <a:ea typeface="+mn-ea"/>
                 <a:cs typeface="+mn-cs"/>
               </a:rPr>
-              <a:t>AmbientLight</a:t>
-            </a:r>
-            <a:r>
-              <a:rPr lang="fr-BE" sz="1200" b="0" i="0" kern="1200" dirty="0" smtClean="0">
-                <a:solidFill>
-                  <a:schemeClr val="tx1"/>
-                </a:solidFill>
-                <a:effectLst/>
-                <a:latin typeface="+mn-lt"/>
-                <a:ea typeface="+mn-ea"/>
-                <a:cs typeface="+mn-cs"/>
-              </a:rPr>
-              <a:t> et [r2,g2,b2] les 3 composantes RGB de la couleur d'ambiance de la classe </a:t>
+              <a:t>Material.Nous</a:t>
+            </a:r>
+            <a:r>
+              <a:rPr lang="fr-BE" sz="1200" b="0" i="0" kern="1200" dirty="0" smtClean="0">
+                <a:solidFill>
+                  <a:schemeClr val="tx1"/>
+                </a:solidFill>
+                <a:effectLst/>
+                <a:latin typeface="+mn-lt"/>
+                <a:ea typeface="+mn-ea"/>
+                <a:cs typeface="+mn-cs"/>
+              </a:rPr>
+              <a:t> allons voir dans ce chapitre que la classe </a:t>
             </a:r>
             <a:r>
               <a:rPr lang="fr-BE" sz="1200" b="0" i="0" kern="1200" dirty="0" err="1" smtClean="0">
@@ -4038,7 +4494,83 @@
                 <a:ea typeface="+mn-ea"/>
                 <a:cs typeface="+mn-cs"/>
               </a:rPr>
-              <a:t>, alors la couleur résultante qui sera réfléchie par notre objet 3D sera : [r1r2, g1g2, b1b2].</a:t>
+              <a:t> possède trois autres types de couleurs :</a:t>
+            </a:r>
+            <a:r>
+              <a:rPr lang="fr-BE" dirty="0" smtClean="0"/>
+              <a:t/>
+            </a:r>
+            <a:br>
+              <a:rPr lang="fr-BE" dirty="0" smtClean="0"/>
+            </a:br>
+            <a:r>
+              <a:rPr lang="fr-BE" sz="1200" b="0" i="0" kern="1200" dirty="0" smtClean="0">
+                <a:solidFill>
+                  <a:schemeClr val="tx1"/>
+                </a:solidFill>
+                <a:effectLst/>
+                <a:latin typeface="+mn-lt"/>
+                <a:ea typeface="+mn-ea"/>
+                <a:cs typeface="+mn-cs"/>
+              </a:rPr>
+              <a:t>- la couleur ambiante</a:t>
+            </a:r>
+            <a:r>
+              <a:rPr lang="fr-BE" dirty="0" smtClean="0"/>
+              <a:t/>
+            </a:r>
+            <a:br>
+              <a:rPr lang="fr-BE" dirty="0" smtClean="0"/>
+            </a:br>
+            <a:r>
+              <a:rPr lang="fr-BE" sz="1200" b="0" i="0" kern="1200" dirty="0" smtClean="0">
+                <a:solidFill>
+                  <a:schemeClr val="tx1"/>
+                </a:solidFill>
+                <a:effectLst/>
+                <a:latin typeface="+mn-lt"/>
+                <a:ea typeface="+mn-ea"/>
+                <a:cs typeface="+mn-cs"/>
+              </a:rPr>
+              <a:t>- la couleur diffuse</a:t>
+            </a:r>
+            <a:r>
+              <a:rPr lang="fr-BE" dirty="0" smtClean="0"/>
+              <a:t/>
+            </a:r>
+            <a:br>
+              <a:rPr lang="fr-BE" dirty="0" smtClean="0"/>
+            </a:br>
+            <a:r>
+              <a:rPr lang="fr-BE" sz="1200" b="0" i="0" kern="1200" dirty="0" smtClean="0">
+                <a:solidFill>
+                  <a:schemeClr val="tx1"/>
+                </a:solidFill>
+                <a:effectLst/>
+                <a:latin typeface="+mn-lt"/>
+                <a:ea typeface="+mn-ea"/>
+                <a:cs typeface="+mn-cs"/>
+              </a:rPr>
+              <a:t>- la couleur spéculaire</a:t>
+            </a:r>
+            <a:r>
+              <a:rPr lang="fr-BE" dirty="0" smtClean="0"/>
+              <a:t/>
+            </a:r>
+            <a:br>
+              <a:rPr lang="fr-BE" dirty="0" smtClean="0"/>
+            </a:br>
+            <a:r>
+              <a:rPr lang="fr-BE" sz="1200" b="0" i="0" kern="1200" dirty="0" smtClean="0">
+                <a:solidFill>
+                  <a:schemeClr val="tx1"/>
+                </a:solidFill>
+                <a:effectLst/>
+                <a:latin typeface="+mn-lt"/>
+                <a:ea typeface="+mn-ea"/>
+                <a:cs typeface="+mn-cs"/>
+              </a:rPr>
+              <a:t>Ces 3 types de couleurs n'auront d'effet que si la scène 3D est éclairée.</a:t>
             </a:r>
             <a:endParaRPr lang="fr-BE" dirty="0"/>
           </a:p>
@@ -4061,7 +4593,7 @@
           <a:p>
             <a:fld id="{F9B9F26C-5E20-463A-A30E-4B3CD8C634F9}" type="slidenum">
               <a:rPr lang="en-US" smtClean="0"/>
-              <a:t>30</a:t>
+              <a:t>29</a:t>
             </a:fld>
             <a:endParaRPr lang="en-US"/>
           </a:p>
@@ -4070,7 +4602,7 @@
     </p:spTree>
     <p:extLst>
       <p:ext uri="{BB962C8B-B14F-4D97-AF65-F5344CB8AC3E}">
-        <p14:creationId xmlns:p14="http://schemas.microsoft.com/office/powerpoint/2010/main" val="1470748687"/>
+        <p14:creationId xmlns:p14="http://schemas.microsoft.com/office/powerpoint/2010/main" val="4198395793"/>
       </p:ext>
     </p:extLst>
   </p:cSld>
@@ -4134,24 +4666,10 @@
                 <a:ea typeface="+mn-ea"/>
                 <a:cs typeface="+mn-cs"/>
               </a:rPr>
-              <a:t>Pour construire une source lumineuse ambiante, on peut utiliser le constructeur suivant :</a:t>
-            </a:r>
-          </a:p>
-          <a:p>
-            <a:r>
-              <a:rPr lang="fr-BE" sz="1200" b="1" i="0" kern="1200" dirty="0" smtClean="0">
-                <a:solidFill>
-                  <a:schemeClr val="tx1"/>
-                </a:solidFill>
-                <a:effectLst/>
-                <a:latin typeface="+mn-lt"/>
-                <a:ea typeface="+mn-ea"/>
-                <a:cs typeface="+mn-cs"/>
-              </a:rPr>
-              <a:t>public </a:t>
-            </a:r>
-            <a:r>
-              <a:rPr lang="fr-BE" sz="1200" b="1" i="0" kern="1200" dirty="0" err="1" smtClean="0">
+              <a:t>Source lumineuse ambiante (classe </a:t>
+            </a:r>
+            <a:r>
+              <a:rPr lang="fr-BE" sz="1200" b="0" i="0" kern="1200" dirty="0" err="1" smtClean="0">
                 <a:solidFill>
                   <a:schemeClr val="tx1"/>
                 </a:solidFill>
@@ -4163,64 +4681,17 @@
               <a:t>AmbientLight</a:t>
             </a:r>
             <a:r>
-              <a:rPr lang="fr-BE" sz="1200" b="1" i="0" kern="1200" dirty="0" smtClean="0">
-                <a:solidFill>
-                  <a:schemeClr val="tx1"/>
-                </a:solidFill>
-                <a:effectLst/>
-                <a:latin typeface="+mn-lt"/>
-                <a:ea typeface="+mn-ea"/>
-                <a:cs typeface="+mn-cs"/>
-              </a:rPr>
-              <a:t>(Color3f </a:t>
-            </a:r>
-            <a:r>
-              <a:rPr lang="fr-BE" sz="1200" b="1" i="0" kern="1200" dirty="0" err="1" smtClean="0">
-                <a:solidFill>
-                  <a:schemeClr val="tx1"/>
-                </a:solidFill>
-                <a:effectLst/>
-                <a:latin typeface="+mn-lt"/>
-                <a:ea typeface="+mn-ea"/>
-                <a:cs typeface="+mn-cs"/>
-              </a:rPr>
-              <a:t>color</a:t>
-            </a:r>
-            <a:r>
-              <a:rPr lang="fr-BE" sz="1200" b="1" i="0" kern="1200" dirty="0" smtClean="0">
-                <a:solidFill>
-                  <a:schemeClr val="tx1"/>
-                </a:solidFill>
-                <a:effectLst/>
-                <a:latin typeface="+mn-lt"/>
-                <a:ea typeface="+mn-ea"/>
-                <a:cs typeface="+mn-cs"/>
-              </a:rPr>
-              <a:t>)</a:t>
-            </a:r>
-            <a:r>
-              <a:rPr lang="fr-BE" sz="1200" b="0" i="0" kern="1200" dirty="0" smtClean="0">
-                <a:solidFill>
-                  <a:schemeClr val="tx1"/>
-                </a:solidFill>
-                <a:effectLst/>
-                <a:latin typeface="+mn-lt"/>
-                <a:ea typeface="+mn-ea"/>
-                <a:cs typeface="+mn-cs"/>
-              </a:rPr>
-              <a:t/>
-            </a:r>
-            <a:br>
-              <a:rPr lang="fr-BE" sz="1200" b="0" i="0" kern="1200" dirty="0" smtClean="0">
-                <a:solidFill>
-                  <a:schemeClr val="tx1"/>
-                </a:solidFill>
-                <a:effectLst/>
-                <a:latin typeface="+mn-lt"/>
-                <a:ea typeface="+mn-ea"/>
-                <a:cs typeface="+mn-cs"/>
-              </a:rPr>
-            </a:br>
+              <a:rPr lang="fr-BE" sz="1200" b="0" i="0" kern="1200" dirty="0" smtClean="0">
+                <a:solidFill>
+                  <a:schemeClr val="tx1"/>
+                </a:solidFill>
+                <a:effectLst/>
+                <a:latin typeface="+mn-lt"/>
+                <a:ea typeface="+mn-ea"/>
+                <a:cs typeface="+mn-cs"/>
+              </a:rPr>
+              <a:t>) est réfléchie par la couleur d'ambiance de la classe </a:t>
+            </a:r>
             <a:r>
               <a:rPr lang="fr-BE" sz="1200" b="0" i="0" kern="1200" dirty="0" err="1" smtClean="0">
                 <a:solidFill>
@@ -4231,346 +4702,9 @@
                 <a:ea typeface="+mn-ea"/>
                 <a:cs typeface="+mn-cs"/>
               </a:rPr>
-              <a:t>color</a:t>
-            </a:r>
-            <a:r>
-              <a:rPr lang="fr-BE" sz="1200" b="0" i="0" kern="1200" dirty="0" smtClean="0">
-                <a:solidFill>
-                  <a:schemeClr val="tx1"/>
-                </a:solidFill>
-                <a:effectLst/>
-                <a:latin typeface="+mn-lt"/>
-                <a:ea typeface="+mn-ea"/>
-                <a:cs typeface="+mn-cs"/>
-              </a:rPr>
-              <a:t> est la couleur de la lumière</a:t>
-            </a:r>
-          </a:p>
-          <a:p>
-            <a:r>
-              <a:rPr lang="fr-BE" sz="1200" b="0" i="0" kern="1200" dirty="0" smtClean="0">
-                <a:solidFill>
-                  <a:schemeClr val="tx1"/>
-                </a:solidFill>
-                <a:effectLst/>
-                <a:latin typeface="+mn-lt"/>
-                <a:ea typeface="+mn-ea"/>
-                <a:cs typeface="+mn-cs"/>
-              </a:rPr>
-              <a:t>Cette lumière va être réfléchie par la couleur ambiante de matériau que l'on va affecter à notre objet 3D. On utilise la méthode </a:t>
-            </a:r>
-            <a:r>
-              <a:rPr lang="fr-BE" sz="1200" b="0" i="0" kern="1200" dirty="0" err="1" smtClean="0">
-                <a:solidFill>
-                  <a:schemeClr val="tx1"/>
-                </a:solidFill>
-                <a:effectLst/>
-                <a:latin typeface="+mn-lt"/>
-                <a:ea typeface="+mn-ea"/>
-                <a:cs typeface="+mn-cs"/>
-              </a:rPr>
-              <a:t>setAmbientColor</a:t>
-            </a:r>
-            <a:r>
-              <a:rPr lang="fr-BE" sz="1200" b="0" i="0" kern="1200" dirty="0" smtClean="0">
-                <a:solidFill>
-                  <a:schemeClr val="tx1"/>
-                </a:solidFill>
-                <a:effectLst/>
-                <a:latin typeface="+mn-lt"/>
-                <a:ea typeface="+mn-ea"/>
-                <a:cs typeface="+mn-cs"/>
-              </a:rPr>
-              <a:t>() de la classe </a:t>
-            </a:r>
-            <a:r>
-              <a:rPr lang="fr-BE" sz="1200" b="0" i="0" kern="1200" dirty="0" err="1" smtClean="0">
-                <a:solidFill>
-                  <a:schemeClr val="tx1"/>
-                </a:solidFill>
-                <a:effectLst/>
-                <a:latin typeface="+mn-lt"/>
-                <a:ea typeface="+mn-ea"/>
-                <a:cs typeface="+mn-cs"/>
-              </a:rPr>
-              <a:t>Material</a:t>
-            </a:r>
-            <a:r>
-              <a:rPr lang="fr-BE" sz="1200" b="0" i="0" kern="1200" dirty="0" smtClean="0">
-                <a:solidFill>
-                  <a:schemeClr val="tx1"/>
-                </a:solidFill>
-                <a:effectLst/>
-                <a:latin typeface="+mn-lt"/>
-                <a:ea typeface="+mn-ea"/>
-                <a:cs typeface="+mn-cs"/>
-              </a:rPr>
-              <a:t> pour donner une couleur ambiante à notre objet :</a:t>
-            </a:r>
-          </a:p>
-          <a:p>
-            <a:r>
-              <a:rPr lang="fr-BE" sz="1200" b="1" i="0" kern="1200" dirty="0" smtClean="0">
-                <a:solidFill>
-                  <a:schemeClr val="tx1"/>
-                </a:solidFill>
-                <a:effectLst/>
-                <a:latin typeface="+mn-lt"/>
-                <a:ea typeface="+mn-ea"/>
-                <a:cs typeface="+mn-cs"/>
-              </a:rPr>
-              <a:t>public </a:t>
-            </a:r>
-            <a:r>
-              <a:rPr lang="fr-BE" sz="1200" b="1" i="0" kern="1200" dirty="0" err="1" smtClean="0">
-                <a:solidFill>
-                  <a:schemeClr val="tx1"/>
-                </a:solidFill>
-                <a:effectLst/>
-                <a:latin typeface="+mn-lt"/>
-                <a:ea typeface="+mn-ea"/>
-                <a:cs typeface="+mn-cs"/>
-              </a:rPr>
-              <a:t>void</a:t>
-            </a:r>
-            <a:r>
-              <a:rPr lang="fr-BE" sz="1200" b="1" i="0" kern="1200" dirty="0" smtClean="0">
-                <a:solidFill>
-                  <a:schemeClr val="tx1"/>
-                </a:solidFill>
-                <a:effectLst/>
-                <a:latin typeface="+mn-lt"/>
-                <a:ea typeface="+mn-ea"/>
-                <a:cs typeface="+mn-cs"/>
-              </a:rPr>
-              <a:t> </a:t>
-            </a:r>
-            <a:r>
-              <a:rPr lang="fr-BE" sz="1200" b="1" i="0" kern="1200" dirty="0" err="1" smtClean="0">
-                <a:solidFill>
-                  <a:schemeClr val="tx1"/>
-                </a:solidFill>
-                <a:effectLst/>
-                <a:latin typeface="+mn-lt"/>
-                <a:ea typeface="+mn-ea"/>
-                <a:cs typeface="+mn-cs"/>
-              </a:rPr>
-              <a:t>setAmbientColor</a:t>
-            </a:r>
-            <a:r>
-              <a:rPr lang="fr-BE" sz="1200" b="1" i="0" kern="1200" dirty="0" smtClean="0">
-                <a:solidFill>
-                  <a:schemeClr val="tx1"/>
-                </a:solidFill>
-                <a:effectLst/>
-                <a:latin typeface="+mn-lt"/>
-                <a:ea typeface="+mn-ea"/>
-                <a:cs typeface="+mn-cs"/>
-              </a:rPr>
-              <a:t>(</a:t>
-            </a:r>
-            <a:r>
-              <a:rPr lang="fr-BE" sz="1200" b="1" i="0" kern="1200" dirty="0" err="1" smtClean="0">
-                <a:solidFill>
-                  <a:schemeClr val="tx1"/>
-                </a:solidFill>
-                <a:effectLst/>
-                <a:latin typeface="+mn-lt"/>
-                <a:ea typeface="+mn-ea"/>
-                <a:cs typeface="+mn-cs"/>
-              </a:rPr>
-              <a:t>Color</a:t>
-            </a:r>
-            <a:r>
-              <a:rPr lang="fr-BE" sz="1200" b="1" i="0" kern="1200" dirty="0" smtClean="0">
-                <a:solidFill>
-                  <a:schemeClr val="tx1"/>
-                </a:solidFill>
-                <a:effectLst/>
-                <a:latin typeface="+mn-lt"/>
-                <a:ea typeface="+mn-ea"/>
-                <a:cs typeface="+mn-cs"/>
-              </a:rPr>
-              <a:t> 3f)</a:t>
-            </a:r>
-            <a:r>
-              <a:rPr lang="fr-BE" sz="1200" b="0" i="0" kern="1200" dirty="0" smtClean="0">
-                <a:solidFill>
-                  <a:schemeClr val="tx1"/>
-                </a:solidFill>
-                <a:effectLst/>
-                <a:latin typeface="+mn-lt"/>
-                <a:ea typeface="+mn-ea"/>
-                <a:cs typeface="+mn-cs"/>
-              </a:rPr>
-              <a:t/>
-            </a:r>
-            <a:br>
-              <a:rPr lang="fr-BE" sz="1200" b="0" i="0" kern="1200" dirty="0" smtClean="0">
-                <a:solidFill>
-                  <a:schemeClr val="tx1"/>
-                </a:solidFill>
-                <a:effectLst/>
-                <a:latin typeface="+mn-lt"/>
-                <a:ea typeface="+mn-ea"/>
-                <a:cs typeface="+mn-cs"/>
-              </a:rPr>
-            </a:br>
-            <a:r>
-              <a:rPr lang="fr-BE" sz="1200" b="0" i="0" kern="1200" dirty="0" err="1" smtClean="0">
-                <a:solidFill>
-                  <a:schemeClr val="tx1"/>
-                </a:solidFill>
-                <a:effectLst/>
-                <a:latin typeface="+mn-lt"/>
-                <a:ea typeface="+mn-ea"/>
-                <a:cs typeface="+mn-cs"/>
-              </a:rPr>
-              <a:t>color</a:t>
-            </a:r>
-            <a:r>
-              <a:rPr lang="fr-BE" sz="1200" b="0" i="0" kern="1200" dirty="0" smtClean="0">
-                <a:solidFill>
-                  <a:schemeClr val="tx1"/>
-                </a:solidFill>
-                <a:effectLst/>
-                <a:latin typeface="+mn-lt"/>
-                <a:ea typeface="+mn-ea"/>
-                <a:cs typeface="+mn-cs"/>
-              </a:rPr>
-              <a:t> est la couleur ambiante du matériau</a:t>
-            </a:r>
-          </a:p>
-          <a:p>
-            <a:r>
-              <a:rPr lang="fr-BE" sz="1200" b="0" i="0" kern="1200" dirty="0" smtClean="0">
-                <a:solidFill>
-                  <a:schemeClr val="tx1"/>
-                </a:solidFill>
-                <a:effectLst/>
-                <a:latin typeface="+mn-lt"/>
-                <a:ea typeface="+mn-ea"/>
-                <a:cs typeface="+mn-cs"/>
-              </a:rPr>
-              <a:t>Dans notre exemple, nous allons construire une sphère possédant une couleur ambiante cyan éclairée par une lumière ambiante de couleur jaune.</a:t>
-            </a:r>
-            <a:br>
-              <a:rPr lang="fr-BE" sz="1200" b="0" i="0" kern="1200" dirty="0" smtClean="0">
-                <a:solidFill>
-                  <a:schemeClr val="tx1"/>
-                </a:solidFill>
-                <a:effectLst/>
-                <a:latin typeface="+mn-lt"/>
-                <a:ea typeface="+mn-ea"/>
-                <a:cs typeface="+mn-cs"/>
-              </a:rPr>
-            </a:br>
-            <a:r>
-              <a:rPr lang="fr-BE" sz="1200" b="0" i="0" kern="1200" dirty="0" smtClean="0">
-                <a:solidFill>
-                  <a:schemeClr val="tx1"/>
-                </a:solidFill>
-                <a:effectLst/>
-                <a:latin typeface="+mn-lt"/>
-                <a:ea typeface="+mn-ea"/>
-                <a:cs typeface="+mn-cs"/>
-              </a:rPr>
-              <a:t>Pour la lumière de couleur jaune, les composantes [R,G,B] valent : [1,1,0]</a:t>
-            </a:r>
-            <a:br>
-              <a:rPr lang="fr-BE" sz="1200" b="0" i="0" kern="1200" dirty="0" smtClean="0">
-                <a:solidFill>
-                  <a:schemeClr val="tx1"/>
-                </a:solidFill>
-                <a:effectLst/>
-                <a:latin typeface="+mn-lt"/>
-                <a:ea typeface="+mn-ea"/>
-                <a:cs typeface="+mn-cs"/>
-              </a:rPr>
-            </a:br>
-            <a:r>
-              <a:rPr lang="fr-BE" sz="1200" b="0" i="0" kern="1200" dirty="0" smtClean="0">
-                <a:solidFill>
-                  <a:schemeClr val="tx1"/>
-                </a:solidFill>
-                <a:effectLst/>
-                <a:latin typeface="+mn-lt"/>
-                <a:ea typeface="+mn-ea"/>
-                <a:cs typeface="+mn-cs"/>
-              </a:rPr>
-              <a:t>Pour la lumière cyan du matériau, les composants [R,G,B] valent : [0,1,1]</a:t>
-            </a:r>
-            <a:br>
-              <a:rPr lang="fr-BE" sz="1200" b="0" i="0" kern="1200" dirty="0" smtClean="0">
-                <a:solidFill>
-                  <a:schemeClr val="tx1"/>
-                </a:solidFill>
-                <a:effectLst/>
-                <a:latin typeface="+mn-lt"/>
-                <a:ea typeface="+mn-ea"/>
-                <a:cs typeface="+mn-cs"/>
-              </a:rPr>
-            </a:br>
-            <a:r>
-              <a:rPr lang="fr-BE" sz="1200" b="0" i="0" kern="1200" dirty="0" smtClean="0">
-                <a:solidFill>
-                  <a:schemeClr val="tx1"/>
-                </a:solidFill>
-                <a:effectLst/>
-                <a:latin typeface="+mn-lt"/>
-                <a:ea typeface="+mn-ea"/>
-                <a:cs typeface="+mn-cs"/>
-              </a:rPr>
-              <a:t>La matériau va donc absorber la composante rouge et va </a:t>
-            </a:r>
-            <a:r>
-              <a:rPr lang="fr-BE" sz="1200" b="0" i="0" kern="1200" dirty="0" err="1" smtClean="0">
-                <a:solidFill>
-                  <a:schemeClr val="tx1"/>
-                </a:solidFill>
-                <a:effectLst/>
-                <a:latin typeface="+mn-lt"/>
-                <a:ea typeface="+mn-ea"/>
-                <a:cs typeface="+mn-cs"/>
-              </a:rPr>
-              <a:t>refléchir</a:t>
-            </a:r>
-            <a:r>
-              <a:rPr lang="fr-BE" sz="1200" b="0" i="0" kern="1200" dirty="0" smtClean="0">
-                <a:solidFill>
-                  <a:schemeClr val="tx1"/>
-                </a:solidFill>
-                <a:effectLst/>
-                <a:latin typeface="+mn-lt"/>
-                <a:ea typeface="+mn-ea"/>
-                <a:cs typeface="+mn-cs"/>
-              </a:rPr>
-              <a:t> les composantes vertes et bleues. Or comme la lumière ambiante incidente n'a pas de composante bleue, seule la composante verte sera réfléchie.</a:t>
-            </a:r>
-            <a:br>
-              <a:rPr lang="fr-BE" sz="1200" b="0" i="0" kern="1200" dirty="0" smtClean="0">
-                <a:solidFill>
-                  <a:schemeClr val="tx1"/>
-                </a:solidFill>
-                <a:effectLst/>
-                <a:latin typeface="+mn-lt"/>
-                <a:ea typeface="+mn-ea"/>
-                <a:cs typeface="+mn-cs"/>
-              </a:rPr>
-            </a:br>
-            <a:r>
-              <a:rPr lang="fr-BE" sz="1200" b="0" i="0" kern="1200" dirty="0" smtClean="0">
-                <a:solidFill>
-                  <a:schemeClr val="tx1"/>
-                </a:solidFill>
-                <a:effectLst/>
-                <a:latin typeface="+mn-lt"/>
-                <a:ea typeface="+mn-ea"/>
-                <a:cs typeface="+mn-cs"/>
-              </a:rPr>
-              <a:t>En conclusion, notre objet aura donc une couleur verte !!</a:t>
-            </a:r>
-            <a:endParaRPr lang="fr-BE" sz="1200" b="0" i="0" kern="1200" dirty="0">
+              <a:t>Materia</a:t>
+            </a:r>
+            <a:endParaRPr lang="fr-BE" sz="1200" b="0" i="0" kern="1200" dirty="0" smtClean="0">
               <a:solidFill>
                 <a:schemeClr val="tx1"/>
               </a:solidFill>
@@ -4580,6 +4714,69 @@
               <a:cs typeface="+mn-cs"/>
             </a:endParaRPr>
           </a:p>
+          <a:p>
+            <a:r>
+              <a:rPr lang="fr-BE" sz="1200" b="0" i="0" kern="1200" dirty="0" smtClean="0">
+                <a:solidFill>
+                  <a:schemeClr val="tx1"/>
+                </a:solidFill>
+                <a:effectLst/>
+                <a:latin typeface="+mn-lt"/>
+                <a:ea typeface="+mn-ea"/>
+                <a:cs typeface="+mn-cs"/>
+              </a:rPr>
+              <a:t>Soient [r1, g1, b1] les 3 composantes RGB de la lumière ambiante de la classe </a:t>
+            </a:r>
+            <a:r>
+              <a:rPr lang="fr-BE" sz="1200" b="0" i="0" kern="1200" dirty="0" err="1" smtClean="0">
+                <a:solidFill>
+                  <a:schemeClr val="tx1"/>
+                </a:solidFill>
+                <a:effectLst/>
+                <a:latin typeface="+mn-lt"/>
+                <a:ea typeface="+mn-ea"/>
+                <a:cs typeface="+mn-cs"/>
+              </a:rPr>
+              <a:t>AmbientLight</a:t>
+            </a:r>
+            <a:r>
+              <a:rPr lang="fr-BE" sz="1200" b="0" i="0" kern="1200" dirty="0" smtClean="0">
+                <a:solidFill>
+                  <a:schemeClr val="tx1"/>
+                </a:solidFill>
+                <a:effectLst/>
+                <a:latin typeface="+mn-lt"/>
+                <a:ea typeface="+mn-ea"/>
+                <a:cs typeface="+mn-cs"/>
+              </a:rPr>
+              <a:t> et [r2,g2,b2] les 3 composantes RGB de la couleur d'ambiance de la classe </a:t>
+            </a:r>
+            <a:r>
+              <a:rPr lang="fr-BE" sz="1200" b="0" i="0" kern="1200" dirty="0" err="1" smtClean="0">
+                <a:solidFill>
+                  <a:schemeClr val="tx1"/>
+                </a:solidFill>
+                <a:effectLst/>
+                <a:latin typeface="+mn-lt"/>
+                <a:ea typeface="+mn-ea"/>
+                <a:cs typeface="+mn-cs"/>
+              </a:rPr>
+              <a:t>Material</a:t>
+            </a:r>
+            <a:r>
+              <a:rPr lang="fr-BE" sz="1200" b="0" i="0" kern="1200" dirty="0" smtClean="0">
+                <a:solidFill>
+                  <a:schemeClr val="tx1"/>
+                </a:solidFill>
+                <a:effectLst/>
+                <a:latin typeface="+mn-lt"/>
+                <a:ea typeface="+mn-ea"/>
+                <a:cs typeface="+mn-cs"/>
+              </a:rPr>
+              <a:t>, alors la couleur résultante qui sera réfléchie par notre objet 3D sera : [r1r2, g1g2, b1b2].</a:t>
+            </a:r>
+            <a:endParaRPr lang="fr-BE" dirty="0"/>
+          </a:p>
         </p:txBody>
       </p:sp>
       <p:sp>
@@ -4599,7 +4796,7 @@
           <a:p>
             <a:fld id="{F9B9F26C-5E20-463A-A30E-4B3CD8C634F9}" type="slidenum">
               <a:rPr lang="en-US" smtClean="0"/>
-              <a:t>31</a:t>
+              <a:t>30</a:t>
             </a:fld>
             <a:endParaRPr lang="en-US"/>
           </a:p>
@@ -4608,7 +4805,7 @@
     </p:spTree>
     <p:extLst>
       <p:ext uri="{BB962C8B-B14F-4D97-AF65-F5344CB8AC3E}">
-        <p14:creationId xmlns:p14="http://schemas.microsoft.com/office/powerpoint/2010/main" val="352317308"/>
+        <p14:creationId xmlns:p14="http://schemas.microsoft.com/office/powerpoint/2010/main" val="1470748687"/>
       </p:ext>
     </p:extLst>
   </p:cSld>
@@ -4672,22 +4869,93 @@
                 <a:ea typeface="+mn-ea"/>
                 <a:cs typeface="+mn-cs"/>
               </a:rPr>
-              <a:t>Cette source peut être assimilée à une source ponctuelle placée infiniment loin de la scène à éclairer (comme le soleil par exemple).</a:t>
-            </a:r>
-          </a:p>
-          <a:p>
-            <a:r>
-              <a:rPr lang="fr-BE" sz="1200" b="0" i="0" kern="1200" dirty="0" smtClean="0">
-                <a:solidFill>
-                  <a:schemeClr val="tx1"/>
-                </a:solidFill>
-                <a:effectLst/>
-                <a:latin typeface="+mn-lt"/>
-                <a:ea typeface="+mn-ea"/>
-                <a:cs typeface="+mn-cs"/>
-              </a:rPr>
-              <a:t> Ce sont les couleurs de diffusion (</a:t>
-            </a:r>
+              <a:t>Pour construire une source lumineuse ambiante, on peut utiliser le constructeur suivant :</a:t>
+            </a:r>
+          </a:p>
+          <a:p>
+            <a:r>
+              <a:rPr lang="fr-BE" sz="1200" b="1" i="0" kern="1200" dirty="0" smtClean="0">
+                <a:solidFill>
+                  <a:schemeClr val="tx1"/>
+                </a:solidFill>
+                <a:effectLst/>
+                <a:latin typeface="+mn-lt"/>
+                <a:ea typeface="+mn-ea"/>
+                <a:cs typeface="+mn-cs"/>
+              </a:rPr>
+              <a:t>public </a:t>
+            </a:r>
+            <a:r>
+              <a:rPr lang="fr-BE" sz="1200" b="1" i="0" kern="1200" dirty="0" err="1" smtClean="0">
+                <a:solidFill>
+                  <a:schemeClr val="tx1"/>
+                </a:solidFill>
+                <a:effectLst/>
+                <a:latin typeface="+mn-lt"/>
+                <a:ea typeface="+mn-ea"/>
+                <a:cs typeface="+mn-cs"/>
+              </a:rPr>
+              <a:t>AmbientLight</a:t>
+            </a:r>
+            <a:r>
+              <a:rPr lang="fr-BE" sz="1200" b="1" i="0" kern="1200" dirty="0" smtClean="0">
+                <a:solidFill>
+                  <a:schemeClr val="tx1"/>
+                </a:solidFill>
+                <a:effectLst/>
+                <a:latin typeface="+mn-lt"/>
+                <a:ea typeface="+mn-ea"/>
+                <a:cs typeface="+mn-cs"/>
+              </a:rPr>
+              <a:t>(Color3f </a:t>
+            </a:r>
+            <a:r>
+              <a:rPr lang="fr-BE" sz="1200" b="1" i="0" kern="1200" dirty="0" err="1" smtClean="0">
+                <a:solidFill>
+                  <a:schemeClr val="tx1"/>
+                </a:solidFill>
+                <a:effectLst/>
+                <a:latin typeface="+mn-lt"/>
+                <a:ea typeface="+mn-ea"/>
+                <a:cs typeface="+mn-cs"/>
+              </a:rPr>
+              <a:t>color</a:t>
+            </a:r>
+            <a:r>
+              <a:rPr lang="fr-BE" sz="1200" b="1" i="0" kern="1200" dirty="0" smtClean="0">
+                <a:solidFill>
+                  <a:schemeClr val="tx1"/>
+                </a:solidFill>
+                <a:effectLst/>
+                <a:latin typeface="+mn-lt"/>
+                <a:ea typeface="+mn-ea"/>
+                <a:cs typeface="+mn-cs"/>
+              </a:rPr>
+              <a:t>)</a:t>
+            </a:r>
+            <a:r>
+              <a:rPr lang="fr-BE" sz="1200" b="0" i="0" kern="1200" dirty="0" smtClean="0">
+                <a:solidFill>
+                  <a:schemeClr val="tx1"/>
+                </a:solidFill>
+                <a:effectLst/>
+                <a:latin typeface="+mn-lt"/>
+                <a:ea typeface="+mn-ea"/>
+                <a:cs typeface="+mn-cs"/>
+              </a:rPr>
+              <a:t/>
+            </a:r>
+            <a:br>
+              <a:rPr lang="fr-BE" sz="1200" b="0" i="0" kern="1200" dirty="0" smtClean="0">
+                <a:solidFill>
+                  <a:schemeClr val="tx1"/>
+                </a:solidFill>
+                <a:effectLst/>
+                <a:latin typeface="+mn-lt"/>
+                <a:ea typeface="+mn-ea"/>
+                <a:cs typeface="+mn-cs"/>
+              </a:rPr>
+            </a:br>
             <a:r>
               <a:rPr lang="fr-BE" sz="1200" b="0" i="0" kern="1200" dirty="0" err="1" smtClean="0">
                 <a:solidFill>
@@ -4698,19 +4966,33 @@
                 <a:ea typeface="+mn-ea"/>
                 <a:cs typeface="+mn-cs"/>
               </a:rPr>
-              <a:t>diffuseColor</a:t>
-            </a:r>
-            <a:r>
-              <a:rPr lang="fr-BE" sz="1200" b="0" i="0" kern="1200" dirty="0" smtClean="0">
-                <a:solidFill>
-                  <a:schemeClr val="tx1"/>
-                </a:solidFill>
-                <a:effectLst/>
-                <a:latin typeface="+mn-lt"/>
-                <a:ea typeface="+mn-ea"/>
-                <a:cs typeface="+mn-cs"/>
-              </a:rPr>
-              <a:t>) et de </a:t>
+              <a:t>color</a:t>
+            </a:r>
+            <a:r>
+              <a:rPr lang="fr-BE" sz="1200" b="0" i="0" kern="1200" dirty="0" smtClean="0">
+                <a:solidFill>
+                  <a:schemeClr val="tx1"/>
+                </a:solidFill>
+                <a:effectLst/>
+                <a:latin typeface="+mn-lt"/>
+                <a:ea typeface="+mn-ea"/>
+                <a:cs typeface="+mn-cs"/>
+              </a:rPr>
+              <a:t> est la couleur de la lumière</a:t>
+            </a:r>
+          </a:p>
+          <a:p>
+            <a:r>
+              <a:rPr lang="fr-BE" sz="1200" b="0" i="0" kern="1200" dirty="0" smtClean="0">
+                <a:solidFill>
+                  <a:schemeClr val="tx1"/>
+                </a:solidFill>
+                <a:effectLst/>
+                <a:latin typeface="+mn-lt"/>
+                <a:ea typeface="+mn-ea"/>
+                <a:cs typeface="+mn-cs"/>
+              </a:rPr>
+              <a:t>Cette lumière va être réfléchie par la couleur ambiante de matériau que l'on va affecter à notre objet 3D. On utilise la méthode </a:t>
             </a:r>
             <a:r>
               <a:rPr lang="fr-BE" sz="1200" b="0" i="0" kern="1200" dirty="0" err="1" smtClean="0">
@@ -4722,19 +5004,19 @@
                 <a:ea typeface="+mn-ea"/>
                 <a:cs typeface="+mn-cs"/>
               </a:rPr>
-              <a:t>spécularité</a:t>
-            </a:r>
-            <a:r>
-              <a:rPr lang="fr-BE" sz="1200" b="0" i="0" kern="1200" dirty="0" smtClean="0">
-                <a:solidFill>
-                  <a:schemeClr val="tx1"/>
-                </a:solidFill>
-                <a:effectLst/>
-                <a:latin typeface="+mn-lt"/>
-                <a:ea typeface="+mn-ea"/>
-                <a:cs typeface="+mn-cs"/>
-              </a:rPr>
-              <a:t> (</a:t>
+              <a:t>setAmbientColor</a:t>
+            </a:r>
+            <a:r>
+              <a:rPr lang="fr-BE" sz="1200" b="0" i="0" kern="1200" dirty="0" smtClean="0">
+                <a:solidFill>
+                  <a:schemeClr val="tx1"/>
+                </a:solidFill>
+                <a:effectLst/>
+                <a:latin typeface="+mn-lt"/>
+                <a:ea typeface="+mn-ea"/>
+                <a:cs typeface="+mn-cs"/>
+              </a:rPr>
+              <a:t>() de la classe </a:t>
             </a:r>
             <a:r>
               <a:rPr lang="fr-BE" sz="1200" b="0" i="0" kern="1200" dirty="0" err="1" smtClean="0">
@@ -4746,20 +5028,129 @@
                 <a:ea typeface="+mn-ea"/>
                 <a:cs typeface="+mn-cs"/>
               </a:rPr>
-              <a:t>specularColor</a:t>
-            </a:r>
-            <a:r>
-              <a:rPr lang="fr-BE" sz="1200" b="0" i="0" kern="1200" dirty="0" smtClean="0">
-                <a:solidFill>
-                  <a:schemeClr val="tx1"/>
-                </a:solidFill>
-                <a:effectLst/>
-                <a:latin typeface="+mn-lt"/>
-                <a:ea typeface="+mn-ea"/>
-                <a:cs typeface="+mn-cs"/>
-              </a:rPr>
-              <a:t>) de la classe </a:t>
-            </a:r>
+              <a:t>Material</a:t>
+            </a:r>
+            <a:r>
+              <a:rPr lang="fr-BE" sz="1200" b="0" i="0" kern="1200" dirty="0" smtClean="0">
+                <a:solidFill>
+                  <a:schemeClr val="tx1"/>
+                </a:solidFill>
+                <a:effectLst/>
+                <a:latin typeface="+mn-lt"/>
+                <a:ea typeface="+mn-ea"/>
+                <a:cs typeface="+mn-cs"/>
+              </a:rPr>
+              <a:t> pour donner une couleur ambiante à notre objet :</a:t>
+            </a:r>
+          </a:p>
+          <a:p>
+            <a:r>
+              <a:rPr lang="fr-BE" sz="1200" b="1" i="0" kern="1200" dirty="0" smtClean="0">
+                <a:solidFill>
+                  <a:schemeClr val="tx1"/>
+                </a:solidFill>
+                <a:effectLst/>
+                <a:latin typeface="+mn-lt"/>
+                <a:ea typeface="+mn-ea"/>
+                <a:cs typeface="+mn-cs"/>
+              </a:rPr>
+              <a:t>public </a:t>
+            </a:r>
+            <a:r>
+              <a:rPr lang="fr-BE" sz="1200" b="1" i="0" kern="1200" dirty="0" err="1" smtClean="0">
+                <a:solidFill>
+                  <a:schemeClr val="tx1"/>
+                </a:solidFill>
+                <a:effectLst/>
+                <a:latin typeface="+mn-lt"/>
+                <a:ea typeface="+mn-ea"/>
+                <a:cs typeface="+mn-cs"/>
+              </a:rPr>
+              <a:t>void</a:t>
+            </a:r>
+            <a:r>
+              <a:rPr lang="fr-BE" sz="1200" b="1" i="0" kern="1200" dirty="0" smtClean="0">
+                <a:solidFill>
+                  <a:schemeClr val="tx1"/>
+                </a:solidFill>
+                <a:effectLst/>
+                <a:latin typeface="+mn-lt"/>
+                <a:ea typeface="+mn-ea"/>
+                <a:cs typeface="+mn-cs"/>
+              </a:rPr>
+              <a:t> </a:t>
+            </a:r>
+            <a:r>
+              <a:rPr lang="fr-BE" sz="1200" b="1" i="0" kern="1200" dirty="0" err="1" smtClean="0">
+                <a:solidFill>
+                  <a:schemeClr val="tx1"/>
+                </a:solidFill>
+                <a:effectLst/>
+                <a:latin typeface="+mn-lt"/>
+                <a:ea typeface="+mn-ea"/>
+                <a:cs typeface="+mn-cs"/>
+              </a:rPr>
+              <a:t>setAmbientColor</a:t>
+            </a:r>
+            <a:r>
+              <a:rPr lang="fr-BE" sz="1200" b="1" i="0" kern="1200" dirty="0" smtClean="0">
+                <a:solidFill>
+                  <a:schemeClr val="tx1"/>
+                </a:solidFill>
+                <a:effectLst/>
+                <a:latin typeface="+mn-lt"/>
+                <a:ea typeface="+mn-ea"/>
+                <a:cs typeface="+mn-cs"/>
+              </a:rPr>
+              <a:t>(</a:t>
+            </a:r>
+            <a:r>
+              <a:rPr lang="fr-BE" sz="1200" b="1" i="0" kern="1200" dirty="0" err="1" smtClean="0">
+                <a:solidFill>
+                  <a:schemeClr val="tx1"/>
+                </a:solidFill>
+                <a:effectLst/>
+                <a:latin typeface="+mn-lt"/>
+                <a:ea typeface="+mn-ea"/>
+                <a:cs typeface="+mn-cs"/>
+              </a:rPr>
+              <a:t>Color</a:t>
+            </a:r>
+            <a:r>
+              <a:rPr lang="fr-BE" sz="1200" b="1" i="0" kern="1200" dirty="0" smtClean="0">
+                <a:solidFill>
+                  <a:schemeClr val="tx1"/>
+                </a:solidFill>
+                <a:effectLst/>
+                <a:latin typeface="+mn-lt"/>
+                <a:ea typeface="+mn-ea"/>
+                <a:cs typeface="+mn-cs"/>
+              </a:rPr>
+              <a:t> 3f)</a:t>
+            </a:r>
+            <a:r>
+              <a:rPr lang="fr-BE" sz="1200" b="0" i="0" kern="1200" dirty="0" smtClean="0">
+                <a:solidFill>
+                  <a:schemeClr val="tx1"/>
+                </a:solidFill>
+                <a:effectLst/>
+                <a:latin typeface="+mn-lt"/>
+                <a:ea typeface="+mn-ea"/>
+                <a:cs typeface="+mn-cs"/>
+              </a:rPr>
+              <a:t/>
+            </a:r>
+            <a:br>
+              <a:rPr lang="fr-BE" sz="1200" b="0" i="0" kern="1200" dirty="0" smtClean="0">
+                <a:solidFill>
+                  <a:schemeClr val="tx1"/>
+                </a:solidFill>
+                <a:effectLst/>
+                <a:latin typeface="+mn-lt"/>
+                <a:ea typeface="+mn-ea"/>
+                <a:cs typeface="+mn-cs"/>
+              </a:rPr>
+            </a:br>
             <a:r>
               <a:rPr lang="fr-BE" sz="1200" b="0" i="0" kern="1200" dirty="0" err="1" smtClean="0">
                 <a:solidFill>
@@ -4770,47 +5161,102 @@
                 <a:ea typeface="+mn-ea"/>
                 <a:cs typeface="+mn-cs"/>
               </a:rPr>
-              <a:t>Material</a:t>
-            </a:r>
-            <a:r>
-              <a:rPr lang="fr-BE" sz="1200" b="0" i="0" kern="1200" dirty="0" smtClean="0">
-                <a:solidFill>
-                  <a:schemeClr val="tx1"/>
-                </a:solidFill>
-                <a:effectLst/>
-                <a:latin typeface="+mn-lt"/>
-                <a:ea typeface="+mn-ea"/>
-                <a:cs typeface="+mn-cs"/>
-              </a:rPr>
-              <a:t> qui réfléchissent cette lumière. </a:t>
-            </a:r>
-          </a:p>
-          <a:p>
-            <a:r>
-              <a:rPr lang="fr-BE" sz="1200" b="0" i="0" kern="1200" dirty="0" smtClean="0">
-                <a:solidFill>
-                  <a:schemeClr val="tx1"/>
-                </a:solidFill>
-                <a:effectLst/>
-                <a:latin typeface="+mn-lt"/>
-                <a:ea typeface="+mn-ea"/>
-                <a:cs typeface="+mn-cs"/>
-              </a:rPr>
-              <a:t>Cependant, contrairement à la lumière ambiante, </a:t>
-            </a:r>
-          </a:p>
-          <a:p>
-            <a:r>
-              <a:rPr lang="fr-BE" sz="1200" b="0" i="0" kern="1200" dirty="0" smtClean="0">
-                <a:solidFill>
-                  <a:schemeClr val="tx1"/>
-                </a:solidFill>
-                <a:effectLst/>
-                <a:latin typeface="+mn-lt"/>
-                <a:ea typeface="+mn-ea"/>
-                <a:cs typeface="+mn-cs"/>
-              </a:rPr>
-              <a:t>cette </a:t>
+              <a:t>color</a:t>
+            </a:r>
+            <a:r>
+              <a:rPr lang="fr-BE" sz="1200" b="0" i="0" kern="1200" dirty="0" smtClean="0">
+                <a:solidFill>
+                  <a:schemeClr val="tx1"/>
+                </a:solidFill>
+                <a:effectLst/>
+                <a:latin typeface="+mn-lt"/>
+                <a:ea typeface="+mn-ea"/>
+                <a:cs typeface="+mn-cs"/>
+              </a:rPr>
+              <a:t> est la couleur ambiante du matériau</a:t>
+            </a:r>
+          </a:p>
+          <a:p>
+            <a:r>
+              <a:rPr lang="fr-BE" sz="1200" b="0" i="0" kern="1200" dirty="0" smtClean="0">
+                <a:solidFill>
+                  <a:schemeClr val="tx1"/>
+                </a:solidFill>
+                <a:effectLst/>
+                <a:latin typeface="+mn-lt"/>
+                <a:ea typeface="+mn-ea"/>
+                <a:cs typeface="+mn-cs"/>
+              </a:rPr>
+              <a:t>Dans notre exemple, nous allons construire une sphère possédant une couleur ambiante cyan éclairée par une lumière ambiante de couleur jaune.</a:t>
+            </a:r>
+            <a:br>
+              <a:rPr lang="fr-BE" sz="1200" b="0" i="0" kern="1200" dirty="0" smtClean="0">
+                <a:solidFill>
+                  <a:schemeClr val="tx1"/>
+                </a:solidFill>
+                <a:effectLst/>
+                <a:latin typeface="+mn-lt"/>
+                <a:ea typeface="+mn-ea"/>
+                <a:cs typeface="+mn-cs"/>
+              </a:rPr>
+            </a:br>
+            <a:r>
+              <a:rPr lang="fr-BE" sz="1200" b="0" i="0" kern="1200" dirty="0" smtClean="0">
+                <a:solidFill>
+                  <a:schemeClr val="tx1"/>
+                </a:solidFill>
+                <a:effectLst/>
+                <a:latin typeface="+mn-lt"/>
+                <a:ea typeface="+mn-ea"/>
+                <a:cs typeface="+mn-cs"/>
+              </a:rPr>
+              <a:t>Pour la lumière de couleur jaune, les composantes [R,G,B] valent : [1,1,0]</a:t>
+            </a:r>
+            <a:br>
+              <a:rPr lang="fr-BE" sz="1200" b="0" i="0" kern="1200" dirty="0" smtClean="0">
+                <a:solidFill>
+                  <a:schemeClr val="tx1"/>
+                </a:solidFill>
+                <a:effectLst/>
+                <a:latin typeface="+mn-lt"/>
+                <a:ea typeface="+mn-ea"/>
+                <a:cs typeface="+mn-cs"/>
+              </a:rPr>
+            </a:br>
+            <a:r>
+              <a:rPr lang="fr-BE" sz="1200" b="0" i="0" kern="1200" dirty="0" smtClean="0">
+                <a:solidFill>
+                  <a:schemeClr val="tx1"/>
+                </a:solidFill>
+                <a:effectLst/>
+                <a:latin typeface="+mn-lt"/>
+                <a:ea typeface="+mn-ea"/>
+                <a:cs typeface="+mn-cs"/>
+              </a:rPr>
+              <a:t>Pour la lumière cyan du matériau, les composants [R,G,B] valent : [0,1,1]</a:t>
+            </a:r>
+            <a:br>
+              <a:rPr lang="fr-BE" sz="1200" b="0" i="0" kern="1200" dirty="0" smtClean="0">
+                <a:solidFill>
+                  <a:schemeClr val="tx1"/>
+                </a:solidFill>
+                <a:effectLst/>
+                <a:latin typeface="+mn-lt"/>
+                <a:ea typeface="+mn-ea"/>
+                <a:cs typeface="+mn-cs"/>
+              </a:rPr>
+            </a:br>
+            <a:r>
+              <a:rPr lang="fr-BE" sz="1200" b="0" i="0" kern="1200" dirty="0" smtClean="0">
+                <a:solidFill>
+                  <a:schemeClr val="tx1"/>
+                </a:solidFill>
+                <a:effectLst/>
+                <a:latin typeface="+mn-lt"/>
+                <a:ea typeface="+mn-ea"/>
+                <a:cs typeface="+mn-cs"/>
+              </a:rPr>
+              <a:t>La matériau va donc absorber la composante rouge et va </a:t>
             </a:r>
             <a:r>
               <a:rPr lang="fr-BE" sz="1200" b="0" i="0" kern="1200" dirty="0" err="1" smtClean="0">
@@ -4822,35 +5268,52 @@
                 <a:ea typeface="+mn-ea"/>
                 <a:cs typeface="+mn-cs"/>
               </a:rPr>
-              <a:t>reflexion</a:t>
-            </a:r>
-            <a:r>
-              <a:rPr lang="fr-BE" sz="1200" b="0" i="0" kern="1200" dirty="0" smtClean="0">
-                <a:solidFill>
-                  <a:schemeClr val="tx1"/>
-                </a:solidFill>
-                <a:effectLst/>
-                <a:latin typeface="+mn-lt"/>
-                <a:ea typeface="+mn-ea"/>
-                <a:cs typeface="+mn-cs"/>
-              </a:rPr>
-              <a:t> dépend de l'orientation des facettes par rapport à la direction de la lumière provenant de la source</a:t>
-            </a:r>
-          </a:p>
-          <a:p>
-            <a:r>
-              <a:rPr lang="fr-BE" sz="1200" b="0" i="0" kern="1200" dirty="0" smtClean="0">
-                <a:solidFill>
-                  <a:schemeClr val="tx1"/>
-                </a:solidFill>
-                <a:effectLst/>
-                <a:latin typeface="+mn-lt"/>
-                <a:ea typeface="+mn-ea"/>
-                <a:cs typeface="+mn-cs"/>
-              </a:rPr>
-              <a:t> : plus une facette "regarde" la source plus elle sera éclairée.</a:t>
-            </a:r>
-            <a:endParaRPr lang="fr-BE" dirty="0"/>
+              <a:t>refléchir</a:t>
+            </a:r>
+            <a:r>
+              <a:rPr lang="fr-BE" sz="1200" b="0" i="0" kern="1200" dirty="0" smtClean="0">
+                <a:solidFill>
+                  <a:schemeClr val="tx1"/>
+                </a:solidFill>
+                <a:effectLst/>
+                <a:latin typeface="+mn-lt"/>
+                <a:ea typeface="+mn-ea"/>
+                <a:cs typeface="+mn-cs"/>
+              </a:rPr>
+              <a:t> les composantes vertes et bleues. Or comme la lumière ambiante incidente n'a pas de composante bleue, seule la composante verte sera réfléchie.</a:t>
+            </a:r>
+            <a:br>
+              <a:rPr lang="fr-BE" sz="1200" b="0" i="0" kern="1200" dirty="0" smtClean="0">
+                <a:solidFill>
+                  <a:schemeClr val="tx1"/>
+                </a:solidFill>
+                <a:effectLst/>
+                <a:latin typeface="+mn-lt"/>
+                <a:ea typeface="+mn-ea"/>
+                <a:cs typeface="+mn-cs"/>
+              </a:rPr>
+            </a:br>
+            <a:r>
+              <a:rPr lang="fr-BE" sz="1200" b="0" i="0" kern="1200" dirty="0" smtClean="0">
+                <a:solidFill>
+                  <a:schemeClr val="tx1"/>
+                </a:solidFill>
+                <a:effectLst/>
+                <a:latin typeface="+mn-lt"/>
+                <a:ea typeface="+mn-ea"/>
+                <a:cs typeface="+mn-cs"/>
+              </a:rPr>
+              <a:t>En conclusion, notre objet aura donc une couleur verte !!</a:t>
+            </a:r>
+            <a:endParaRPr lang="fr-BE" sz="1200" b="0" i="0" kern="1200" dirty="0">
+              <a:solidFill>
+                <a:schemeClr val="tx1"/>
+              </a:solidFill>
+              <a:effectLst/>
+              <a:latin typeface="+mn-lt"/>
+              <a:ea typeface="+mn-ea"/>
+              <a:cs typeface="+mn-cs"/>
+            </a:endParaRPr>
           </a:p>
         </p:txBody>
       </p:sp>
@@ -4871,7 +5334,7 @@
           <a:p>
             <a:fld id="{F9B9F26C-5E20-463A-A30E-4B3CD8C634F9}" type="slidenum">
               <a:rPr lang="en-US" smtClean="0"/>
-              <a:t>32</a:t>
+              <a:t>31</a:t>
             </a:fld>
             <a:endParaRPr lang="en-US"/>
           </a:p>
@@ -4880,7 +5343,7 @@
     </p:spTree>
     <p:extLst>
       <p:ext uri="{BB962C8B-B14F-4D97-AF65-F5344CB8AC3E}">
-        <p14:creationId xmlns:p14="http://schemas.microsoft.com/office/powerpoint/2010/main" val="3418332767"/>
+        <p14:creationId xmlns:p14="http://schemas.microsoft.com/office/powerpoint/2010/main" val="352317308"/>
       </p:ext>
     </p:extLst>
   </p:cSld>
@@ -4944,26 +5407,183 @@
                 <a:ea typeface="+mn-ea"/>
                 <a:cs typeface="+mn-cs"/>
               </a:rPr>
-              <a:t>Tout comme notre exemple précédent sur la lumière ambiante, la composante verte sera principalement réfléchie mais à l'endroit où les normales des facettes sont orientées parallèlement à la direction de la lumière incidente, la couleur réfléchie apparaîtra jaune, couleur de la source. En fait, sur les facettes les plus éclairées, la couleur de la lumière incidente est directement réfléchie (sans absorption par le matériau) tandis que les facettes moins éclairées ne réfléchiront que les couleurs non absorbées par le matériau (tout comme la lumière ambiante).</a:t>
-            </a:r>
-            <a:r>
-              <a:rPr lang="fr-BE" dirty="0" smtClean="0"/>
-              <a:t/>
-            </a:r>
-            <a:br>
-              <a:rPr lang="fr-BE" dirty="0" smtClean="0"/>
-            </a:br>
-            <a:r>
-              <a:rPr lang="fr-BE" sz="1200" b="0" i="0" kern="1200" dirty="0" smtClean="0">
-                <a:solidFill>
-                  <a:schemeClr val="tx1"/>
-                </a:solidFill>
-                <a:effectLst/>
-                <a:latin typeface="+mn-lt"/>
-                <a:ea typeface="+mn-ea"/>
-                <a:cs typeface="+mn-cs"/>
-              </a:rPr>
-              <a:t>C'est le principe d'un matériau contenant une couleur diffuse.</a:t>
+              <a:t>Cette source peut être assimilée à une source ponctuelle placée infiniment loin de la scène à éclairer (comme le soleil par exemple).</a:t>
+            </a:r>
+          </a:p>
+          <a:p>
+            <a:r>
+              <a:rPr lang="fr-BE" sz="1200" b="0" i="0" kern="1200" dirty="0" smtClean="0">
+                <a:solidFill>
+                  <a:schemeClr val="tx1"/>
+                </a:solidFill>
+                <a:effectLst/>
+                <a:latin typeface="+mn-lt"/>
+                <a:ea typeface="+mn-ea"/>
+                <a:cs typeface="+mn-cs"/>
+              </a:rPr>
+              <a:t> Ce sont les couleurs de diffusion (</a:t>
+            </a:r>
+            <a:r>
+              <a:rPr lang="fr-BE" sz="1200" b="0" i="0" kern="1200" dirty="0" err="1" smtClean="0">
+                <a:solidFill>
+                  <a:schemeClr val="tx1"/>
+                </a:solidFill>
+                <a:effectLst/>
+                <a:latin typeface="+mn-lt"/>
+                <a:ea typeface="+mn-ea"/>
+                <a:cs typeface="+mn-cs"/>
+              </a:rPr>
+              <a:t>diffuseColor</a:t>
+            </a:r>
+            <a:r>
+              <a:rPr lang="fr-BE" sz="1200" b="0" i="0" kern="1200" dirty="0" smtClean="0">
+                <a:solidFill>
+                  <a:schemeClr val="tx1"/>
+                </a:solidFill>
+                <a:effectLst/>
+                <a:latin typeface="+mn-lt"/>
+                <a:ea typeface="+mn-ea"/>
+                <a:cs typeface="+mn-cs"/>
+              </a:rPr>
+              <a:t>) et de </a:t>
+            </a:r>
+            <a:r>
+              <a:rPr lang="fr-BE" sz="1200" b="0" i="0" kern="1200" dirty="0" err="1" smtClean="0">
+                <a:solidFill>
+                  <a:schemeClr val="tx1"/>
+                </a:solidFill>
+                <a:effectLst/>
+                <a:latin typeface="+mn-lt"/>
+                <a:ea typeface="+mn-ea"/>
+                <a:cs typeface="+mn-cs"/>
+              </a:rPr>
+              <a:t>spécularité</a:t>
+            </a:r>
+            <a:r>
+              <a:rPr lang="fr-BE" sz="1200" b="0" i="0" kern="1200" dirty="0" smtClean="0">
+                <a:solidFill>
+                  <a:schemeClr val="tx1"/>
+                </a:solidFill>
+                <a:effectLst/>
+                <a:latin typeface="+mn-lt"/>
+                <a:ea typeface="+mn-ea"/>
+                <a:cs typeface="+mn-cs"/>
+              </a:rPr>
+              <a:t> (</a:t>
+            </a:r>
+            <a:r>
+              <a:rPr lang="fr-BE" sz="1200" b="0" i="0" kern="1200" dirty="0" err="1" smtClean="0">
+                <a:solidFill>
+                  <a:schemeClr val="tx1"/>
+                </a:solidFill>
+                <a:effectLst/>
+                <a:latin typeface="+mn-lt"/>
+                <a:ea typeface="+mn-ea"/>
+                <a:cs typeface="+mn-cs"/>
+              </a:rPr>
+              <a:t>specularColor</a:t>
+            </a:r>
+            <a:r>
+              <a:rPr lang="fr-BE" sz="1200" b="0" i="0" kern="1200" dirty="0" smtClean="0">
+                <a:solidFill>
+                  <a:schemeClr val="tx1"/>
+                </a:solidFill>
+                <a:effectLst/>
+                <a:latin typeface="+mn-lt"/>
+                <a:ea typeface="+mn-ea"/>
+                <a:cs typeface="+mn-cs"/>
+              </a:rPr>
+              <a:t>) de la classe </a:t>
+            </a:r>
+            <a:r>
+              <a:rPr lang="fr-BE" sz="1200" b="0" i="0" kern="1200" dirty="0" err="1" smtClean="0">
+                <a:solidFill>
+                  <a:schemeClr val="tx1"/>
+                </a:solidFill>
+                <a:effectLst/>
+                <a:latin typeface="+mn-lt"/>
+                <a:ea typeface="+mn-ea"/>
+                <a:cs typeface="+mn-cs"/>
+              </a:rPr>
+              <a:t>Material</a:t>
+            </a:r>
+            <a:r>
+              <a:rPr lang="fr-BE" sz="1200" b="0" i="0" kern="1200" dirty="0" smtClean="0">
+                <a:solidFill>
+                  <a:schemeClr val="tx1"/>
+                </a:solidFill>
+                <a:effectLst/>
+                <a:latin typeface="+mn-lt"/>
+                <a:ea typeface="+mn-ea"/>
+                <a:cs typeface="+mn-cs"/>
+              </a:rPr>
+              <a:t> qui réfléchissent cette lumière. </a:t>
+            </a:r>
+          </a:p>
+          <a:p>
+            <a:r>
+              <a:rPr lang="fr-BE" sz="1200" b="0" i="0" kern="1200" dirty="0" smtClean="0">
+                <a:solidFill>
+                  <a:schemeClr val="tx1"/>
+                </a:solidFill>
+                <a:effectLst/>
+                <a:latin typeface="+mn-lt"/>
+                <a:ea typeface="+mn-ea"/>
+                <a:cs typeface="+mn-cs"/>
+              </a:rPr>
+              <a:t>Cependant, contrairement à la lumière ambiante, </a:t>
+            </a:r>
+          </a:p>
+          <a:p>
+            <a:r>
+              <a:rPr lang="fr-BE" sz="1200" b="0" i="0" kern="1200" dirty="0" smtClean="0">
+                <a:solidFill>
+                  <a:schemeClr val="tx1"/>
+                </a:solidFill>
+                <a:effectLst/>
+                <a:latin typeface="+mn-lt"/>
+                <a:ea typeface="+mn-ea"/>
+                <a:cs typeface="+mn-cs"/>
+              </a:rPr>
+              <a:t>cette </a:t>
+            </a:r>
+            <a:r>
+              <a:rPr lang="fr-BE" sz="1200" b="0" i="0" kern="1200" dirty="0" err="1" smtClean="0">
+                <a:solidFill>
+                  <a:schemeClr val="tx1"/>
+                </a:solidFill>
+                <a:effectLst/>
+                <a:latin typeface="+mn-lt"/>
+                <a:ea typeface="+mn-ea"/>
+                <a:cs typeface="+mn-cs"/>
+              </a:rPr>
+              <a:t>reflexion</a:t>
+            </a:r>
+            <a:r>
+              <a:rPr lang="fr-BE" sz="1200" b="0" i="0" kern="1200" dirty="0" smtClean="0">
+                <a:solidFill>
+                  <a:schemeClr val="tx1"/>
+                </a:solidFill>
+                <a:effectLst/>
+                <a:latin typeface="+mn-lt"/>
+                <a:ea typeface="+mn-ea"/>
+                <a:cs typeface="+mn-cs"/>
+              </a:rPr>
+              <a:t> dépend de l'orientation des facettes par rapport à la direction de la lumière provenant de la source</a:t>
+            </a:r>
+          </a:p>
+          <a:p>
+            <a:r>
+              <a:rPr lang="fr-BE" sz="1200" b="0" i="0" kern="1200" dirty="0" smtClean="0">
+                <a:solidFill>
+                  <a:schemeClr val="tx1"/>
+                </a:solidFill>
+                <a:effectLst/>
+                <a:latin typeface="+mn-lt"/>
+                <a:ea typeface="+mn-ea"/>
+                <a:cs typeface="+mn-cs"/>
+              </a:rPr>
+              <a:t> : plus une facette "regarde" la source plus elle sera éclairée.</a:t>
             </a:r>
             <a:endParaRPr lang="fr-BE" dirty="0"/>
           </a:p>
@@ -4986,7 +5606,7 @@
           <a:p>
             <a:fld id="{F9B9F26C-5E20-463A-A30E-4B3CD8C634F9}" type="slidenum">
               <a:rPr lang="en-US" smtClean="0"/>
-              <a:t>33</a:t>
+              <a:t>32</a:t>
             </a:fld>
             <a:endParaRPr lang="en-US"/>
           </a:p>
@@ -4995,7 +5615,7 @@
     </p:spTree>
     <p:extLst>
       <p:ext uri="{BB962C8B-B14F-4D97-AF65-F5344CB8AC3E}">
-        <p14:creationId xmlns:p14="http://schemas.microsoft.com/office/powerpoint/2010/main" val="3344820825"/>
+        <p14:creationId xmlns:p14="http://schemas.microsoft.com/office/powerpoint/2010/main" val="3418332767"/>
       </p:ext>
     </p:extLst>
   </p:cSld>
@@ -5059,151 +5679,26 @@
                 <a:ea typeface="+mn-ea"/>
                 <a:cs typeface="+mn-cs"/>
               </a:rPr>
-              <a:t>Cette source rayonne dans toutes les directions à partir d'un point dans l'espace, un peu comme une ampoule. Tout comme une source </a:t>
-            </a:r>
-            <a:r>
-              <a:rPr lang="fr-BE" sz="1200" b="0" i="0" kern="1200" dirty="0" err="1" smtClean="0">
-                <a:solidFill>
-                  <a:schemeClr val="tx1"/>
-                </a:solidFill>
-                <a:effectLst/>
-                <a:latin typeface="+mn-lt"/>
-                <a:ea typeface="+mn-ea"/>
-                <a:cs typeface="+mn-cs"/>
-              </a:rPr>
-              <a:t>lumieuse</a:t>
-            </a:r>
-            <a:r>
-              <a:rPr lang="fr-BE" sz="1200" b="0" i="0" kern="1200" dirty="0" smtClean="0">
-                <a:solidFill>
-                  <a:schemeClr val="tx1"/>
-                </a:solidFill>
-                <a:effectLst/>
-                <a:latin typeface="+mn-lt"/>
-                <a:ea typeface="+mn-ea"/>
-                <a:cs typeface="+mn-cs"/>
-              </a:rPr>
-              <a:t> unidirectionnelle, ce sont les couleurs de diffusion (</a:t>
-            </a:r>
-            <a:r>
-              <a:rPr lang="fr-BE" sz="1200" b="0" i="0" kern="1200" dirty="0" err="1" smtClean="0">
-                <a:solidFill>
-                  <a:schemeClr val="tx1"/>
-                </a:solidFill>
-                <a:effectLst/>
-                <a:latin typeface="+mn-lt"/>
-                <a:ea typeface="+mn-ea"/>
-                <a:cs typeface="+mn-cs"/>
-              </a:rPr>
-              <a:t>diffuseColor</a:t>
-            </a:r>
-            <a:r>
-              <a:rPr lang="fr-BE" sz="1200" b="0" i="0" kern="1200" dirty="0" smtClean="0">
-                <a:solidFill>
-                  <a:schemeClr val="tx1"/>
-                </a:solidFill>
-                <a:effectLst/>
-                <a:latin typeface="+mn-lt"/>
-                <a:ea typeface="+mn-ea"/>
-                <a:cs typeface="+mn-cs"/>
-              </a:rPr>
-              <a:t>) et de </a:t>
-            </a:r>
-            <a:r>
-              <a:rPr lang="fr-BE" sz="1200" b="0" i="0" kern="1200" dirty="0" err="1" smtClean="0">
-                <a:solidFill>
-                  <a:schemeClr val="tx1"/>
-                </a:solidFill>
-                <a:effectLst/>
-                <a:latin typeface="+mn-lt"/>
-                <a:ea typeface="+mn-ea"/>
-                <a:cs typeface="+mn-cs"/>
-              </a:rPr>
-              <a:t>spécularité</a:t>
-            </a:r>
-            <a:r>
-              <a:rPr lang="fr-BE" sz="1200" b="0" i="0" kern="1200" dirty="0" smtClean="0">
-                <a:solidFill>
-                  <a:schemeClr val="tx1"/>
-                </a:solidFill>
-                <a:effectLst/>
-                <a:latin typeface="+mn-lt"/>
-                <a:ea typeface="+mn-ea"/>
-                <a:cs typeface="+mn-cs"/>
-              </a:rPr>
-              <a:t> (</a:t>
-            </a:r>
-            <a:r>
-              <a:rPr lang="fr-BE" sz="1200" b="0" i="0" kern="1200" dirty="0" err="1" smtClean="0">
-                <a:solidFill>
-                  <a:schemeClr val="tx1"/>
-                </a:solidFill>
-                <a:effectLst/>
-                <a:latin typeface="+mn-lt"/>
-                <a:ea typeface="+mn-ea"/>
-                <a:cs typeface="+mn-cs"/>
-              </a:rPr>
-              <a:t>specularColor</a:t>
-            </a:r>
-            <a:r>
-              <a:rPr lang="fr-BE" sz="1200" b="0" i="0" kern="1200" dirty="0" smtClean="0">
-                <a:solidFill>
-                  <a:schemeClr val="tx1"/>
-                </a:solidFill>
-                <a:effectLst/>
-                <a:latin typeface="+mn-lt"/>
-                <a:ea typeface="+mn-ea"/>
-                <a:cs typeface="+mn-cs"/>
-              </a:rPr>
-              <a:t>) de la classe </a:t>
-            </a:r>
-            <a:r>
-              <a:rPr lang="fr-BE" sz="1200" b="0" i="0" kern="1200" dirty="0" err="1" smtClean="0">
-                <a:solidFill>
-                  <a:schemeClr val="tx1"/>
-                </a:solidFill>
-                <a:effectLst/>
-                <a:latin typeface="+mn-lt"/>
-                <a:ea typeface="+mn-ea"/>
-                <a:cs typeface="+mn-cs"/>
-              </a:rPr>
-              <a:t>Material</a:t>
-            </a:r>
-            <a:r>
-              <a:rPr lang="fr-BE" sz="1200" b="0" i="0" kern="1200" dirty="0" smtClean="0">
-                <a:solidFill>
-                  <a:schemeClr val="tx1"/>
-                </a:solidFill>
-                <a:effectLst/>
-                <a:latin typeface="+mn-lt"/>
-                <a:ea typeface="+mn-ea"/>
-                <a:cs typeface="+mn-cs"/>
-              </a:rPr>
-              <a:t> qui réfléchissent cette lumière. Et cette </a:t>
-            </a:r>
-            <a:r>
-              <a:rPr lang="fr-BE" sz="1200" b="0" i="0" kern="1200" dirty="0" err="1" smtClean="0">
-                <a:solidFill>
-                  <a:schemeClr val="tx1"/>
-                </a:solidFill>
-                <a:effectLst/>
-                <a:latin typeface="+mn-lt"/>
-                <a:ea typeface="+mn-ea"/>
-                <a:cs typeface="+mn-cs"/>
-              </a:rPr>
-              <a:t>reflexion</a:t>
-            </a:r>
-            <a:r>
-              <a:rPr lang="fr-BE" sz="1200" b="0" i="0" kern="1200" dirty="0" smtClean="0">
-                <a:solidFill>
-                  <a:schemeClr val="tx1"/>
-                </a:solidFill>
-                <a:effectLst/>
-                <a:latin typeface="+mn-lt"/>
-                <a:ea typeface="+mn-ea"/>
-                <a:cs typeface="+mn-cs"/>
-              </a:rPr>
-              <a:t> dépend également de l'orientation des facettes vis à vis de la source.</a:t>
+              <a:t>Tout comme notre exemple précédent sur la lumière ambiante, la composante verte sera principalement réfléchie mais à l'endroit où les normales des facettes sont orientées parallèlement à la direction de la lumière incidente, la couleur réfléchie apparaîtra jaune, couleur de la source. En fait, sur les facettes les plus éclairées, la couleur de la lumière incidente est directement réfléchie (sans absorption par le matériau) tandis que les facettes moins éclairées ne réfléchiront que les couleurs non absorbées par le matériau (tout comme la lumière ambiante).</a:t>
+            </a:r>
+            <a:r>
+              <a:rPr lang="fr-BE" dirty="0" smtClean="0"/>
+              <a:t/>
+            </a:r>
+            <a:br>
+              <a:rPr lang="fr-BE" dirty="0" smtClean="0"/>
+            </a:br>
+            <a:r>
+              <a:rPr lang="fr-BE" sz="1200" b="0" i="0" kern="1200" dirty="0" smtClean="0">
+                <a:solidFill>
+                  <a:schemeClr val="tx1"/>
+                </a:solidFill>
+                <a:effectLst/>
+                <a:latin typeface="+mn-lt"/>
+                <a:ea typeface="+mn-ea"/>
+                <a:cs typeface="+mn-cs"/>
+              </a:rPr>
+              <a:t>C'est le principe d'un matériau contenant une couleur diffuse.</a:t>
             </a:r>
             <a:endParaRPr lang="fr-BE" dirty="0"/>
           </a:p>
@@ -5226,7 +5721,7 @@
           <a:p>
             <a:fld id="{F9B9F26C-5E20-463A-A30E-4B3CD8C634F9}" type="slidenum">
               <a:rPr lang="en-US" smtClean="0"/>
-              <a:t>34</a:t>
+              <a:t>33</a:t>
             </a:fld>
             <a:endParaRPr lang="en-US"/>
           </a:p>
@@ -5235,7 +5730,7 @@
     </p:spTree>
     <p:extLst>
       <p:ext uri="{BB962C8B-B14F-4D97-AF65-F5344CB8AC3E}">
-        <p14:creationId xmlns:p14="http://schemas.microsoft.com/office/powerpoint/2010/main" val="1436590610"/>
+        <p14:creationId xmlns:p14="http://schemas.microsoft.com/office/powerpoint/2010/main" val="3344820825"/>
       </p:ext>
     </p:extLst>
   </p:cSld>
@@ -5290,96 +5785,17 @@
           <a:lstStyle/>
           <a:p>
             <a:r>
-              <a:rPr lang="fr-BE" sz="1200" b="1" i="0" kern="1200" dirty="0" smtClean="0">
-                <a:solidFill>
-                  <a:schemeClr val="tx1"/>
-                </a:solidFill>
-                <a:effectLst/>
-                <a:latin typeface="+mn-lt"/>
-                <a:ea typeface="+mn-ea"/>
-                <a:cs typeface="+mn-cs"/>
-              </a:rPr>
-              <a:t>public </a:t>
-            </a:r>
-            <a:r>
-              <a:rPr lang="fr-BE" sz="1200" b="1" i="0" kern="1200" dirty="0" err="1" smtClean="0">
-                <a:solidFill>
-                  <a:schemeClr val="tx1"/>
-                </a:solidFill>
-                <a:effectLst/>
-                <a:latin typeface="+mn-lt"/>
-                <a:ea typeface="+mn-ea"/>
-                <a:cs typeface="+mn-cs"/>
-              </a:rPr>
-              <a:t>PointLight</a:t>
-            </a:r>
-            <a:r>
-              <a:rPr lang="fr-BE" sz="1200" b="1" i="0" kern="1200" dirty="0" smtClean="0">
-                <a:solidFill>
-                  <a:schemeClr val="tx1"/>
-                </a:solidFill>
-                <a:effectLst/>
-                <a:latin typeface="+mn-lt"/>
-                <a:ea typeface="+mn-ea"/>
-                <a:cs typeface="+mn-cs"/>
-              </a:rPr>
-              <a:t>(Color3f </a:t>
-            </a:r>
-            <a:r>
-              <a:rPr lang="fr-BE" sz="1200" b="1" i="0" kern="1200" dirty="0" err="1" smtClean="0">
-                <a:solidFill>
-                  <a:schemeClr val="tx1"/>
-                </a:solidFill>
-                <a:effectLst/>
-                <a:latin typeface="+mn-lt"/>
-                <a:ea typeface="+mn-ea"/>
-                <a:cs typeface="+mn-cs"/>
-              </a:rPr>
-              <a:t>color</a:t>
-            </a:r>
-            <a:r>
-              <a:rPr lang="fr-BE" sz="1200" b="1" i="0" kern="1200" dirty="0" smtClean="0">
-                <a:solidFill>
-                  <a:schemeClr val="tx1"/>
-                </a:solidFill>
-                <a:effectLst/>
-                <a:latin typeface="+mn-lt"/>
-                <a:ea typeface="+mn-ea"/>
-                <a:cs typeface="+mn-cs"/>
-              </a:rPr>
-              <a:t>, Point3f position, Point3f </a:t>
-            </a:r>
-            <a:r>
-              <a:rPr lang="fr-BE" sz="1200" b="1" i="0" kern="1200" dirty="0" err="1" smtClean="0">
-                <a:solidFill>
-                  <a:schemeClr val="tx1"/>
-                </a:solidFill>
-                <a:effectLst/>
-                <a:latin typeface="+mn-lt"/>
-                <a:ea typeface="+mn-ea"/>
-                <a:cs typeface="+mn-cs"/>
-              </a:rPr>
-              <a:t>attenuation</a:t>
-            </a:r>
-            <a:r>
-              <a:rPr lang="fr-BE" sz="1200" b="1" i="0" kern="1200" dirty="0" smtClean="0">
-                <a:solidFill>
-                  <a:schemeClr val="tx1"/>
-                </a:solidFill>
-                <a:effectLst/>
-                <a:latin typeface="+mn-lt"/>
-                <a:ea typeface="+mn-ea"/>
-                <a:cs typeface="+mn-cs"/>
-              </a:rPr>
-              <a:t>)</a:t>
-            </a:r>
-            <a:r>
-              <a:rPr lang="fr-BE" dirty="0" smtClean="0"/>
-              <a:t/>
-            </a:r>
-            <a:br>
-              <a:rPr lang="fr-BE" dirty="0" smtClean="0"/>
-            </a:br>
+              <a:rPr lang="fr-BE" sz="1200" b="0" i="0" kern="1200" dirty="0" smtClean="0">
+                <a:solidFill>
+                  <a:schemeClr val="tx1"/>
+                </a:solidFill>
+                <a:effectLst/>
+                <a:latin typeface="+mn-lt"/>
+                <a:ea typeface="+mn-ea"/>
+                <a:cs typeface="+mn-cs"/>
+              </a:rPr>
+              <a:t>Cette source rayonne dans toutes les directions à partir d'un point dans l'espace, un peu comme une ampoule. Tout comme une source </a:t>
+            </a:r>
             <a:r>
               <a:rPr lang="fr-BE" sz="1200" b="0" i="0" kern="1200" dirty="0" err="1" smtClean="0">
                 <a:solidFill>
@@ -5390,46 +5806,20 @@
                 <a:ea typeface="+mn-ea"/>
                 <a:cs typeface="+mn-cs"/>
               </a:rPr>
-              <a:t>color</a:t>
-            </a:r>
-            <a:r>
-              <a:rPr lang="fr-BE" sz="1200" b="0" i="0" kern="1200" dirty="0" smtClean="0">
-                <a:solidFill>
-                  <a:schemeClr val="tx1"/>
-                </a:solidFill>
-                <a:effectLst/>
-                <a:latin typeface="+mn-lt"/>
-                <a:ea typeface="+mn-ea"/>
-                <a:cs typeface="+mn-cs"/>
-              </a:rPr>
-              <a:t> représente la lumière de cette source ponctuelle</a:t>
-            </a:r>
-            <a:r>
-              <a:rPr lang="fr-BE" dirty="0" smtClean="0"/>
-              <a:t/>
-            </a:r>
-            <a:br>
-              <a:rPr lang="fr-BE" dirty="0" smtClean="0"/>
-            </a:br>
-            <a:r>
-              <a:rPr lang="fr-BE" sz="1200" b="0" i="0" kern="1200" dirty="0" smtClean="0">
-                <a:solidFill>
-                  <a:schemeClr val="tx1"/>
-                </a:solidFill>
-                <a:effectLst/>
-                <a:latin typeface="+mn-lt"/>
-                <a:ea typeface="+mn-ea"/>
-                <a:cs typeface="+mn-cs"/>
-              </a:rPr>
-              <a:t>position représente la position de la source</a:t>
-            </a:r>
-            <a:r>
-              <a:rPr lang="fr-BE" dirty="0" smtClean="0"/>
-              <a:t/>
-            </a:r>
-            <a:br>
-              <a:rPr lang="fr-BE" dirty="0" smtClean="0"/>
-            </a:br>
+              <a:t>lumieuse</a:t>
+            </a:r>
+            <a:r>
+              <a:rPr lang="fr-BE" sz="1200" b="0" i="0" kern="1200" dirty="0" smtClean="0">
+                <a:solidFill>
+                  <a:schemeClr val="tx1"/>
+                </a:solidFill>
+                <a:effectLst/>
+                <a:latin typeface="+mn-lt"/>
+                <a:ea typeface="+mn-ea"/>
+                <a:cs typeface="+mn-cs"/>
+              </a:rPr>
+              <a:t> unidirectionnelle, ce sont les couleurs de diffusion (</a:t>
+            </a:r>
             <a:r>
               <a:rPr lang="fr-BE" sz="1200" b="0" i="0" kern="1200" dirty="0" err="1" smtClean="0">
                 <a:solidFill>
@@ -5440,19 +5830,19 @@
                 <a:ea typeface="+mn-ea"/>
                 <a:cs typeface="+mn-cs"/>
               </a:rPr>
-              <a:t>attenuation</a:t>
-            </a:r>
-            <a:r>
-              <a:rPr lang="fr-BE" sz="1200" b="0" i="0" kern="1200" dirty="0" smtClean="0">
-                <a:solidFill>
-                  <a:schemeClr val="tx1"/>
-                </a:solidFill>
-                <a:effectLst/>
-                <a:latin typeface="+mn-lt"/>
-                <a:ea typeface="+mn-ea"/>
-                <a:cs typeface="+mn-cs"/>
-              </a:rPr>
-              <a:t> représente l'</a:t>
+              <a:t>diffuseColor</a:t>
+            </a:r>
+            <a:r>
+              <a:rPr lang="fr-BE" sz="1200" b="0" i="0" kern="1200" dirty="0" smtClean="0">
+                <a:solidFill>
+                  <a:schemeClr val="tx1"/>
+                </a:solidFill>
+                <a:effectLst/>
+                <a:latin typeface="+mn-lt"/>
+                <a:ea typeface="+mn-ea"/>
+                <a:cs typeface="+mn-cs"/>
+              </a:rPr>
+              <a:t>) et de </a:t>
             </a:r>
             <a:r>
               <a:rPr lang="fr-BE" sz="1200" b="0" i="0" kern="1200" dirty="0" err="1" smtClean="0">
@@ -5464,19 +5854,19 @@
                 <a:ea typeface="+mn-ea"/>
                 <a:cs typeface="+mn-cs"/>
               </a:rPr>
-              <a:t>attenuation</a:t>
-            </a:r>
-            <a:r>
-              <a:rPr lang="fr-BE" sz="1200" b="0" i="0" kern="1200" dirty="0" smtClean="0">
-                <a:solidFill>
-                  <a:schemeClr val="tx1"/>
-                </a:solidFill>
-                <a:effectLst/>
-                <a:latin typeface="+mn-lt"/>
-                <a:ea typeface="+mn-ea"/>
-                <a:cs typeface="+mn-cs"/>
-              </a:rPr>
-              <a:t> de la source (x = </a:t>
+              <a:t>spécularité</a:t>
+            </a:r>
+            <a:r>
+              <a:rPr lang="fr-BE" sz="1200" b="0" i="0" kern="1200" dirty="0" smtClean="0">
+                <a:solidFill>
+                  <a:schemeClr val="tx1"/>
+                </a:solidFill>
+                <a:effectLst/>
+                <a:latin typeface="+mn-lt"/>
+                <a:ea typeface="+mn-ea"/>
+                <a:cs typeface="+mn-cs"/>
+              </a:rPr>
+              <a:t> (</a:t>
             </a:r>
             <a:r>
               <a:rPr lang="fr-BE" sz="1200" b="0" i="0" kern="1200" dirty="0" err="1" smtClean="0">
@@ -5488,19 +5878,19 @@
                 <a:ea typeface="+mn-ea"/>
                 <a:cs typeface="+mn-cs"/>
               </a:rPr>
-              <a:t>attenuation</a:t>
-            </a:r>
-            <a:r>
-              <a:rPr lang="fr-BE" sz="1200" b="0" i="0" kern="1200" dirty="0" smtClean="0">
-                <a:solidFill>
-                  <a:schemeClr val="tx1"/>
-                </a:solidFill>
-                <a:effectLst/>
-                <a:latin typeface="+mn-lt"/>
-                <a:ea typeface="+mn-ea"/>
-                <a:cs typeface="+mn-cs"/>
-              </a:rPr>
-              <a:t> constante, y = </a:t>
+              <a:t>specularColor</a:t>
+            </a:r>
+            <a:r>
+              <a:rPr lang="fr-BE" sz="1200" b="0" i="0" kern="1200" dirty="0" smtClean="0">
+                <a:solidFill>
+                  <a:schemeClr val="tx1"/>
+                </a:solidFill>
+                <a:effectLst/>
+                <a:latin typeface="+mn-lt"/>
+                <a:ea typeface="+mn-ea"/>
+                <a:cs typeface="+mn-cs"/>
+              </a:rPr>
+              <a:t>) de la classe </a:t>
             </a:r>
             <a:r>
               <a:rPr lang="fr-BE" sz="1200" b="0" i="0" kern="1200" dirty="0" err="1" smtClean="0">
@@ -5512,19 +5902,19 @@
                 <a:ea typeface="+mn-ea"/>
                 <a:cs typeface="+mn-cs"/>
               </a:rPr>
-              <a:t>attenuation</a:t>
-            </a:r>
-            <a:r>
-              <a:rPr lang="fr-BE" sz="1200" b="0" i="0" kern="1200" dirty="0" smtClean="0">
-                <a:solidFill>
-                  <a:schemeClr val="tx1"/>
-                </a:solidFill>
-                <a:effectLst/>
-                <a:latin typeface="+mn-lt"/>
-                <a:ea typeface="+mn-ea"/>
-                <a:cs typeface="+mn-cs"/>
-              </a:rPr>
-              <a:t> linéaire, z = </a:t>
+              <a:t>Material</a:t>
+            </a:r>
+            <a:r>
+              <a:rPr lang="fr-BE" sz="1200" b="0" i="0" kern="1200" dirty="0" smtClean="0">
+                <a:solidFill>
+                  <a:schemeClr val="tx1"/>
+                </a:solidFill>
+                <a:effectLst/>
+                <a:latin typeface="+mn-lt"/>
+                <a:ea typeface="+mn-ea"/>
+                <a:cs typeface="+mn-cs"/>
+              </a:rPr>
+              <a:t> qui réfléchissent cette lumière. Et cette </a:t>
             </a:r>
             <a:r>
               <a:rPr lang="fr-BE" sz="1200" b="0" i="0" kern="1200" dirty="0" err="1" smtClean="0">
@@ -5536,689 +5926,20 @@
                 <a:ea typeface="+mn-ea"/>
                 <a:cs typeface="+mn-cs"/>
               </a:rPr>
-              <a:t>attenuation</a:t>
-            </a:r>
-            <a:r>
-              <a:rPr lang="fr-BE" sz="1200" b="0" i="0" kern="1200" dirty="0" smtClean="0">
-                <a:solidFill>
-                  <a:schemeClr val="tx1"/>
-                </a:solidFill>
-                <a:effectLst/>
-                <a:latin typeface="+mn-lt"/>
-                <a:ea typeface="+mn-ea"/>
-                <a:cs typeface="+mn-cs"/>
-              </a:rPr>
-              <a:t> quadratique).</a:t>
-            </a:r>
-            <a:r>
-              <a:rPr lang="fr-BE" dirty="0" smtClean="0"/>
-              <a:t/>
-            </a:r>
-            <a:br>
-              <a:rPr lang="fr-BE" dirty="0" smtClean="0"/>
-            </a:br>
-            <a:r>
-              <a:rPr lang="fr-BE" sz="1200" b="0" i="0" kern="1200" dirty="0" smtClean="0">
-                <a:solidFill>
-                  <a:schemeClr val="tx1"/>
-                </a:solidFill>
-                <a:effectLst/>
-                <a:latin typeface="+mn-lt"/>
-                <a:ea typeface="+mn-ea"/>
-                <a:cs typeface="+mn-cs"/>
-              </a:rPr>
-              <a:t>L'</a:t>
-            </a:r>
-            <a:r>
-              <a:rPr lang="fr-BE" sz="1200" b="0" i="0" kern="1200" dirty="0" err="1" smtClean="0">
-                <a:solidFill>
-                  <a:schemeClr val="tx1"/>
-                </a:solidFill>
-                <a:effectLst/>
-                <a:latin typeface="+mn-lt"/>
-                <a:ea typeface="+mn-ea"/>
-                <a:cs typeface="+mn-cs"/>
-              </a:rPr>
-              <a:t>attenuation</a:t>
-            </a:r>
-            <a:r>
-              <a:rPr lang="fr-BE" sz="1200" b="0" i="0" kern="1200" dirty="0" smtClean="0">
-                <a:solidFill>
-                  <a:schemeClr val="tx1"/>
-                </a:solidFill>
-                <a:effectLst/>
-                <a:latin typeface="+mn-lt"/>
-                <a:ea typeface="+mn-ea"/>
-                <a:cs typeface="+mn-cs"/>
-              </a:rPr>
-              <a:t> se calcule par la formule : </a:t>
-            </a:r>
-            <a:r>
-              <a:rPr lang="fr-BE" sz="1200" b="0" i="0" kern="1200" dirty="0" err="1" smtClean="0">
-                <a:solidFill>
-                  <a:schemeClr val="tx1"/>
-                </a:solidFill>
-                <a:effectLst/>
-                <a:latin typeface="+mn-lt"/>
-                <a:ea typeface="+mn-ea"/>
-                <a:cs typeface="+mn-cs"/>
-              </a:rPr>
-              <a:t>attenuation</a:t>
-            </a:r>
-            <a:r>
-              <a:rPr lang="fr-BE" sz="1200" b="0" i="0" kern="1200" dirty="0" smtClean="0">
-                <a:solidFill>
-                  <a:schemeClr val="tx1"/>
-                </a:solidFill>
-                <a:effectLst/>
-                <a:latin typeface="+mn-lt"/>
-                <a:ea typeface="+mn-ea"/>
-                <a:cs typeface="+mn-cs"/>
-              </a:rPr>
-              <a:t> = 1 / (x + </a:t>
-            </a:r>
-            <a:r>
-              <a:rPr lang="fr-BE" sz="1200" b="0" i="0" kern="1200" dirty="0" err="1" smtClean="0">
-                <a:solidFill>
-                  <a:schemeClr val="tx1"/>
-                </a:solidFill>
-                <a:effectLst/>
-                <a:latin typeface="+mn-lt"/>
-                <a:ea typeface="+mn-ea"/>
-                <a:cs typeface="+mn-cs"/>
-              </a:rPr>
-              <a:t>yd</a:t>
-            </a:r>
-            <a:r>
-              <a:rPr lang="fr-BE" sz="1200" b="0" i="0" kern="1200" dirty="0" smtClean="0">
-                <a:solidFill>
-                  <a:schemeClr val="tx1"/>
-                </a:solidFill>
-                <a:effectLst/>
-                <a:latin typeface="+mn-lt"/>
-                <a:ea typeface="+mn-ea"/>
-                <a:cs typeface="+mn-cs"/>
-              </a:rPr>
-              <a:t> + zd²) avec d distance entre la position de la source lumineuse et un point de l'objet éclairé</a:t>
-            </a:r>
-          </a:p>
-          <a:p>
-            <a:endParaRPr lang="fr-BE" sz="1200" b="0" i="0" kern="1200" dirty="0" smtClean="0">
-              <a:solidFill>
-                <a:schemeClr val="tx1"/>
-              </a:solidFill>
-              <a:effectLst/>
-              <a:latin typeface="+mn-lt"/>
-              <a:ea typeface="+mn-ea"/>
-              <a:cs typeface="+mn-cs"/>
-            </a:endParaRPr>
-          </a:p>
-          <a:p>
-            <a:endParaRPr lang="fr-BE" sz="1200" b="0" i="0" kern="1200" dirty="0" smtClean="0">
-              <a:solidFill>
-                <a:schemeClr val="tx1"/>
-              </a:solidFill>
-              <a:effectLst/>
-              <a:latin typeface="+mn-lt"/>
-              <a:ea typeface="+mn-ea"/>
-              <a:cs typeface="+mn-cs"/>
-            </a:endParaRPr>
-          </a:p>
-          <a:p>
-            <a:r>
-              <a:rPr lang="fr-BE" sz="1200" b="0" i="0" kern="1200" dirty="0" smtClean="0">
-                <a:solidFill>
-                  <a:schemeClr val="tx1"/>
-                </a:solidFill>
-                <a:effectLst/>
-                <a:latin typeface="+mn-lt"/>
-                <a:ea typeface="+mn-ea"/>
-                <a:cs typeface="+mn-cs"/>
-              </a:rPr>
-              <a:t>. Dans l'exemple que nous allons étudier pour illustrer cette source, nous allons utiliser dans le matériau qui constitue notre objet 3D (toujours une sphère ici) une couleur diffuse rouge et une couleur spéculaire verte.</a:t>
-            </a:r>
-            <a:br>
-              <a:rPr lang="fr-BE" sz="1200" b="0" i="0" kern="1200" dirty="0" smtClean="0">
-                <a:solidFill>
-                  <a:schemeClr val="tx1"/>
-                </a:solidFill>
-                <a:effectLst/>
-                <a:latin typeface="+mn-lt"/>
-                <a:ea typeface="+mn-ea"/>
-                <a:cs typeface="+mn-cs"/>
-              </a:rPr>
-            </a:br>
-            <a:r>
-              <a:rPr lang="fr-BE" sz="1200" b="0" i="0" kern="1200" dirty="0" smtClean="0">
-                <a:solidFill>
-                  <a:schemeClr val="tx1"/>
-                </a:solidFill>
-                <a:effectLst/>
-                <a:latin typeface="+mn-lt"/>
-                <a:ea typeface="+mn-ea"/>
-                <a:cs typeface="+mn-cs"/>
-              </a:rPr>
-              <a:t>Nous allons également jouer sur la brillance </a:t>
-            </a:r>
-            <a:r>
-              <a:rPr lang="fr-BE" sz="1200" b="0" i="1" kern="1200" dirty="0" smtClean="0">
-                <a:solidFill>
-                  <a:schemeClr val="tx1"/>
-                </a:solidFill>
-                <a:effectLst/>
-                <a:latin typeface="+mn-lt"/>
-                <a:ea typeface="+mn-ea"/>
-                <a:cs typeface="+mn-cs"/>
-              </a:rPr>
-              <a:t>(</a:t>
-            </a:r>
-            <a:r>
-              <a:rPr lang="fr-BE" sz="1200" b="0" i="1" kern="1200" dirty="0" err="1" smtClean="0">
-                <a:solidFill>
-                  <a:schemeClr val="tx1"/>
-                </a:solidFill>
-                <a:effectLst/>
-                <a:latin typeface="+mn-lt"/>
-                <a:ea typeface="+mn-ea"/>
-                <a:cs typeface="+mn-cs"/>
-              </a:rPr>
-              <a:t>shininess</a:t>
-            </a:r>
-            <a:r>
-              <a:rPr lang="fr-BE" sz="1200" b="0" i="1" kern="1200" dirty="0" smtClean="0">
-                <a:solidFill>
-                  <a:schemeClr val="tx1"/>
-                </a:solidFill>
-                <a:effectLst/>
-                <a:latin typeface="+mn-lt"/>
-                <a:ea typeface="+mn-ea"/>
-                <a:cs typeface="+mn-cs"/>
-              </a:rPr>
-              <a:t>)</a:t>
-            </a:r>
-            <a:r>
-              <a:rPr lang="fr-BE" sz="1200" b="0" i="0" kern="1200" dirty="0" smtClean="0">
-                <a:solidFill>
-                  <a:schemeClr val="tx1"/>
-                </a:solidFill>
-                <a:effectLst/>
-                <a:latin typeface="+mn-lt"/>
-                <a:ea typeface="+mn-ea"/>
-                <a:cs typeface="+mn-cs"/>
-              </a:rPr>
-              <a:t> du matériau.</a:t>
-            </a:r>
-            <a:br>
-              <a:rPr lang="fr-BE" sz="1200" b="0" i="0" kern="1200" dirty="0" smtClean="0">
-                <a:solidFill>
-                  <a:schemeClr val="tx1"/>
-                </a:solidFill>
-                <a:effectLst/>
-                <a:latin typeface="+mn-lt"/>
-                <a:ea typeface="+mn-ea"/>
-                <a:cs typeface="+mn-cs"/>
-              </a:rPr>
-            </a:br>
-            <a:r>
-              <a:rPr lang="fr-BE" sz="1200" b="0" i="0" kern="1200" dirty="0" smtClean="0">
-                <a:solidFill>
-                  <a:schemeClr val="tx1"/>
-                </a:solidFill>
-                <a:effectLst/>
-                <a:latin typeface="+mn-lt"/>
-                <a:ea typeface="+mn-ea"/>
-                <a:cs typeface="+mn-cs"/>
-              </a:rPr>
-              <a:t>Pour introduire une couleur spéculaire à notre matériau, il suffit d'utiliser la méthode </a:t>
-            </a:r>
-            <a:r>
-              <a:rPr lang="fr-BE" sz="1200" b="0" i="0" kern="1200" dirty="0" err="1" smtClean="0">
-                <a:solidFill>
-                  <a:schemeClr val="tx1"/>
-                </a:solidFill>
-                <a:effectLst/>
-                <a:latin typeface="+mn-lt"/>
-                <a:ea typeface="+mn-ea"/>
-                <a:cs typeface="+mn-cs"/>
-              </a:rPr>
-              <a:t>setSpecularColor</a:t>
-            </a:r>
-            <a:r>
-              <a:rPr lang="fr-BE" sz="1200" b="0" i="0" kern="1200" dirty="0" smtClean="0">
-                <a:solidFill>
-                  <a:schemeClr val="tx1"/>
-                </a:solidFill>
-                <a:effectLst/>
-                <a:latin typeface="+mn-lt"/>
-                <a:ea typeface="+mn-ea"/>
-                <a:cs typeface="+mn-cs"/>
-              </a:rPr>
-              <a:t>() de la classe </a:t>
-            </a:r>
-            <a:r>
-              <a:rPr lang="fr-BE" sz="1200" b="0" i="0" kern="1200" dirty="0" err="1" smtClean="0">
-                <a:solidFill>
-                  <a:schemeClr val="tx1"/>
-                </a:solidFill>
-                <a:effectLst/>
-                <a:latin typeface="+mn-lt"/>
-                <a:ea typeface="+mn-ea"/>
-                <a:cs typeface="+mn-cs"/>
-              </a:rPr>
-              <a:t>Material</a:t>
-            </a:r>
-            <a:r>
-              <a:rPr lang="fr-BE" sz="1200" b="0" i="0" kern="1200" dirty="0" smtClean="0">
-                <a:solidFill>
-                  <a:schemeClr val="tx1"/>
-                </a:solidFill>
-                <a:effectLst/>
-                <a:latin typeface="+mn-lt"/>
-                <a:ea typeface="+mn-ea"/>
-                <a:cs typeface="+mn-cs"/>
-              </a:rPr>
-              <a:t> :</a:t>
-            </a:r>
-          </a:p>
-          <a:p>
-            <a:r>
-              <a:rPr lang="fr-BE" sz="1200" b="1" i="0" kern="1200" dirty="0" smtClean="0">
-                <a:solidFill>
-                  <a:schemeClr val="tx1"/>
-                </a:solidFill>
-                <a:effectLst/>
-                <a:latin typeface="+mn-lt"/>
-                <a:ea typeface="+mn-ea"/>
-                <a:cs typeface="+mn-cs"/>
-              </a:rPr>
-              <a:t>public </a:t>
-            </a:r>
-            <a:r>
-              <a:rPr lang="fr-BE" sz="1200" b="1" i="0" kern="1200" dirty="0" err="1" smtClean="0">
-                <a:solidFill>
-                  <a:schemeClr val="tx1"/>
-                </a:solidFill>
-                <a:effectLst/>
-                <a:latin typeface="+mn-lt"/>
-                <a:ea typeface="+mn-ea"/>
-                <a:cs typeface="+mn-cs"/>
-              </a:rPr>
-              <a:t>void</a:t>
-            </a:r>
-            <a:r>
-              <a:rPr lang="fr-BE" sz="1200" b="1" i="0" kern="1200" dirty="0" smtClean="0">
-                <a:solidFill>
-                  <a:schemeClr val="tx1"/>
-                </a:solidFill>
-                <a:effectLst/>
-                <a:latin typeface="+mn-lt"/>
-                <a:ea typeface="+mn-ea"/>
-                <a:cs typeface="+mn-cs"/>
-              </a:rPr>
-              <a:t> </a:t>
-            </a:r>
-            <a:r>
-              <a:rPr lang="fr-BE" sz="1200" b="1" i="0" kern="1200" dirty="0" err="1" smtClean="0">
-                <a:solidFill>
-                  <a:schemeClr val="tx1"/>
-                </a:solidFill>
-                <a:effectLst/>
-                <a:latin typeface="+mn-lt"/>
-                <a:ea typeface="+mn-ea"/>
-                <a:cs typeface="+mn-cs"/>
-              </a:rPr>
-              <a:t>setSpecularColor</a:t>
-            </a:r>
-            <a:r>
-              <a:rPr lang="fr-BE" sz="1200" b="1" i="0" kern="1200" dirty="0" smtClean="0">
-                <a:solidFill>
-                  <a:schemeClr val="tx1"/>
-                </a:solidFill>
-                <a:effectLst/>
-                <a:latin typeface="+mn-lt"/>
-                <a:ea typeface="+mn-ea"/>
-                <a:cs typeface="+mn-cs"/>
-              </a:rPr>
-              <a:t>(Color3f </a:t>
-            </a:r>
-            <a:r>
-              <a:rPr lang="fr-BE" sz="1200" b="1" i="0" kern="1200" dirty="0" err="1" smtClean="0">
-                <a:solidFill>
-                  <a:schemeClr val="tx1"/>
-                </a:solidFill>
-                <a:effectLst/>
-                <a:latin typeface="+mn-lt"/>
-                <a:ea typeface="+mn-ea"/>
-                <a:cs typeface="+mn-cs"/>
-              </a:rPr>
-              <a:t>color</a:t>
-            </a:r>
-            <a:r>
-              <a:rPr lang="fr-BE" sz="1200" b="1" i="0" kern="1200" dirty="0" smtClean="0">
-                <a:solidFill>
-                  <a:schemeClr val="tx1"/>
-                </a:solidFill>
-                <a:effectLst/>
-                <a:latin typeface="+mn-lt"/>
-                <a:ea typeface="+mn-ea"/>
-                <a:cs typeface="+mn-cs"/>
-              </a:rPr>
-              <a:t>)</a:t>
-            </a:r>
-            <a:r>
-              <a:rPr lang="fr-BE" sz="1200" b="0" i="0" kern="1200" dirty="0" smtClean="0">
-                <a:solidFill>
-                  <a:schemeClr val="tx1"/>
-                </a:solidFill>
-                <a:effectLst/>
-                <a:latin typeface="+mn-lt"/>
-                <a:ea typeface="+mn-ea"/>
-                <a:cs typeface="+mn-cs"/>
-              </a:rPr>
-              <a:t/>
-            </a:r>
-            <a:br>
-              <a:rPr lang="fr-BE" sz="1200" b="0" i="0" kern="1200" dirty="0" smtClean="0">
-                <a:solidFill>
-                  <a:schemeClr val="tx1"/>
-                </a:solidFill>
-                <a:effectLst/>
-                <a:latin typeface="+mn-lt"/>
-                <a:ea typeface="+mn-ea"/>
-                <a:cs typeface="+mn-cs"/>
-              </a:rPr>
-            </a:br>
-            <a:r>
-              <a:rPr lang="fr-BE" sz="1200" b="0" i="0" kern="1200" dirty="0" err="1" smtClean="0">
-                <a:solidFill>
-                  <a:schemeClr val="tx1"/>
-                </a:solidFill>
-                <a:effectLst/>
-                <a:latin typeface="+mn-lt"/>
-                <a:ea typeface="+mn-ea"/>
-                <a:cs typeface="+mn-cs"/>
-              </a:rPr>
-              <a:t>color</a:t>
-            </a:r>
-            <a:r>
-              <a:rPr lang="fr-BE" sz="1200" b="0" i="0" kern="1200" dirty="0" smtClean="0">
-                <a:solidFill>
-                  <a:schemeClr val="tx1"/>
-                </a:solidFill>
-                <a:effectLst/>
-                <a:latin typeface="+mn-lt"/>
-                <a:ea typeface="+mn-ea"/>
-                <a:cs typeface="+mn-cs"/>
-              </a:rPr>
-              <a:t> est la couleur spéculaire du matériau.</a:t>
-            </a:r>
-          </a:p>
-          <a:p>
-            <a:r>
-              <a:rPr lang="fr-BE" sz="1200" b="0" i="0" kern="1200" dirty="0" smtClean="0">
-                <a:solidFill>
-                  <a:schemeClr val="tx1"/>
-                </a:solidFill>
-                <a:effectLst/>
-                <a:latin typeface="+mn-lt"/>
-                <a:ea typeface="+mn-ea"/>
-                <a:cs typeface="+mn-cs"/>
-              </a:rPr>
-              <a:t>La brillance d'un matériau peut être modifiée grâce à la méthode </a:t>
-            </a:r>
-            <a:r>
-              <a:rPr lang="fr-BE" sz="1200" b="0" i="0" kern="1200" dirty="0" err="1" smtClean="0">
-                <a:solidFill>
-                  <a:schemeClr val="tx1"/>
-                </a:solidFill>
-                <a:effectLst/>
-                <a:latin typeface="+mn-lt"/>
-                <a:ea typeface="+mn-ea"/>
-                <a:cs typeface="+mn-cs"/>
-              </a:rPr>
-              <a:t>setShininess</a:t>
-            </a:r>
-            <a:r>
-              <a:rPr lang="fr-BE" sz="1200" b="0" i="0" kern="1200" dirty="0" smtClean="0">
-                <a:solidFill>
-                  <a:schemeClr val="tx1"/>
-                </a:solidFill>
-                <a:effectLst/>
-                <a:latin typeface="+mn-lt"/>
-                <a:ea typeface="+mn-ea"/>
-                <a:cs typeface="+mn-cs"/>
-              </a:rPr>
-              <a:t>() de la classe </a:t>
-            </a:r>
-            <a:r>
-              <a:rPr lang="fr-BE" sz="1200" b="0" i="0" kern="1200" dirty="0" err="1" smtClean="0">
-                <a:solidFill>
-                  <a:schemeClr val="tx1"/>
-                </a:solidFill>
-                <a:effectLst/>
-                <a:latin typeface="+mn-lt"/>
-                <a:ea typeface="+mn-ea"/>
-                <a:cs typeface="+mn-cs"/>
-              </a:rPr>
-              <a:t>Material</a:t>
-            </a:r>
-            <a:r>
-              <a:rPr lang="fr-BE" sz="1200" b="0" i="0" kern="1200" dirty="0" smtClean="0">
-                <a:solidFill>
-                  <a:schemeClr val="tx1"/>
-                </a:solidFill>
-                <a:effectLst/>
-                <a:latin typeface="+mn-lt"/>
-                <a:ea typeface="+mn-ea"/>
-                <a:cs typeface="+mn-cs"/>
-              </a:rPr>
-              <a:t> :</a:t>
-            </a:r>
-          </a:p>
-          <a:p>
-            <a:r>
-              <a:rPr lang="fr-BE" sz="1200" b="1" i="0" kern="1200" dirty="0" smtClean="0">
-                <a:solidFill>
-                  <a:schemeClr val="tx1"/>
-                </a:solidFill>
-                <a:effectLst/>
-                <a:latin typeface="+mn-lt"/>
-                <a:ea typeface="+mn-ea"/>
-                <a:cs typeface="+mn-cs"/>
-              </a:rPr>
-              <a:t>public </a:t>
-            </a:r>
-            <a:r>
-              <a:rPr lang="fr-BE" sz="1200" b="1" i="0" kern="1200" dirty="0" err="1" smtClean="0">
-                <a:solidFill>
-                  <a:schemeClr val="tx1"/>
-                </a:solidFill>
-                <a:effectLst/>
-                <a:latin typeface="+mn-lt"/>
-                <a:ea typeface="+mn-ea"/>
-                <a:cs typeface="+mn-cs"/>
-              </a:rPr>
-              <a:t>void</a:t>
-            </a:r>
-            <a:r>
-              <a:rPr lang="fr-BE" sz="1200" b="1" i="0" kern="1200" dirty="0" smtClean="0">
-                <a:solidFill>
-                  <a:schemeClr val="tx1"/>
-                </a:solidFill>
-                <a:effectLst/>
-                <a:latin typeface="+mn-lt"/>
-                <a:ea typeface="+mn-ea"/>
-                <a:cs typeface="+mn-cs"/>
-              </a:rPr>
-              <a:t> </a:t>
-            </a:r>
-            <a:r>
-              <a:rPr lang="fr-BE" sz="1200" b="1" i="0" kern="1200" dirty="0" err="1" smtClean="0">
-                <a:solidFill>
-                  <a:schemeClr val="tx1"/>
-                </a:solidFill>
-                <a:effectLst/>
-                <a:latin typeface="+mn-lt"/>
-                <a:ea typeface="+mn-ea"/>
-                <a:cs typeface="+mn-cs"/>
-              </a:rPr>
-              <a:t>setShininess</a:t>
-            </a:r>
-            <a:r>
-              <a:rPr lang="fr-BE" sz="1200" b="1" i="0" kern="1200" dirty="0" smtClean="0">
-                <a:solidFill>
-                  <a:schemeClr val="tx1"/>
-                </a:solidFill>
-                <a:effectLst/>
-                <a:latin typeface="+mn-lt"/>
-                <a:ea typeface="+mn-ea"/>
-                <a:cs typeface="+mn-cs"/>
-              </a:rPr>
-              <a:t>(</a:t>
-            </a:r>
-            <a:r>
-              <a:rPr lang="fr-BE" sz="1200" b="1" i="0" kern="1200" dirty="0" err="1" smtClean="0">
-                <a:solidFill>
-                  <a:schemeClr val="tx1"/>
-                </a:solidFill>
-                <a:effectLst/>
-                <a:latin typeface="+mn-lt"/>
-                <a:ea typeface="+mn-ea"/>
-                <a:cs typeface="+mn-cs"/>
-              </a:rPr>
-              <a:t>int</a:t>
-            </a:r>
-            <a:r>
-              <a:rPr lang="fr-BE" sz="1200" b="1" i="0" kern="1200" dirty="0" smtClean="0">
-                <a:solidFill>
-                  <a:schemeClr val="tx1"/>
-                </a:solidFill>
-                <a:effectLst/>
-                <a:latin typeface="+mn-lt"/>
-                <a:ea typeface="+mn-ea"/>
-                <a:cs typeface="+mn-cs"/>
-              </a:rPr>
-              <a:t> </a:t>
-            </a:r>
-            <a:r>
-              <a:rPr lang="fr-BE" sz="1200" b="1" i="0" kern="1200" dirty="0" err="1" smtClean="0">
-                <a:solidFill>
-                  <a:schemeClr val="tx1"/>
-                </a:solidFill>
-                <a:effectLst/>
-                <a:latin typeface="+mn-lt"/>
-                <a:ea typeface="+mn-ea"/>
-                <a:cs typeface="+mn-cs"/>
-              </a:rPr>
-              <a:t>shininess</a:t>
-            </a:r>
-            <a:r>
-              <a:rPr lang="fr-BE" sz="1200" b="1" i="0" kern="1200" dirty="0" smtClean="0">
-                <a:solidFill>
-                  <a:schemeClr val="tx1"/>
-                </a:solidFill>
-                <a:effectLst/>
-                <a:latin typeface="+mn-lt"/>
-                <a:ea typeface="+mn-ea"/>
-                <a:cs typeface="+mn-cs"/>
-              </a:rPr>
-              <a:t>)</a:t>
-            </a:r>
-            <a:r>
-              <a:rPr lang="fr-BE" sz="1200" b="0" i="0" kern="1200" dirty="0" smtClean="0">
-                <a:solidFill>
-                  <a:schemeClr val="tx1"/>
-                </a:solidFill>
-                <a:effectLst/>
-                <a:latin typeface="+mn-lt"/>
-                <a:ea typeface="+mn-ea"/>
-                <a:cs typeface="+mn-cs"/>
-              </a:rPr>
-              <a:t/>
-            </a:r>
-            <a:br>
-              <a:rPr lang="fr-BE" sz="1200" b="0" i="0" kern="1200" dirty="0" smtClean="0">
-                <a:solidFill>
-                  <a:schemeClr val="tx1"/>
-                </a:solidFill>
-                <a:effectLst/>
-                <a:latin typeface="+mn-lt"/>
-                <a:ea typeface="+mn-ea"/>
-                <a:cs typeface="+mn-cs"/>
-              </a:rPr>
-            </a:br>
-            <a:r>
-              <a:rPr lang="fr-BE" sz="1200" b="0" i="0" kern="1200" dirty="0" err="1" smtClean="0">
-                <a:solidFill>
-                  <a:schemeClr val="tx1"/>
-                </a:solidFill>
-                <a:effectLst/>
-                <a:latin typeface="+mn-lt"/>
-                <a:ea typeface="+mn-ea"/>
-                <a:cs typeface="+mn-cs"/>
-              </a:rPr>
-              <a:t>shininess</a:t>
-            </a:r>
-            <a:r>
-              <a:rPr lang="fr-BE" sz="1200" b="0" i="0" kern="1200" dirty="0" smtClean="0">
-                <a:solidFill>
-                  <a:schemeClr val="tx1"/>
-                </a:solidFill>
-                <a:effectLst/>
-                <a:latin typeface="+mn-lt"/>
-                <a:ea typeface="+mn-ea"/>
-                <a:cs typeface="+mn-cs"/>
-              </a:rPr>
-              <a:t> est la brillance su matériau. La brillance peut varier entre 1 (peu brillant) et 128 (très brillant)</a:t>
-            </a:r>
-            <a:br>
-              <a:rPr lang="fr-BE" sz="1200" b="0" i="0" kern="1200" dirty="0" smtClean="0">
-                <a:solidFill>
-                  <a:schemeClr val="tx1"/>
-                </a:solidFill>
-                <a:effectLst/>
-                <a:latin typeface="+mn-lt"/>
-                <a:ea typeface="+mn-ea"/>
-                <a:cs typeface="+mn-cs"/>
-              </a:rPr>
-            </a:br>
-            <a:r>
-              <a:rPr lang="fr-BE" sz="1200" b="0" i="0" kern="1200" dirty="0" smtClean="0">
-                <a:solidFill>
-                  <a:schemeClr val="tx1"/>
-                </a:solidFill>
-                <a:effectLst/>
-                <a:latin typeface="+mn-lt"/>
-                <a:ea typeface="+mn-ea"/>
-                <a:cs typeface="+mn-cs"/>
-              </a:rPr>
-              <a:t>La valeur par défaut est de 64.</a:t>
-            </a:r>
-            <a:br>
-              <a:rPr lang="fr-BE" sz="1200" b="0" i="0" kern="1200" dirty="0" smtClean="0">
-                <a:solidFill>
-                  <a:schemeClr val="tx1"/>
-                </a:solidFill>
-                <a:effectLst/>
-                <a:latin typeface="+mn-lt"/>
-                <a:ea typeface="+mn-ea"/>
-                <a:cs typeface="+mn-cs"/>
-              </a:rPr>
-            </a:br>
-            <a:r>
-              <a:rPr lang="fr-BE" sz="1200" b="0" i="0" kern="1200" dirty="0" smtClean="0">
-                <a:solidFill>
-                  <a:schemeClr val="tx1"/>
-                </a:solidFill>
-                <a:effectLst/>
-                <a:latin typeface="+mn-lt"/>
-                <a:ea typeface="+mn-ea"/>
-                <a:cs typeface="+mn-cs"/>
-              </a:rPr>
-              <a:t>Concrètement, on va voir que notre exemple que plus on diminue la brillance et moins le halo représentant l'impact de la source lumineuse ponctuelle sera net.</a:t>
-            </a:r>
-          </a:p>
-          <a:p>
+              <a:t>reflexion</a:t>
+            </a:r>
+            <a:r>
+              <a:rPr lang="fr-BE" sz="1200" b="0" i="0" kern="1200" dirty="0" smtClean="0">
+                <a:solidFill>
+                  <a:schemeClr val="tx1"/>
+                </a:solidFill>
+                <a:effectLst/>
+                <a:latin typeface="+mn-lt"/>
+                <a:ea typeface="+mn-ea"/>
+                <a:cs typeface="+mn-cs"/>
+              </a:rPr>
+              <a:t> dépend également de l'orientation des facettes vis à vis de la source.</a:t>
+            </a:r>
             <a:endParaRPr lang="fr-BE" dirty="0"/>
           </a:p>
         </p:txBody>
@@ -6240,7 +5961,7 @@
           <a:p>
             <a:fld id="{F9B9F26C-5E20-463A-A30E-4B3CD8C634F9}" type="slidenum">
               <a:rPr lang="en-US" smtClean="0"/>
-              <a:t>35</a:t>
+              <a:t>34</a:t>
             </a:fld>
             <a:endParaRPr lang="en-US"/>
           </a:p>
@@ -6249,7 +5970,7 @@
     </p:spTree>
     <p:extLst>
       <p:ext uri="{BB962C8B-B14F-4D97-AF65-F5344CB8AC3E}">
-        <p14:creationId xmlns:p14="http://schemas.microsoft.com/office/powerpoint/2010/main" val="672543619"/>
+        <p14:creationId xmlns:p14="http://schemas.microsoft.com/office/powerpoint/2010/main" val="1436590610"/>
       </p:ext>
     </p:extLst>
   </p:cSld>
@@ -6278,7 +5999,7 @@
       </p:grpSpPr>
       <p:sp>
         <p:nvSpPr>
-          <p:cNvPr id="2" name="Slide Image Placeholder 1"/>
+          <p:cNvPr id="2" name="Espace réservé de l'image des diapositives 1"/>
           <p:cNvSpPr>
             <a:spLocks noGrp="1" noRot="1" noChangeAspect="1"/>
           </p:cNvSpPr>
@@ -6290,7 +6011,7 @@
       </p:sp>
       <p:sp>
         <p:nvSpPr>
-          <p:cNvPr id="3" name="Notes Placeholder 2"/>
+          <p:cNvPr id="3" name="Espace réservé des commentaires 2"/>
           <p:cNvSpPr>
             <a:spLocks noGrp="1"/>
           </p:cNvSpPr>
@@ -6304,20 +6025,942 @@
           <a:lstStyle/>
           <a:p>
             <a:r>
-              <a:rPr lang="fr-BE" dirty="0" smtClean="0"/>
-              <a:t>On passe à un</a:t>
-            </a:r>
-            <a:r>
-              <a:rPr lang="fr-BE" baseline="0" dirty="0" smtClean="0"/>
-              <a:t> objet Light le TransformGroup auquel l’éclairage s’applique</a:t>
-            </a:r>
+              <a:rPr lang="fr-BE" sz="1200" b="1" i="0" kern="1200" dirty="0" smtClean="0">
+                <a:solidFill>
+                  <a:schemeClr val="tx1"/>
+                </a:solidFill>
+                <a:effectLst/>
+                <a:latin typeface="+mn-lt"/>
+                <a:ea typeface="+mn-ea"/>
+                <a:cs typeface="+mn-cs"/>
+              </a:rPr>
+              <a:t>public </a:t>
+            </a:r>
+            <a:r>
+              <a:rPr lang="fr-BE" sz="1200" b="1" i="0" kern="1200" dirty="0" err="1" smtClean="0">
+                <a:solidFill>
+                  <a:schemeClr val="tx1"/>
+                </a:solidFill>
+                <a:effectLst/>
+                <a:latin typeface="+mn-lt"/>
+                <a:ea typeface="+mn-ea"/>
+                <a:cs typeface="+mn-cs"/>
+              </a:rPr>
+              <a:t>PointLight</a:t>
+            </a:r>
+            <a:r>
+              <a:rPr lang="fr-BE" sz="1200" b="1" i="0" kern="1200" dirty="0" smtClean="0">
+                <a:solidFill>
+                  <a:schemeClr val="tx1"/>
+                </a:solidFill>
+                <a:effectLst/>
+                <a:latin typeface="+mn-lt"/>
+                <a:ea typeface="+mn-ea"/>
+                <a:cs typeface="+mn-cs"/>
+              </a:rPr>
+              <a:t>(Color3f </a:t>
+            </a:r>
+            <a:r>
+              <a:rPr lang="fr-BE" sz="1200" b="1" i="0" kern="1200" dirty="0" err="1" smtClean="0">
+                <a:solidFill>
+                  <a:schemeClr val="tx1"/>
+                </a:solidFill>
+                <a:effectLst/>
+                <a:latin typeface="+mn-lt"/>
+                <a:ea typeface="+mn-ea"/>
+                <a:cs typeface="+mn-cs"/>
+              </a:rPr>
+              <a:t>color</a:t>
+            </a:r>
+            <a:r>
+              <a:rPr lang="fr-BE" sz="1200" b="1" i="0" kern="1200" dirty="0" smtClean="0">
+                <a:solidFill>
+                  <a:schemeClr val="tx1"/>
+                </a:solidFill>
+                <a:effectLst/>
+                <a:latin typeface="+mn-lt"/>
+                <a:ea typeface="+mn-ea"/>
+                <a:cs typeface="+mn-cs"/>
+              </a:rPr>
+              <a:t>, Point3f position, Point3f </a:t>
+            </a:r>
+            <a:r>
+              <a:rPr lang="fr-BE" sz="1200" b="1" i="0" kern="1200" dirty="0" err="1" smtClean="0">
+                <a:solidFill>
+                  <a:schemeClr val="tx1"/>
+                </a:solidFill>
+                <a:effectLst/>
+                <a:latin typeface="+mn-lt"/>
+                <a:ea typeface="+mn-ea"/>
+                <a:cs typeface="+mn-cs"/>
+              </a:rPr>
+              <a:t>attenuation</a:t>
+            </a:r>
+            <a:r>
+              <a:rPr lang="fr-BE" sz="1200" b="1" i="0" kern="1200" dirty="0" smtClean="0">
+                <a:solidFill>
+                  <a:schemeClr val="tx1"/>
+                </a:solidFill>
+                <a:effectLst/>
+                <a:latin typeface="+mn-lt"/>
+                <a:ea typeface="+mn-ea"/>
+                <a:cs typeface="+mn-cs"/>
+              </a:rPr>
+              <a:t>)</a:t>
+            </a:r>
+            <a:r>
+              <a:rPr lang="fr-BE" dirty="0" smtClean="0"/>
+              <a:t/>
+            </a:r>
+            <a:br>
+              <a:rPr lang="fr-BE" dirty="0" smtClean="0"/>
+            </a:br>
+            <a:r>
+              <a:rPr lang="fr-BE" sz="1200" b="0" i="0" kern="1200" dirty="0" err="1" smtClean="0">
+                <a:solidFill>
+                  <a:schemeClr val="tx1"/>
+                </a:solidFill>
+                <a:effectLst/>
+                <a:latin typeface="+mn-lt"/>
+                <a:ea typeface="+mn-ea"/>
+                <a:cs typeface="+mn-cs"/>
+              </a:rPr>
+              <a:t>color</a:t>
+            </a:r>
+            <a:r>
+              <a:rPr lang="fr-BE" sz="1200" b="0" i="0" kern="1200" dirty="0" smtClean="0">
+                <a:solidFill>
+                  <a:schemeClr val="tx1"/>
+                </a:solidFill>
+                <a:effectLst/>
+                <a:latin typeface="+mn-lt"/>
+                <a:ea typeface="+mn-ea"/>
+                <a:cs typeface="+mn-cs"/>
+              </a:rPr>
+              <a:t> représente la lumière de cette source ponctuelle</a:t>
+            </a:r>
+            <a:r>
+              <a:rPr lang="fr-BE" dirty="0" smtClean="0"/>
+              <a:t/>
+            </a:r>
+            <a:br>
+              <a:rPr lang="fr-BE" dirty="0" smtClean="0"/>
+            </a:br>
+            <a:r>
+              <a:rPr lang="fr-BE" sz="1200" b="0" i="0" kern="1200" dirty="0" smtClean="0">
+                <a:solidFill>
+                  <a:schemeClr val="tx1"/>
+                </a:solidFill>
+                <a:effectLst/>
+                <a:latin typeface="+mn-lt"/>
+                <a:ea typeface="+mn-ea"/>
+                <a:cs typeface="+mn-cs"/>
+              </a:rPr>
+              <a:t>position représente la position de la source</a:t>
+            </a:r>
+            <a:r>
+              <a:rPr lang="fr-BE" dirty="0" smtClean="0"/>
+              <a:t/>
+            </a:r>
+            <a:br>
+              <a:rPr lang="fr-BE" dirty="0" smtClean="0"/>
+            </a:br>
+            <a:r>
+              <a:rPr lang="fr-BE" sz="1200" b="0" i="0" kern="1200" dirty="0" err="1" smtClean="0">
+                <a:solidFill>
+                  <a:schemeClr val="tx1"/>
+                </a:solidFill>
+                <a:effectLst/>
+                <a:latin typeface="+mn-lt"/>
+                <a:ea typeface="+mn-ea"/>
+                <a:cs typeface="+mn-cs"/>
+              </a:rPr>
+              <a:t>attenuation</a:t>
+            </a:r>
+            <a:r>
+              <a:rPr lang="fr-BE" sz="1200" b="0" i="0" kern="1200" dirty="0" smtClean="0">
+                <a:solidFill>
+                  <a:schemeClr val="tx1"/>
+                </a:solidFill>
+                <a:effectLst/>
+                <a:latin typeface="+mn-lt"/>
+                <a:ea typeface="+mn-ea"/>
+                <a:cs typeface="+mn-cs"/>
+              </a:rPr>
+              <a:t> représente l'</a:t>
+            </a:r>
+            <a:r>
+              <a:rPr lang="fr-BE" sz="1200" b="0" i="0" kern="1200" dirty="0" err="1" smtClean="0">
+                <a:solidFill>
+                  <a:schemeClr val="tx1"/>
+                </a:solidFill>
+                <a:effectLst/>
+                <a:latin typeface="+mn-lt"/>
+                <a:ea typeface="+mn-ea"/>
+                <a:cs typeface="+mn-cs"/>
+              </a:rPr>
+              <a:t>attenuation</a:t>
+            </a:r>
+            <a:r>
+              <a:rPr lang="fr-BE" sz="1200" b="0" i="0" kern="1200" dirty="0" smtClean="0">
+                <a:solidFill>
+                  <a:schemeClr val="tx1"/>
+                </a:solidFill>
+                <a:effectLst/>
+                <a:latin typeface="+mn-lt"/>
+                <a:ea typeface="+mn-ea"/>
+                <a:cs typeface="+mn-cs"/>
+              </a:rPr>
+              <a:t> de la source (x = </a:t>
+            </a:r>
+            <a:r>
+              <a:rPr lang="fr-BE" sz="1200" b="0" i="0" kern="1200" dirty="0" err="1" smtClean="0">
+                <a:solidFill>
+                  <a:schemeClr val="tx1"/>
+                </a:solidFill>
+                <a:effectLst/>
+                <a:latin typeface="+mn-lt"/>
+                <a:ea typeface="+mn-ea"/>
+                <a:cs typeface="+mn-cs"/>
+              </a:rPr>
+              <a:t>attenuation</a:t>
+            </a:r>
+            <a:r>
+              <a:rPr lang="fr-BE" sz="1200" b="0" i="0" kern="1200" dirty="0" smtClean="0">
+                <a:solidFill>
+                  <a:schemeClr val="tx1"/>
+                </a:solidFill>
+                <a:effectLst/>
+                <a:latin typeface="+mn-lt"/>
+                <a:ea typeface="+mn-ea"/>
+                <a:cs typeface="+mn-cs"/>
+              </a:rPr>
+              <a:t> constante, y = </a:t>
+            </a:r>
+            <a:r>
+              <a:rPr lang="fr-BE" sz="1200" b="0" i="0" kern="1200" dirty="0" err="1" smtClean="0">
+                <a:solidFill>
+                  <a:schemeClr val="tx1"/>
+                </a:solidFill>
+                <a:effectLst/>
+                <a:latin typeface="+mn-lt"/>
+                <a:ea typeface="+mn-ea"/>
+                <a:cs typeface="+mn-cs"/>
+              </a:rPr>
+              <a:t>attenuation</a:t>
+            </a:r>
+            <a:r>
+              <a:rPr lang="fr-BE" sz="1200" b="0" i="0" kern="1200" dirty="0" smtClean="0">
+                <a:solidFill>
+                  <a:schemeClr val="tx1"/>
+                </a:solidFill>
+                <a:effectLst/>
+                <a:latin typeface="+mn-lt"/>
+                <a:ea typeface="+mn-ea"/>
+                <a:cs typeface="+mn-cs"/>
+              </a:rPr>
+              <a:t> linéaire, z = </a:t>
+            </a:r>
+            <a:r>
+              <a:rPr lang="fr-BE" sz="1200" b="0" i="0" kern="1200" dirty="0" err="1" smtClean="0">
+                <a:solidFill>
+                  <a:schemeClr val="tx1"/>
+                </a:solidFill>
+                <a:effectLst/>
+                <a:latin typeface="+mn-lt"/>
+                <a:ea typeface="+mn-ea"/>
+                <a:cs typeface="+mn-cs"/>
+              </a:rPr>
+              <a:t>attenuation</a:t>
+            </a:r>
+            <a:r>
+              <a:rPr lang="fr-BE" sz="1200" b="0" i="0" kern="1200" dirty="0" smtClean="0">
+                <a:solidFill>
+                  <a:schemeClr val="tx1"/>
+                </a:solidFill>
+                <a:effectLst/>
+                <a:latin typeface="+mn-lt"/>
+                <a:ea typeface="+mn-ea"/>
+                <a:cs typeface="+mn-cs"/>
+              </a:rPr>
+              <a:t> quadratique).</a:t>
+            </a:r>
+            <a:r>
+              <a:rPr lang="fr-BE" dirty="0" smtClean="0"/>
+              <a:t/>
+            </a:r>
+            <a:br>
+              <a:rPr lang="fr-BE" dirty="0" smtClean="0"/>
+            </a:br>
+            <a:r>
+              <a:rPr lang="fr-BE" sz="1200" b="0" i="0" kern="1200" dirty="0" smtClean="0">
+                <a:solidFill>
+                  <a:schemeClr val="tx1"/>
+                </a:solidFill>
+                <a:effectLst/>
+                <a:latin typeface="+mn-lt"/>
+                <a:ea typeface="+mn-ea"/>
+                <a:cs typeface="+mn-cs"/>
+              </a:rPr>
+              <a:t>L'</a:t>
+            </a:r>
+            <a:r>
+              <a:rPr lang="fr-BE" sz="1200" b="0" i="0" kern="1200" dirty="0" err="1" smtClean="0">
+                <a:solidFill>
+                  <a:schemeClr val="tx1"/>
+                </a:solidFill>
+                <a:effectLst/>
+                <a:latin typeface="+mn-lt"/>
+                <a:ea typeface="+mn-ea"/>
+                <a:cs typeface="+mn-cs"/>
+              </a:rPr>
+              <a:t>attenuation</a:t>
+            </a:r>
+            <a:r>
+              <a:rPr lang="fr-BE" sz="1200" b="0" i="0" kern="1200" dirty="0" smtClean="0">
+                <a:solidFill>
+                  <a:schemeClr val="tx1"/>
+                </a:solidFill>
+                <a:effectLst/>
+                <a:latin typeface="+mn-lt"/>
+                <a:ea typeface="+mn-ea"/>
+                <a:cs typeface="+mn-cs"/>
+              </a:rPr>
+              <a:t> se calcule par la formule : </a:t>
+            </a:r>
+            <a:r>
+              <a:rPr lang="fr-BE" sz="1200" b="0" i="0" kern="1200" dirty="0" err="1" smtClean="0">
+                <a:solidFill>
+                  <a:schemeClr val="tx1"/>
+                </a:solidFill>
+                <a:effectLst/>
+                <a:latin typeface="+mn-lt"/>
+                <a:ea typeface="+mn-ea"/>
+                <a:cs typeface="+mn-cs"/>
+              </a:rPr>
+              <a:t>attenuation</a:t>
+            </a:r>
+            <a:r>
+              <a:rPr lang="fr-BE" sz="1200" b="0" i="0" kern="1200" dirty="0" smtClean="0">
+                <a:solidFill>
+                  <a:schemeClr val="tx1"/>
+                </a:solidFill>
+                <a:effectLst/>
+                <a:latin typeface="+mn-lt"/>
+                <a:ea typeface="+mn-ea"/>
+                <a:cs typeface="+mn-cs"/>
+              </a:rPr>
+              <a:t> = 1 / (x + </a:t>
+            </a:r>
+            <a:r>
+              <a:rPr lang="fr-BE" sz="1200" b="0" i="0" kern="1200" dirty="0" err="1" smtClean="0">
+                <a:solidFill>
+                  <a:schemeClr val="tx1"/>
+                </a:solidFill>
+                <a:effectLst/>
+                <a:latin typeface="+mn-lt"/>
+                <a:ea typeface="+mn-ea"/>
+                <a:cs typeface="+mn-cs"/>
+              </a:rPr>
+              <a:t>yd</a:t>
+            </a:r>
+            <a:r>
+              <a:rPr lang="fr-BE" sz="1200" b="0" i="0" kern="1200" dirty="0" smtClean="0">
+                <a:solidFill>
+                  <a:schemeClr val="tx1"/>
+                </a:solidFill>
+                <a:effectLst/>
+                <a:latin typeface="+mn-lt"/>
+                <a:ea typeface="+mn-ea"/>
+                <a:cs typeface="+mn-cs"/>
+              </a:rPr>
+              <a:t> + zd²) avec d distance entre la position de la source lumineuse et un point de l'objet éclairé</a:t>
+            </a:r>
+          </a:p>
+          <a:p>
+            <a:endParaRPr lang="fr-BE" sz="1200" b="0" i="0" kern="1200" dirty="0" smtClean="0">
+              <a:solidFill>
+                <a:schemeClr val="tx1"/>
+              </a:solidFill>
+              <a:effectLst/>
+              <a:latin typeface="+mn-lt"/>
+              <a:ea typeface="+mn-ea"/>
+              <a:cs typeface="+mn-cs"/>
+            </a:endParaRPr>
+          </a:p>
+          <a:p>
+            <a:endParaRPr lang="fr-BE" sz="1200" b="0" i="0" kern="1200" dirty="0" smtClean="0">
+              <a:solidFill>
+                <a:schemeClr val="tx1"/>
+              </a:solidFill>
+              <a:effectLst/>
+              <a:latin typeface="+mn-lt"/>
+              <a:ea typeface="+mn-ea"/>
+              <a:cs typeface="+mn-cs"/>
+            </a:endParaRPr>
+          </a:p>
+          <a:p>
+            <a:r>
+              <a:rPr lang="fr-BE" sz="1200" b="0" i="0" kern="1200" dirty="0" smtClean="0">
+                <a:solidFill>
+                  <a:schemeClr val="tx1"/>
+                </a:solidFill>
+                <a:effectLst/>
+                <a:latin typeface="+mn-lt"/>
+                <a:ea typeface="+mn-ea"/>
+                <a:cs typeface="+mn-cs"/>
+              </a:rPr>
+              <a:t>. Dans l'exemple que nous allons étudier pour illustrer cette source, nous allons utiliser dans le matériau qui constitue notre objet 3D (toujours une sphère ici) une couleur diffuse rouge et une couleur spéculaire verte.</a:t>
+            </a:r>
+            <a:br>
+              <a:rPr lang="fr-BE" sz="1200" b="0" i="0" kern="1200" dirty="0" smtClean="0">
+                <a:solidFill>
+                  <a:schemeClr val="tx1"/>
+                </a:solidFill>
+                <a:effectLst/>
+                <a:latin typeface="+mn-lt"/>
+                <a:ea typeface="+mn-ea"/>
+                <a:cs typeface="+mn-cs"/>
+              </a:rPr>
+            </a:br>
+            <a:r>
+              <a:rPr lang="fr-BE" sz="1200" b="0" i="0" kern="1200" dirty="0" smtClean="0">
+                <a:solidFill>
+                  <a:schemeClr val="tx1"/>
+                </a:solidFill>
+                <a:effectLst/>
+                <a:latin typeface="+mn-lt"/>
+                <a:ea typeface="+mn-ea"/>
+                <a:cs typeface="+mn-cs"/>
+              </a:rPr>
+              <a:t>Nous allons également jouer sur la brillance </a:t>
+            </a:r>
+            <a:r>
+              <a:rPr lang="fr-BE" sz="1200" b="0" i="1" kern="1200" dirty="0" smtClean="0">
+                <a:solidFill>
+                  <a:schemeClr val="tx1"/>
+                </a:solidFill>
+                <a:effectLst/>
+                <a:latin typeface="+mn-lt"/>
+                <a:ea typeface="+mn-ea"/>
+                <a:cs typeface="+mn-cs"/>
+              </a:rPr>
+              <a:t>(</a:t>
+            </a:r>
+            <a:r>
+              <a:rPr lang="fr-BE" sz="1200" b="0" i="1" kern="1200" dirty="0" err="1" smtClean="0">
+                <a:solidFill>
+                  <a:schemeClr val="tx1"/>
+                </a:solidFill>
+                <a:effectLst/>
+                <a:latin typeface="+mn-lt"/>
+                <a:ea typeface="+mn-ea"/>
+                <a:cs typeface="+mn-cs"/>
+              </a:rPr>
+              <a:t>shininess</a:t>
+            </a:r>
+            <a:r>
+              <a:rPr lang="fr-BE" sz="1200" b="0" i="1" kern="1200" dirty="0" smtClean="0">
+                <a:solidFill>
+                  <a:schemeClr val="tx1"/>
+                </a:solidFill>
+                <a:effectLst/>
+                <a:latin typeface="+mn-lt"/>
+                <a:ea typeface="+mn-ea"/>
+                <a:cs typeface="+mn-cs"/>
+              </a:rPr>
+              <a:t>)</a:t>
+            </a:r>
+            <a:r>
+              <a:rPr lang="fr-BE" sz="1200" b="0" i="0" kern="1200" dirty="0" smtClean="0">
+                <a:solidFill>
+                  <a:schemeClr val="tx1"/>
+                </a:solidFill>
+                <a:effectLst/>
+                <a:latin typeface="+mn-lt"/>
+                <a:ea typeface="+mn-ea"/>
+                <a:cs typeface="+mn-cs"/>
+              </a:rPr>
+              <a:t> du matériau.</a:t>
+            </a:r>
+            <a:br>
+              <a:rPr lang="fr-BE" sz="1200" b="0" i="0" kern="1200" dirty="0" smtClean="0">
+                <a:solidFill>
+                  <a:schemeClr val="tx1"/>
+                </a:solidFill>
+                <a:effectLst/>
+                <a:latin typeface="+mn-lt"/>
+                <a:ea typeface="+mn-ea"/>
+                <a:cs typeface="+mn-cs"/>
+              </a:rPr>
+            </a:br>
+            <a:r>
+              <a:rPr lang="fr-BE" sz="1200" b="0" i="0" kern="1200" dirty="0" smtClean="0">
+                <a:solidFill>
+                  <a:schemeClr val="tx1"/>
+                </a:solidFill>
+                <a:effectLst/>
+                <a:latin typeface="+mn-lt"/>
+                <a:ea typeface="+mn-ea"/>
+                <a:cs typeface="+mn-cs"/>
+              </a:rPr>
+              <a:t>Pour introduire une couleur spéculaire à notre matériau, il suffit d'utiliser la méthode </a:t>
+            </a:r>
+            <a:r>
+              <a:rPr lang="fr-BE" sz="1200" b="0" i="0" kern="1200" dirty="0" err="1" smtClean="0">
+                <a:solidFill>
+                  <a:schemeClr val="tx1"/>
+                </a:solidFill>
+                <a:effectLst/>
+                <a:latin typeface="+mn-lt"/>
+                <a:ea typeface="+mn-ea"/>
+                <a:cs typeface="+mn-cs"/>
+              </a:rPr>
+              <a:t>setSpecularColor</a:t>
+            </a:r>
+            <a:r>
+              <a:rPr lang="fr-BE" sz="1200" b="0" i="0" kern="1200" dirty="0" smtClean="0">
+                <a:solidFill>
+                  <a:schemeClr val="tx1"/>
+                </a:solidFill>
+                <a:effectLst/>
+                <a:latin typeface="+mn-lt"/>
+                <a:ea typeface="+mn-ea"/>
+                <a:cs typeface="+mn-cs"/>
+              </a:rPr>
+              <a:t>() de la classe </a:t>
+            </a:r>
+            <a:r>
+              <a:rPr lang="fr-BE" sz="1200" b="0" i="0" kern="1200" dirty="0" err="1" smtClean="0">
+                <a:solidFill>
+                  <a:schemeClr val="tx1"/>
+                </a:solidFill>
+                <a:effectLst/>
+                <a:latin typeface="+mn-lt"/>
+                <a:ea typeface="+mn-ea"/>
+                <a:cs typeface="+mn-cs"/>
+              </a:rPr>
+              <a:t>Material</a:t>
+            </a:r>
+            <a:r>
+              <a:rPr lang="fr-BE" sz="1200" b="0" i="0" kern="1200" dirty="0" smtClean="0">
+                <a:solidFill>
+                  <a:schemeClr val="tx1"/>
+                </a:solidFill>
+                <a:effectLst/>
+                <a:latin typeface="+mn-lt"/>
+                <a:ea typeface="+mn-ea"/>
+                <a:cs typeface="+mn-cs"/>
+              </a:rPr>
+              <a:t> :</a:t>
+            </a:r>
+          </a:p>
+          <a:p>
+            <a:r>
+              <a:rPr lang="fr-BE" sz="1200" b="1" i="0" kern="1200" dirty="0" smtClean="0">
+                <a:solidFill>
+                  <a:schemeClr val="tx1"/>
+                </a:solidFill>
+                <a:effectLst/>
+                <a:latin typeface="+mn-lt"/>
+                <a:ea typeface="+mn-ea"/>
+                <a:cs typeface="+mn-cs"/>
+              </a:rPr>
+              <a:t>public </a:t>
+            </a:r>
+            <a:r>
+              <a:rPr lang="fr-BE" sz="1200" b="1" i="0" kern="1200" dirty="0" err="1" smtClean="0">
+                <a:solidFill>
+                  <a:schemeClr val="tx1"/>
+                </a:solidFill>
+                <a:effectLst/>
+                <a:latin typeface="+mn-lt"/>
+                <a:ea typeface="+mn-ea"/>
+                <a:cs typeface="+mn-cs"/>
+              </a:rPr>
+              <a:t>void</a:t>
+            </a:r>
+            <a:r>
+              <a:rPr lang="fr-BE" sz="1200" b="1" i="0" kern="1200" dirty="0" smtClean="0">
+                <a:solidFill>
+                  <a:schemeClr val="tx1"/>
+                </a:solidFill>
+                <a:effectLst/>
+                <a:latin typeface="+mn-lt"/>
+                <a:ea typeface="+mn-ea"/>
+                <a:cs typeface="+mn-cs"/>
+              </a:rPr>
+              <a:t> </a:t>
+            </a:r>
+            <a:r>
+              <a:rPr lang="fr-BE" sz="1200" b="1" i="0" kern="1200" dirty="0" err="1" smtClean="0">
+                <a:solidFill>
+                  <a:schemeClr val="tx1"/>
+                </a:solidFill>
+                <a:effectLst/>
+                <a:latin typeface="+mn-lt"/>
+                <a:ea typeface="+mn-ea"/>
+                <a:cs typeface="+mn-cs"/>
+              </a:rPr>
+              <a:t>setSpecularColor</a:t>
+            </a:r>
+            <a:r>
+              <a:rPr lang="fr-BE" sz="1200" b="1" i="0" kern="1200" dirty="0" smtClean="0">
+                <a:solidFill>
+                  <a:schemeClr val="tx1"/>
+                </a:solidFill>
+                <a:effectLst/>
+                <a:latin typeface="+mn-lt"/>
+                <a:ea typeface="+mn-ea"/>
+                <a:cs typeface="+mn-cs"/>
+              </a:rPr>
+              <a:t>(Color3f </a:t>
+            </a:r>
+            <a:r>
+              <a:rPr lang="fr-BE" sz="1200" b="1" i="0" kern="1200" dirty="0" err="1" smtClean="0">
+                <a:solidFill>
+                  <a:schemeClr val="tx1"/>
+                </a:solidFill>
+                <a:effectLst/>
+                <a:latin typeface="+mn-lt"/>
+                <a:ea typeface="+mn-ea"/>
+                <a:cs typeface="+mn-cs"/>
+              </a:rPr>
+              <a:t>color</a:t>
+            </a:r>
+            <a:r>
+              <a:rPr lang="fr-BE" sz="1200" b="1" i="0" kern="1200" dirty="0" smtClean="0">
+                <a:solidFill>
+                  <a:schemeClr val="tx1"/>
+                </a:solidFill>
+                <a:effectLst/>
+                <a:latin typeface="+mn-lt"/>
+                <a:ea typeface="+mn-ea"/>
+                <a:cs typeface="+mn-cs"/>
+              </a:rPr>
+              <a:t>)</a:t>
+            </a:r>
+            <a:r>
+              <a:rPr lang="fr-BE" sz="1200" b="0" i="0" kern="1200" dirty="0" smtClean="0">
+                <a:solidFill>
+                  <a:schemeClr val="tx1"/>
+                </a:solidFill>
+                <a:effectLst/>
+                <a:latin typeface="+mn-lt"/>
+                <a:ea typeface="+mn-ea"/>
+                <a:cs typeface="+mn-cs"/>
+              </a:rPr>
+              <a:t/>
+            </a:r>
+            <a:br>
+              <a:rPr lang="fr-BE" sz="1200" b="0" i="0" kern="1200" dirty="0" smtClean="0">
+                <a:solidFill>
+                  <a:schemeClr val="tx1"/>
+                </a:solidFill>
+                <a:effectLst/>
+                <a:latin typeface="+mn-lt"/>
+                <a:ea typeface="+mn-ea"/>
+                <a:cs typeface="+mn-cs"/>
+              </a:rPr>
+            </a:br>
+            <a:r>
+              <a:rPr lang="fr-BE" sz="1200" b="0" i="0" kern="1200" dirty="0" err="1" smtClean="0">
+                <a:solidFill>
+                  <a:schemeClr val="tx1"/>
+                </a:solidFill>
+                <a:effectLst/>
+                <a:latin typeface="+mn-lt"/>
+                <a:ea typeface="+mn-ea"/>
+                <a:cs typeface="+mn-cs"/>
+              </a:rPr>
+              <a:t>color</a:t>
+            </a:r>
+            <a:r>
+              <a:rPr lang="fr-BE" sz="1200" b="0" i="0" kern="1200" dirty="0" smtClean="0">
+                <a:solidFill>
+                  <a:schemeClr val="tx1"/>
+                </a:solidFill>
+                <a:effectLst/>
+                <a:latin typeface="+mn-lt"/>
+                <a:ea typeface="+mn-ea"/>
+                <a:cs typeface="+mn-cs"/>
+              </a:rPr>
+              <a:t> est la couleur spéculaire du matériau.</a:t>
+            </a:r>
+          </a:p>
+          <a:p>
+            <a:r>
+              <a:rPr lang="fr-BE" sz="1200" b="0" i="0" kern="1200" dirty="0" smtClean="0">
+                <a:solidFill>
+                  <a:schemeClr val="tx1"/>
+                </a:solidFill>
+                <a:effectLst/>
+                <a:latin typeface="+mn-lt"/>
+                <a:ea typeface="+mn-ea"/>
+                <a:cs typeface="+mn-cs"/>
+              </a:rPr>
+              <a:t>La brillance d'un matériau peut être modifiée grâce à la méthode </a:t>
+            </a:r>
+            <a:r>
+              <a:rPr lang="fr-BE" sz="1200" b="0" i="0" kern="1200" dirty="0" err="1" smtClean="0">
+                <a:solidFill>
+                  <a:schemeClr val="tx1"/>
+                </a:solidFill>
+                <a:effectLst/>
+                <a:latin typeface="+mn-lt"/>
+                <a:ea typeface="+mn-ea"/>
+                <a:cs typeface="+mn-cs"/>
+              </a:rPr>
+              <a:t>setShininess</a:t>
+            </a:r>
+            <a:r>
+              <a:rPr lang="fr-BE" sz="1200" b="0" i="0" kern="1200" dirty="0" smtClean="0">
+                <a:solidFill>
+                  <a:schemeClr val="tx1"/>
+                </a:solidFill>
+                <a:effectLst/>
+                <a:latin typeface="+mn-lt"/>
+                <a:ea typeface="+mn-ea"/>
+                <a:cs typeface="+mn-cs"/>
+              </a:rPr>
+              <a:t>() de la classe </a:t>
+            </a:r>
+            <a:r>
+              <a:rPr lang="fr-BE" sz="1200" b="0" i="0" kern="1200" dirty="0" err="1" smtClean="0">
+                <a:solidFill>
+                  <a:schemeClr val="tx1"/>
+                </a:solidFill>
+                <a:effectLst/>
+                <a:latin typeface="+mn-lt"/>
+                <a:ea typeface="+mn-ea"/>
+                <a:cs typeface="+mn-cs"/>
+              </a:rPr>
+              <a:t>Material</a:t>
+            </a:r>
+            <a:r>
+              <a:rPr lang="fr-BE" sz="1200" b="0" i="0" kern="1200" dirty="0" smtClean="0">
+                <a:solidFill>
+                  <a:schemeClr val="tx1"/>
+                </a:solidFill>
+                <a:effectLst/>
+                <a:latin typeface="+mn-lt"/>
+                <a:ea typeface="+mn-ea"/>
+                <a:cs typeface="+mn-cs"/>
+              </a:rPr>
+              <a:t> :</a:t>
+            </a:r>
+          </a:p>
+          <a:p>
+            <a:r>
+              <a:rPr lang="fr-BE" sz="1200" b="1" i="0" kern="1200" dirty="0" smtClean="0">
+                <a:solidFill>
+                  <a:schemeClr val="tx1"/>
+                </a:solidFill>
+                <a:effectLst/>
+                <a:latin typeface="+mn-lt"/>
+                <a:ea typeface="+mn-ea"/>
+                <a:cs typeface="+mn-cs"/>
+              </a:rPr>
+              <a:t>public </a:t>
+            </a:r>
+            <a:r>
+              <a:rPr lang="fr-BE" sz="1200" b="1" i="0" kern="1200" dirty="0" err="1" smtClean="0">
+                <a:solidFill>
+                  <a:schemeClr val="tx1"/>
+                </a:solidFill>
+                <a:effectLst/>
+                <a:latin typeface="+mn-lt"/>
+                <a:ea typeface="+mn-ea"/>
+                <a:cs typeface="+mn-cs"/>
+              </a:rPr>
+              <a:t>void</a:t>
+            </a:r>
+            <a:r>
+              <a:rPr lang="fr-BE" sz="1200" b="1" i="0" kern="1200" dirty="0" smtClean="0">
+                <a:solidFill>
+                  <a:schemeClr val="tx1"/>
+                </a:solidFill>
+                <a:effectLst/>
+                <a:latin typeface="+mn-lt"/>
+                <a:ea typeface="+mn-ea"/>
+                <a:cs typeface="+mn-cs"/>
+              </a:rPr>
+              <a:t> </a:t>
+            </a:r>
+            <a:r>
+              <a:rPr lang="fr-BE" sz="1200" b="1" i="0" kern="1200" dirty="0" err="1" smtClean="0">
+                <a:solidFill>
+                  <a:schemeClr val="tx1"/>
+                </a:solidFill>
+                <a:effectLst/>
+                <a:latin typeface="+mn-lt"/>
+                <a:ea typeface="+mn-ea"/>
+                <a:cs typeface="+mn-cs"/>
+              </a:rPr>
+              <a:t>setShininess</a:t>
+            </a:r>
+            <a:r>
+              <a:rPr lang="fr-BE" sz="1200" b="1" i="0" kern="1200" dirty="0" smtClean="0">
+                <a:solidFill>
+                  <a:schemeClr val="tx1"/>
+                </a:solidFill>
+                <a:effectLst/>
+                <a:latin typeface="+mn-lt"/>
+                <a:ea typeface="+mn-ea"/>
+                <a:cs typeface="+mn-cs"/>
+              </a:rPr>
+              <a:t>(</a:t>
+            </a:r>
+            <a:r>
+              <a:rPr lang="fr-BE" sz="1200" b="1" i="0" kern="1200" dirty="0" err="1" smtClean="0">
+                <a:solidFill>
+                  <a:schemeClr val="tx1"/>
+                </a:solidFill>
+                <a:effectLst/>
+                <a:latin typeface="+mn-lt"/>
+                <a:ea typeface="+mn-ea"/>
+                <a:cs typeface="+mn-cs"/>
+              </a:rPr>
+              <a:t>int</a:t>
+            </a:r>
+            <a:r>
+              <a:rPr lang="fr-BE" sz="1200" b="1" i="0" kern="1200" dirty="0" smtClean="0">
+                <a:solidFill>
+                  <a:schemeClr val="tx1"/>
+                </a:solidFill>
+                <a:effectLst/>
+                <a:latin typeface="+mn-lt"/>
+                <a:ea typeface="+mn-ea"/>
+                <a:cs typeface="+mn-cs"/>
+              </a:rPr>
+              <a:t> </a:t>
+            </a:r>
+            <a:r>
+              <a:rPr lang="fr-BE" sz="1200" b="1" i="0" kern="1200" dirty="0" err="1" smtClean="0">
+                <a:solidFill>
+                  <a:schemeClr val="tx1"/>
+                </a:solidFill>
+                <a:effectLst/>
+                <a:latin typeface="+mn-lt"/>
+                <a:ea typeface="+mn-ea"/>
+                <a:cs typeface="+mn-cs"/>
+              </a:rPr>
+              <a:t>shininess</a:t>
+            </a:r>
+            <a:r>
+              <a:rPr lang="fr-BE" sz="1200" b="1" i="0" kern="1200" dirty="0" smtClean="0">
+                <a:solidFill>
+                  <a:schemeClr val="tx1"/>
+                </a:solidFill>
+                <a:effectLst/>
+                <a:latin typeface="+mn-lt"/>
+                <a:ea typeface="+mn-ea"/>
+                <a:cs typeface="+mn-cs"/>
+              </a:rPr>
+              <a:t>)</a:t>
+            </a:r>
+            <a:r>
+              <a:rPr lang="fr-BE" sz="1200" b="0" i="0" kern="1200" dirty="0" smtClean="0">
+                <a:solidFill>
+                  <a:schemeClr val="tx1"/>
+                </a:solidFill>
+                <a:effectLst/>
+                <a:latin typeface="+mn-lt"/>
+                <a:ea typeface="+mn-ea"/>
+                <a:cs typeface="+mn-cs"/>
+              </a:rPr>
+              <a:t/>
+            </a:r>
+            <a:br>
+              <a:rPr lang="fr-BE" sz="1200" b="0" i="0" kern="1200" dirty="0" smtClean="0">
+                <a:solidFill>
+                  <a:schemeClr val="tx1"/>
+                </a:solidFill>
+                <a:effectLst/>
+                <a:latin typeface="+mn-lt"/>
+                <a:ea typeface="+mn-ea"/>
+                <a:cs typeface="+mn-cs"/>
+              </a:rPr>
+            </a:br>
+            <a:r>
+              <a:rPr lang="fr-BE" sz="1200" b="0" i="0" kern="1200" dirty="0" err="1" smtClean="0">
+                <a:solidFill>
+                  <a:schemeClr val="tx1"/>
+                </a:solidFill>
+                <a:effectLst/>
+                <a:latin typeface="+mn-lt"/>
+                <a:ea typeface="+mn-ea"/>
+                <a:cs typeface="+mn-cs"/>
+              </a:rPr>
+              <a:t>shininess</a:t>
+            </a:r>
+            <a:r>
+              <a:rPr lang="fr-BE" sz="1200" b="0" i="0" kern="1200" dirty="0" smtClean="0">
+                <a:solidFill>
+                  <a:schemeClr val="tx1"/>
+                </a:solidFill>
+                <a:effectLst/>
+                <a:latin typeface="+mn-lt"/>
+                <a:ea typeface="+mn-ea"/>
+                <a:cs typeface="+mn-cs"/>
+              </a:rPr>
+              <a:t> est la brillance su matériau. La brillance peut varier entre 1 (peu brillant) et 128 (très brillant)</a:t>
+            </a:r>
+            <a:br>
+              <a:rPr lang="fr-BE" sz="1200" b="0" i="0" kern="1200" dirty="0" smtClean="0">
+                <a:solidFill>
+                  <a:schemeClr val="tx1"/>
+                </a:solidFill>
+                <a:effectLst/>
+                <a:latin typeface="+mn-lt"/>
+                <a:ea typeface="+mn-ea"/>
+                <a:cs typeface="+mn-cs"/>
+              </a:rPr>
+            </a:br>
+            <a:r>
+              <a:rPr lang="fr-BE" sz="1200" b="0" i="0" kern="1200" dirty="0" smtClean="0">
+                <a:solidFill>
+                  <a:schemeClr val="tx1"/>
+                </a:solidFill>
+                <a:effectLst/>
+                <a:latin typeface="+mn-lt"/>
+                <a:ea typeface="+mn-ea"/>
+                <a:cs typeface="+mn-cs"/>
+              </a:rPr>
+              <a:t>La valeur par défaut est de 64.</a:t>
+            </a:r>
+            <a:br>
+              <a:rPr lang="fr-BE" sz="1200" b="0" i="0" kern="1200" dirty="0" smtClean="0">
+                <a:solidFill>
+                  <a:schemeClr val="tx1"/>
+                </a:solidFill>
+                <a:effectLst/>
+                <a:latin typeface="+mn-lt"/>
+                <a:ea typeface="+mn-ea"/>
+                <a:cs typeface="+mn-cs"/>
+              </a:rPr>
+            </a:br>
+            <a:r>
+              <a:rPr lang="fr-BE" sz="1200" b="0" i="0" kern="1200" dirty="0" smtClean="0">
+                <a:solidFill>
+                  <a:schemeClr val="tx1"/>
+                </a:solidFill>
+                <a:effectLst/>
+                <a:latin typeface="+mn-lt"/>
+                <a:ea typeface="+mn-ea"/>
+                <a:cs typeface="+mn-cs"/>
+              </a:rPr>
+              <a:t>Concrètement, on va voir que notre exemple que plus on diminue la brillance et moins le halo représentant l'impact de la source lumineuse ponctuelle sera net.</a:t>
+            </a:r>
+          </a:p>
+          <a:p>
             <a:endParaRPr lang="fr-BE" dirty="0"/>
           </a:p>
         </p:txBody>
       </p:sp>
       <p:sp>
         <p:nvSpPr>
-          <p:cNvPr id="4" name="Slide Number Placeholder 3"/>
+          <p:cNvPr id="4" name="Espace réservé du numéro de diapositive 3"/>
           <p:cNvSpPr>
             <a:spLocks noGrp="1"/>
           </p:cNvSpPr>
@@ -6332,7 +6975,7 @@
           <a:p>
             <a:fld id="{F9B9F26C-5E20-463A-A30E-4B3CD8C634F9}" type="slidenum">
               <a:rPr lang="en-US" smtClean="0"/>
-              <a:t>36</a:t>
+              <a:t>35</a:t>
             </a:fld>
             <a:endParaRPr lang="en-US"/>
           </a:p>
@@ -6341,7 +6984,7 @@
     </p:spTree>
     <p:extLst>
       <p:ext uri="{BB962C8B-B14F-4D97-AF65-F5344CB8AC3E}">
-        <p14:creationId xmlns:p14="http://schemas.microsoft.com/office/powerpoint/2010/main" val="2891736738"/>
+        <p14:creationId xmlns:p14="http://schemas.microsoft.com/office/powerpoint/2010/main" val="672543619"/>
       </p:ext>
     </p:extLst>
   </p:cSld>
@@ -6397,61 +7040,12 @@
           <a:p>
             <a:r>
               <a:rPr lang="fr-BE" dirty="0" smtClean="0"/>
-              <a:t>MouseRotate</a:t>
+              <a:t>On passe à un</a:t>
             </a:r>
             <a:r>
               <a:rPr lang="fr-BE" baseline="0" dirty="0" smtClean="0"/>
-              <a:t> : bouton gauche souris </a:t>
-            </a:r>
-            <a:r>
-              <a:rPr lang="fr-BE" baseline="0" dirty="0" smtClean="0">
-                <a:sym typeface="Wingdings" panose="05000000000000000000" pitchFamily="2" charset="2"/>
-              </a:rPr>
-              <a:t></a:t>
-            </a:r>
-            <a:r>
-              <a:rPr lang="fr-BE" baseline="0" dirty="0" smtClean="0"/>
-              <a:t> rotation de l’objet autour des axes X et Y</a:t>
-            </a:r>
-          </a:p>
-          <a:p>
-            <a:r>
-              <a:rPr lang="fr-BE" baseline="0" dirty="0" smtClean="0"/>
-              <a:t>MouseTranslate : bouton droit souris </a:t>
-            </a:r>
-            <a:r>
-              <a:rPr lang="fr-BE" baseline="0" dirty="0" smtClean="0">
-                <a:sym typeface="Wingdings" panose="05000000000000000000" pitchFamily="2" charset="2"/>
-              </a:rPr>
-              <a:t> </a:t>
-            </a:r>
-            <a:r>
-              <a:rPr lang="fr-BE" baseline="0" dirty="0" smtClean="0"/>
-              <a:t>translation selon les axes X et Y</a:t>
-            </a:r>
-          </a:p>
-          <a:p>
-            <a:r>
-              <a:rPr lang="fr-BE" baseline="0" dirty="0" smtClean="0"/>
-              <a:t>MouseZoom : alt + bouton gauche souris </a:t>
-            </a:r>
-            <a:r>
-              <a:rPr lang="fr-BE" baseline="0" dirty="0" smtClean="0">
-                <a:sym typeface="Wingdings" panose="05000000000000000000" pitchFamily="2" charset="2"/>
-              </a:rPr>
-              <a:t> zoom selon l’axe Z</a:t>
-            </a:r>
-          </a:p>
-          <a:p>
-            <a:r>
-              <a:rPr lang="fr-BE" baseline="0" dirty="0" smtClean="0">
-                <a:sym typeface="Wingdings" panose="05000000000000000000" pitchFamily="2" charset="2"/>
-              </a:rPr>
-              <a:t>MouseWheelZoom : roulette souris  zoom selon axe Z</a:t>
-            </a:r>
-            <a:endParaRPr lang="fr-BE" baseline="0" dirty="0" smtClean="0"/>
-          </a:p>
-          <a:p>
+              <a:t> objet Light le TransformGroup auquel l’éclairage s’applique</a:t>
+            </a:r>
             <a:endParaRPr lang="fr-BE" dirty="0"/>
           </a:p>
         </p:txBody>
@@ -6473,7 +7067,7 @@
           <a:p>
             <a:fld id="{F9B9F26C-5E20-463A-A30E-4B3CD8C634F9}" type="slidenum">
               <a:rPr lang="en-US" smtClean="0"/>
-              <a:t>37</a:t>
+              <a:t>36</a:t>
             </a:fld>
             <a:endParaRPr lang="en-US"/>
           </a:p>
@@ -6482,7 +7076,7 @@
     </p:spTree>
     <p:extLst>
       <p:ext uri="{BB962C8B-B14F-4D97-AF65-F5344CB8AC3E}">
-        <p14:creationId xmlns:p14="http://schemas.microsoft.com/office/powerpoint/2010/main" val="1266529169"/>
+        <p14:creationId xmlns:p14="http://schemas.microsoft.com/office/powerpoint/2010/main" val="2891736738"/>
       </p:ext>
     </p:extLst>
   </p:cSld>
@@ -6930,6 +7524,147 @@
           <a:lstStyle/>
           <a:p>
             <a:r>
+              <a:rPr lang="fr-BE" dirty="0" smtClean="0"/>
+              <a:t>MouseRotate</a:t>
+            </a:r>
+            <a:r>
+              <a:rPr lang="fr-BE" baseline="0" dirty="0" smtClean="0"/>
+              <a:t> : bouton gauche souris </a:t>
+            </a:r>
+            <a:r>
+              <a:rPr lang="fr-BE" baseline="0" dirty="0" smtClean="0">
+                <a:sym typeface="Wingdings" panose="05000000000000000000" pitchFamily="2" charset="2"/>
+              </a:rPr>
+              <a:t></a:t>
+            </a:r>
+            <a:r>
+              <a:rPr lang="fr-BE" baseline="0" dirty="0" smtClean="0"/>
+              <a:t> rotation de l’objet autour des axes X et Y</a:t>
+            </a:r>
+          </a:p>
+          <a:p>
+            <a:r>
+              <a:rPr lang="fr-BE" baseline="0" dirty="0" smtClean="0"/>
+              <a:t>MouseTranslate : bouton droit souris </a:t>
+            </a:r>
+            <a:r>
+              <a:rPr lang="fr-BE" baseline="0" dirty="0" smtClean="0">
+                <a:sym typeface="Wingdings" panose="05000000000000000000" pitchFamily="2" charset="2"/>
+              </a:rPr>
+              <a:t> </a:t>
+            </a:r>
+            <a:r>
+              <a:rPr lang="fr-BE" baseline="0" dirty="0" smtClean="0"/>
+              <a:t>translation selon les axes X et Y</a:t>
+            </a:r>
+          </a:p>
+          <a:p>
+            <a:r>
+              <a:rPr lang="fr-BE" baseline="0" dirty="0" smtClean="0"/>
+              <a:t>MouseZoom : alt + bouton gauche souris </a:t>
+            </a:r>
+            <a:r>
+              <a:rPr lang="fr-BE" baseline="0" dirty="0" smtClean="0">
+                <a:sym typeface="Wingdings" panose="05000000000000000000" pitchFamily="2" charset="2"/>
+              </a:rPr>
+              <a:t> zoom selon l’axe Z</a:t>
+            </a:r>
+          </a:p>
+          <a:p>
+            <a:r>
+              <a:rPr lang="fr-BE" baseline="0" dirty="0" smtClean="0">
+                <a:sym typeface="Wingdings" panose="05000000000000000000" pitchFamily="2" charset="2"/>
+              </a:rPr>
+              <a:t>MouseWheelZoom : roulette souris  zoom selon axe Z</a:t>
+            </a:r>
+            <a:endParaRPr lang="fr-BE" baseline="0" dirty="0" smtClean="0"/>
+          </a:p>
+          <a:p>
+            <a:endParaRPr lang="fr-BE" dirty="0"/>
+          </a:p>
+        </p:txBody>
+      </p:sp>
+      <p:sp>
+        <p:nvSpPr>
+          <p:cNvPr id="4" name="Slide Number Placeholder 3"/>
+          <p:cNvSpPr>
+            <a:spLocks noGrp="1"/>
+          </p:cNvSpPr>
+          <p:nvPr>
+            <p:ph type="sldNum" sz="quarter" idx="10"/>
+          </p:nvPr>
+        </p:nvSpPr>
+        <p:spPr/>
+        <p:txBody>
+          <a:bodyPr/>
+          <a:lstStyle/>
+          <a:p>
+            <a:fld id="{F9B9F26C-5E20-463A-A30E-4B3CD8C634F9}" type="slidenum">
+              <a:rPr lang="en-US" smtClean="0"/>
+              <a:t>37</a:t>
+            </a:fld>
+            <a:endParaRPr lang="en-US"/>
+          </a:p>
+        </p:txBody>
+      </p:sp>
+    </p:spTree>
+    <p:extLst>
+      <p:ext uri="{BB962C8B-B14F-4D97-AF65-F5344CB8AC3E}">
+        <p14:creationId xmlns:p14="http://schemas.microsoft.com/office/powerpoint/2010/main" val="1266529169"/>
+      </p:ext>
+    </p:extLst>
+  </p:cSld>
+  <p:clrMapOvr>
+    <a:masterClrMapping/>
+  </p:clrMapOvr>
+</p:notes>
+</file>
+
+<file path=ppt/notesSlides/notesSlide31.xml><?xml version="1.0" encoding="utf-8"?>
+<p:notes xmlns:a="http://schemas.openxmlformats.org/drawingml/2006/main" xmlns:r="http://schemas.openxmlformats.org/officeDocument/2006/relationships" xmlns:p="http://schemas.openxmlformats.org/presentationml/2006/main">
+  <p:cSld>
+    <p:spTree>
+      <p:nvGrpSpPr>
+        <p:cNvPr id="1" name=""/>
+        <p:cNvGrpSpPr/>
+        <p:nvPr/>
+      </p:nvGrpSpPr>
+      <p:grpSpPr>
+        <a:xfrm>
+          <a:off x="0" y="0"/>
+          <a:ext cx="0" cy="0"/>
+          <a:chOff x="0" y="0"/>
+          <a:chExt cx="0" cy="0"/>
+        </a:xfrm>
+      </p:grpSpPr>
+      <p:sp>
+        <p:nvSpPr>
+          <p:cNvPr id="2" name="Slide Image Placeholder 1"/>
+          <p:cNvSpPr>
+            <a:spLocks noGrp="1" noRot="1" noChangeAspect="1"/>
+          </p:cNvSpPr>
+          <p:nvPr>
+            <p:ph type="sldImg"/>
+          </p:nvPr>
+        </p:nvSpPr>
+        <p:spPr/>
+      </p:sp>
+      <p:sp>
+        <p:nvSpPr>
+          <p:cNvPr id="3" name="Notes Placeholder 2"/>
+          <p:cNvSpPr>
+            <a:spLocks noGrp="1"/>
+          </p:cNvSpPr>
+          <p:nvPr>
+            <p:ph type="body" idx="1"/>
+          </p:nvPr>
+        </p:nvSpPr>
+        <p:spPr/>
+        <p:txBody>
+          <a:bodyPr/>
+          <a:lstStyle/>
+          <a:p>
+            <a:r>
               <a:rPr lang="fr-BE" baseline="0" dirty="0" smtClean="0"/>
               <a:t>Un Behavior est le fils d’BranchGroup mais a un TransformGroup auquel il s’applique</a:t>
             </a:r>
@@ -6972,7 +7707,7 @@
 </p:notes>
 </file>
 
-<file path=ppt/notesSlides/notesSlide31.xml><?xml version="1.0" encoding="utf-8"?>
+<file path=ppt/notesSlides/notesSlide32.xml><?xml version="1.0" encoding="utf-8"?>
 <p:notes xmlns:a="http://schemas.openxmlformats.org/drawingml/2006/main" xmlns:r="http://schemas.openxmlformats.org/officeDocument/2006/relationships" xmlns:p="http://schemas.openxmlformats.org/presentationml/2006/main">
   <p:cSld>
     <p:spTree>
@@ -8079,6 +8814,90 @@
           <a:bodyPr/>
           <a:lstStyle/>
           <a:p>
+            <a:endParaRPr lang="fr-BE" dirty="0"/>
+          </a:p>
+        </p:txBody>
+      </p:sp>
+      <p:sp>
+        <p:nvSpPr>
+          <p:cNvPr id="4" name="Espace réservé du numéro de diapositive 3"/>
+          <p:cNvSpPr>
+            <a:spLocks noGrp="1"/>
+          </p:cNvSpPr>
+          <p:nvPr>
+            <p:ph type="sldNum" sz="quarter" idx="10"/>
+          </p:nvPr>
+        </p:nvSpPr>
+        <p:spPr/>
+        <p:txBody>
+          <a:bodyPr/>
+          <a:lstStyle/>
+          <a:p>
+            <a:fld id="{F9B9F26C-5E20-463A-A30E-4B3CD8C634F9}" type="slidenum">
+              <a:rPr lang="en-US" smtClean="0"/>
+              <a:t>11</a:t>
+            </a:fld>
+            <a:endParaRPr lang="en-US"/>
+          </a:p>
+        </p:txBody>
+      </p:sp>
+    </p:spTree>
+    <p:extLst>
+      <p:ext uri="{BB962C8B-B14F-4D97-AF65-F5344CB8AC3E}">
+        <p14:creationId xmlns:p14="http://schemas.microsoft.com/office/powerpoint/2010/main" val="2652478663"/>
+      </p:ext>
+    </p:extLst>
+  </p:cSld>
+  <p:clrMapOvr>
+    <a:masterClrMapping/>
+  </p:clrMapOvr>
+</p:notes>
+</file>
+
+<file path=ppt/notesSlides/notesSlide8.xml><?xml version="1.0" encoding="utf-8"?>
+<p:notes xmlns:a="http://schemas.openxmlformats.org/drawingml/2006/main" xmlns:r="http://schemas.openxmlformats.org/officeDocument/2006/relationships" xmlns:p="http://schemas.openxmlformats.org/presentationml/2006/main">
+  <p:cSld>
+    <p:spTree>
+      <p:nvGrpSpPr>
+        <p:cNvPr id="1" name=""/>
+        <p:cNvGrpSpPr/>
+        <p:nvPr/>
+      </p:nvGrpSpPr>
+      <p:grpSpPr>
+        <a:xfrm>
+          <a:off x="0" y="0"/>
+          <a:ext cx="0" cy="0"/>
+          <a:chOff x="0" y="0"/>
+          <a:chExt cx="0" cy="0"/>
+        </a:xfrm>
+      </p:grpSpPr>
+      <p:sp>
+        <p:nvSpPr>
+          <p:cNvPr id="2" name="Espace réservé de l'image des diapositives 1"/>
+          <p:cNvSpPr>
+            <a:spLocks noGrp="1" noRot="1" noChangeAspect="1"/>
+          </p:cNvSpPr>
+          <p:nvPr>
+            <p:ph type="sldImg"/>
+          </p:nvPr>
+        </p:nvSpPr>
+        <p:spPr/>
+      </p:sp>
+      <p:sp>
+        <p:nvSpPr>
+          <p:cNvPr id="3" name="Espace réservé des commentaires 2"/>
+          <p:cNvSpPr>
+            <a:spLocks noGrp="1"/>
+          </p:cNvSpPr>
+          <p:nvPr>
+            <p:ph type="body" idx="1"/>
+          </p:nvPr>
+        </p:nvSpPr>
+        <p:spPr/>
+        <p:txBody>
+          <a:bodyPr/>
+          <a:lstStyle/>
+          <a:p>
             <a:r>
               <a:rPr lang="fr-BE" dirty="0" err="1" smtClean="0">
                 <a:solidFill>
@@ -8379,167 +9198,6 @@
 </p:notes>
 </file>
 
-<file path=ppt/notesSlides/notesSlide8.xml><?xml version="1.0" encoding="utf-8"?>
-<p:notes xmlns:a="http://schemas.openxmlformats.org/drawingml/2006/main" xmlns:r="http://schemas.openxmlformats.org/officeDocument/2006/relationships" xmlns:p="http://schemas.openxmlformats.org/presentationml/2006/main">
-  <p:cSld>
-    <p:spTree>
-      <p:nvGrpSpPr>
-        <p:cNvPr id="1" name=""/>
-        <p:cNvGrpSpPr/>
-        <p:nvPr/>
-      </p:nvGrpSpPr>
-      <p:grpSpPr>
-        <a:xfrm>
-          <a:off x="0" y="0"/>
-          <a:ext cx="0" cy="0"/>
-          <a:chOff x="0" y="0"/>
-          <a:chExt cx="0" cy="0"/>
-        </a:xfrm>
-      </p:grpSpPr>
-      <p:sp>
-        <p:nvSpPr>
-          <p:cNvPr id="2" name="Espace réservé de l'image des diapositives 1"/>
-          <p:cNvSpPr>
-            <a:spLocks noGrp="1" noRot="1" noChangeAspect="1"/>
-          </p:cNvSpPr>
-          <p:nvPr>
-            <p:ph type="sldImg"/>
-          </p:nvPr>
-        </p:nvSpPr>
-        <p:spPr/>
-      </p:sp>
-      <p:sp>
-        <p:nvSpPr>
-          <p:cNvPr id="3" name="Espace réservé des commentaires 2"/>
-          <p:cNvSpPr>
-            <a:spLocks noGrp="1"/>
-          </p:cNvSpPr>
-          <p:nvPr>
-            <p:ph type="body" idx="1"/>
-          </p:nvPr>
-        </p:nvSpPr>
-        <p:spPr/>
-        <p:txBody>
-          <a:bodyPr/>
-          <a:lstStyle/>
-          <a:p>
-            <a:r>
-              <a:rPr lang="fr-BE" sz="1200" b="0" i="0" kern="1200" dirty="0" smtClean="0">
-                <a:solidFill>
-                  <a:schemeClr val="tx1"/>
-                </a:solidFill>
-                <a:effectLst/>
-                <a:latin typeface="+mn-lt"/>
-                <a:ea typeface="+mn-ea"/>
-                <a:cs typeface="+mn-cs"/>
-              </a:rPr>
-              <a:t> </a:t>
-            </a:r>
-          </a:p>
-          <a:p>
-            <a:r>
-              <a:rPr lang="fr-BE" sz="1200" b="0" i="0" kern="1200" dirty="0" smtClean="0">
-                <a:solidFill>
-                  <a:schemeClr val="tx1"/>
-                </a:solidFill>
-                <a:effectLst/>
-                <a:latin typeface="+mn-lt"/>
-                <a:ea typeface="+mn-ea"/>
-                <a:cs typeface="+mn-cs"/>
-              </a:rPr>
-              <a:t>Voici un autre exemple d'arbre correspondant à une scène 3D affichant un objet ayant subi deux transformations géométriques au préalable. Nous verrons dans le chapitre consacré aux </a:t>
-            </a:r>
-            <a:r>
-              <a:rPr lang="fr-BE" sz="1200" b="0" i="0" kern="1200" dirty="0" smtClean="0">
-                <a:solidFill>
-                  <a:schemeClr val="tx1"/>
-                </a:solidFill>
-                <a:effectLst/>
-                <a:latin typeface="+mn-lt"/>
-                <a:ea typeface="+mn-ea"/>
-                <a:cs typeface="+mn-cs"/>
-                <a:hlinkClick r:id="rId3"/>
-              </a:rPr>
-              <a:t>transformations</a:t>
-            </a:r>
-            <a:r>
-              <a:rPr lang="fr-BE" sz="1200" b="0" i="0" kern="1200" dirty="0" smtClean="0">
-                <a:solidFill>
-                  <a:schemeClr val="tx1"/>
-                </a:solidFill>
-                <a:effectLst/>
-                <a:latin typeface="+mn-lt"/>
-                <a:ea typeface="+mn-ea"/>
-                <a:cs typeface="+mn-cs"/>
-              </a:rPr>
-              <a:t> que celles - ci sont toujours appliquées dans un ordre bien précis : de la feuille vers la racine. Dans notre exemple, c'est la translation qui est d'abord appliquée à l'objet </a:t>
-            </a:r>
-            <a:r>
-              <a:rPr lang="fr-BE" sz="1200" b="0" i="0" kern="1200" dirty="0" err="1" smtClean="0">
-                <a:solidFill>
-                  <a:schemeClr val="tx1"/>
-                </a:solidFill>
-                <a:effectLst/>
-                <a:latin typeface="+mn-lt"/>
-                <a:ea typeface="+mn-ea"/>
-                <a:cs typeface="+mn-cs"/>
-              </a:rPr>
-              <a:t>ColorCube</a:t>
-            </a:r>
-            <a:r>
-              <a:rPr lang="fr-BE" sz="1200" b="0" i="0" kern="1200" dirty="0" smtClean="0">
-                <a:solidFill>
-                  <a:schemeClr val="tx1"/>
-                </a:solidFill>
-                <a:effectLst/>
-                <a:latin typeface="+mn-lt"/>
-                <a:ea typeface="+mn-ea"/>
-                <a:cs typeface="+mn-cs"/>
-              </a:rPr>
-              <a:t> puis la rotation ensuite. L'ordre d'exécution des transformations est primordial car nous n'obtiendrions pas du tout le même résultat si la rotation était appliquée en premier :</a:t>
-            </a:r>
-          </a:p>
-          <a:p>
-            <a:endParaRPr lang="fr-BE" dirty="0"/>
-          </a:p>
-        </p:txBody>
-      </p:sp>
-      <p:sp>
-        <p:nvSpPr>
-          <p:cNvPr id="4" name="Espace réservé du numéro de diapositive 3"/>
-          <p:cNvSpPr>
-            <a:spLocks noGrp="1"/>
-          </p:cNvSpPr>
-          <p:nvPr>
-            <p:ph type="sldNum" sz="quarter" idx="10"/>
-          </p:nvPr>
-        </p:nvSpPr>
-        <p:spPr/>
-        <p:txBody>
-          <a:bodyPr/>
-          <a:lstStyle/>
-          <a:p>
-            <a:fld id="{F9B9F26C-5E20-463A-A30E-4B3CD8C634F9}" type="slidenum">
-              <a:rPr lang="en-US" smtClean="0"/>
-              <a:t>13</a:t>
-            </a:fld>
-            <a:endParaRPr lang="en-US"/>
-          </a:p>
-        </p:txBody>
-      </p:sp>
-    </p:spTree>
-    <p:extLst>
-      <p:ext uri="{BB962C8B-B14F-4D97-AF65-F5344CB8AC3E}">
-        <p14:creationId xmlns:p14="http://schemas.microsoft.com/office/powerpoint/2010/main" val="662840705"/>
-      </p:ext>
-    </p:extLst>
-  </p:cSld>
-  <p:clrMapOvr>
-    <a:masterClrMapping/>
-  </p:clrMapOvr>
-</p:notes>
-</file>
-
 <file path=ppt/notesSlides/notesSlide9.xml><?xml version="1.0" encoding="utf-8"?>
 <p:notes xmlns:a="http://schemas.openxmlformats.org/drawingml/2006/main" xmlns:r="http://schemas.openxmlformats.org/officeDocument/2006/relationships" xmlns:p="http://schemas.openxmlformats.org/presentationml/2006/main">
   <p:cSld>
@@ -8594,7 +9252,46 @@
                 <a:ea typeface="+mn-ea"/>
                 <a:cs typeface="+mn-cs"/>
               </a:rPr>
-              <a:t>La classe BranchGroup possède une méthode compile(). L'appel de cette méthode convertit toute la branche de l'arbre située sous le nœud BranchGroup en une représentation interne qui est optimisée pour le moteur de rendu afin d'avoir un affichage rapide. Les optimisations effectuées par cette méthode compile() sont multiples, l'une d'entre elles consiste à transformer plusieurs nœuds de type </a:t>
+              <a:t> </a:t>
+            </a:r>
+          </a:p>
+          <a:p>
+            <a:r>
+              <a:rPr lang="fr-BE" sz="1200" b="0" i="0" kern="1200" dirty="0" smtClean="0">
+                <a:solidFill>
+                  <a:schemeClr val="tx1"/>
+                </a:solidFill>
+                <a:effectLst/>
+                <a:latin typeface="+mn-lt"/>
+                <a:ea typeface="+mn-ea"/>
+                <a:cs typeface="+mn-cs"/>
+              </a:rPr>
+              <a:t>Voici un autre exemple d'arbre correspondant à une scène 3D affichant un objet ayant subi deux transformations géométriques au préalable. Nous verrons dans le chapitre consacré aux </a:t>
+            </a:r>
+            <a:r>
+              <a:rPr lang="fr-BE" sz="1200" b="0" i="0" kern="1200" dirty="0" smtClean="0">
+                <a:solidFill>
+                  <a:schemeClr val="tx1"/>
+                </a:solidFill>
+                <a:effectLst/>
+                <a:latin typeface="+mn-lt"/>
+                <a:ea typeface="+mn-ea"/>
+                <a:cs typeface="+mn-cs"/>
+                <a:hlinkClick r:id="rId3"/>
+              </a:rPr>
+              <a:t>transformations</a:t>
+            </a:r>
+            <a:r>
+              <a:rPr lang="fr-BE" sz="1200" b="0" i="0" kern="1200" dirty="0" smtClean="0">
+                <a:solidFill>
+                  <a:schemeClr val="tx1"/>
+                </a:solidFill>
+                <a:effectLst/>
+                <a:latin typeface="+mn-lt"/>
+                <a:ea typeface="+mn-ea"/>
+                <a:cs typeface="+mn-cs"/>
+              </a:rPr>
+              <a:t> que celles - ci sont toujours appliquées dans un ordre bien précis : de la feuille vers la racine. Dans notre exemple, c'est la translation qui est d'abord appliquée à l'objet </a:t>
             </a:r>
             <a:r>
               <a:rPr lang="fr-BE" sz="1200" b="0" i="0" kern="1200" dirty="0" err="1" smtClean="0">
@@ -8606,44 +9303,22 @@
                 <a:ea typeface="+mn-ea"/>
                 <a:cs typeface="+mn-cs"/>
               </a:rPr>
-              <a:t>TransformGroup</a:t>
-            </a:r>
-            <a:r>
-              <a:rPr lang="fr-BE" sz="1200" b="0" i="0" kern="1200" dirty="0" smtClean="0">
-                <a:solidFill>
-                  <a:schemeClr val="tx1"/>
-                </a:solidFill>
-                <a:effectLst/>
-                <a:latin typeface="+mn-lt"/>
-                <a:ea typeface="+mn-ea"/>
-                <a:cs typeface="+mn-cs"/>
-              </a:rPr>
-              <a:t> consécutifs en une seul objet </a:t>
-            </a:r>
-            <a:r>
-              <a:rPr lang="fr-BE" sz="1200" b="0" i="0" kern="1200" dirty="0" err="1" smtClean="0">
-                <a:solidFill>
-                  <a:schemeClr val="tx1"/>
-                </a:solidFill>
-                <a:effectLst/>
-                <a:latin typeface="+mn-lt"/>
-                <a:ea typeface="+mn-ea"/>
-                <a:cs typeface="+mn-cs"/>
-              </a:rPr>
-              <a:t>TransformGroup</a:t>
-            </a:r>
-            <a:r>
-              <a:rPr lang="fr-BE" sz="1200" b="0" i="0" kern="1200" dirty="0" smtClean="0">
-                <a:solidFill>
-                  <a:schemeClr val="tx1"/>
-                </a:solidFill>
-                <a:effectLst/>
-                <a:latin typeface="+mn-lt"/>
-                <a:ea typeface="+mn-ea"/>
-                <a:cs typeface="+mn-cs"/>
-              </a:rPr>
-              <a:t>. La transformation 3D résultante n'en sera que plus performante :</a:t>
-            </a:r>
+              <a:t>ColorCube</a:t>
+            </a:r>
+            <a:r>
+              <a:rPr lang="fr-BE" sz="1200" b="0" i="0" kern="1200" dirty="0" smtClean="0">
+                <a:solidFill>
+                  <a:schemeClr val="tx1"/>
+                </a:solidFill>
+                <a:effectLst/>
+                <a:latin typeface="+mn-lt"/>
+                <a:ea typeface="+mn-ea"/>
+                <a:cs typeface="+mn-cs"/>
+              </a:rPr>
+              <a:t> puis la rotation ensuite. L'ordre d'exécution des transformations est primordial car nous n'obtiendrions pas du tout le même résultat si la rotation était appliquée en premier :</a:t>
+            </a:r>
+          </a:p>
+          <a:p>
             <a:endParaRPr lang="fr-BE" dirty="0"/>
           </a:p>
         </p:txBody>
@@ -8665,7 +9340,7 @@
           <a:p>
             <a:fld id="{F9B9F26C-5E20-463A-A30E-4B3CD8C634F9}" type="slidenum">
               <a:rPr lang="en-US" smtClean="0"/>
-              <a:t>14</a:t>
+              <a:t>13</a:t>
             </a:fld>
             <a:endParaRPr lang="en-US"/>
           </a:p>
@@ -8674,7 +9349,7 @@
     </p:spTree>
     <p:extLst>
       <p:ext uri="{BB962C8B-B14F-4D97-AF65-F5344CB8AC3E}">
-        <p14:creationId xmlns:p14="http://schemas.microsoft.com/office/powerpoint/2010/main" val="885670676"/>
+        <p14:creationId xmlns:p14="http://schemas.microsoft.com/office/powerpoint/2010/main" val="662840705"/>
       </p:ext>
     </p:extLst>
   </p:cSld>
